--- a/Presentations/TLS/TLS.pptx
+++ b/Presentations/TLS/TLS.pptx
@@ -14,29 +14,38 @@
     <p:sldId id="391" r:id="rId8"/>
     <p:sldId id="389" r:id="rId9"/>
     <p:sldId id="396" r:id="rId10"/>
-    <p:sldId id="397" r:id="rId11"/>
-    <p:sldId id="398" r:id="rId12"/>
-    <p:sldId id="400" r:id="rId13"/>
-    <p:sldId id="392" r:id="rId14"/>
-    <p:sldId id="402" r:id="rId15"/>
-    <p:sldId id="404" r:id="rId16"/>
-    <p:sldId id="403" r:id="rId17"/>
-    <p:sldId id="405" r:id="rId18"/>
-    <p:sldId id="407" r:id="rId19"/>
-    <p:sldId id="406" r:id="rId20"/>
-    <p:sldId id="409" r:id="rId21"/>
-    <p:sldId id="410" r:id="rId22"/>
-    <p:sldId id="411" r:id="rId23"/>
-    <p:sldId id="408" r:id="rId24"/>
-    <p:sldId id="414" r:id="rId25"/>
-    <p:sldId id="413" r:id="rId26"/>
-    <p:sldId id="415" r:id="rId27"/>
-    <p:sldId id="416" r:id="rId28"/>
-    <p:sldId id="417" r:id="rId29"/>
-    <p:sldId id="418" r:id="rId30"/>
-    <p:sldId id="419" r:id="rId31"/>
-    <p:sldId id="420" r:id="rId32"/>
-    <p:sldId id="259" r:id="rId33"/>
+    <p:sldId id="426" r:id="rId11"/>
+    <p:sldId id="397" r:id="rId12"/>
+    <p:sldId id="430" r:id="rId13"/>
+    <p:sldId id="429" r:id="rId14"/>
+    <p:sldId id="431" r:id="rId15"/>
+    <p:sldId id="398" r:id="rId16"/>
+    <p:sldId id="400" r:id="rId17"/>
+    <p:sldId id="424" r:id="rId18"/>
+    <p:sldId id="428" r:id="rId19"/>
+    <p:sldId id="392" r:id="rId20"/>
+    <p:sldId id="402" r:id="rId21"/>
+    <p:sldId id="404" r:id="rId22"/>
+    <p:sldId id="403" r:id="rId23"/>
+    <p:sldId id="405" r:id="rId24"/>
+    <p:sldId id="407" r:id="rId25"/>
+    <p:sldId id="427" r:id="rId26"/>
+    <p:sldId id="406" r:id="rId27"/>
+    <p:sldId id="409" r:id="rId28"/>
+    <p:sldId id="410" r:id="rId29"/>
+    <p:sldId id="411" r:id="rId30"/>
+    <p:sldId id="408" r:id="rId31"/>
+    <p:sldId id="414" r:id="rId32"/>
+    <p:sldId id="413" r:id="rId33"/>
+    <p:sldId id="415" r:id="rId34"/>
+    <p:sldId id="416" r:id="rId35"/>
+    <p:sldId id="417" r:id="rId36"/>
+    <p:sldId id="418" r:id="rId37"/>
+    <p:sldId id="419" r:id="rId38"/>
+    <p:sldId id="420" r:id="rId39"/>
+    <p:sldId id="421" r:id="rId40"/>
+    <p:sldId id="422" r:id="rId41"/>
+    <p:sldId id="259" r:id="rId42"/>
   </p:sldIdLst>
   <p:sldSz cx="9144000" cy="6858000" type="screen4x3"/>
   <p:notesSz cx="6858000" cy="9144000"/>
@@ -375,7 +384,7 @@
               <a:pPr>
                 <a:defRPr/>
               </a:pPr>
-              <a:t>31/10/2016</a:t>
+              <a:t>29/03/2022</a:t>
             </a:fld>
             <a:endParaRPr lang="fr-CA"/>
           </a:p>
@@ -567,7 +576,7 @@
               <a:pPr>
                 <a:defRPr/>
               </a:pPr>
-              <a:t>31/10/2016</a:t>
+              <a:t>29/03/2022</a:t>
             </a:fld>
             <a:endParaRPr lang="fr-CA"/>
           </a:p>
@@ -769,7 +778,7 @@
               <a:pPr>
                 <a:defRPr/>
               </a:pPr>
-              <a:t>31/10/2016</a:t>
+              <a:t>29/03/2022</a:t>
             </a:fld>
             <a:endParaRPr lang="fr-CA"/>
           </a:p>
@@ -961,7 +970,7 @@
               <a:pPr>
                 <a:defRPr/>
               </a:pPr>
-              <a:t>31/10/2016</a:t>
+              <a:t>29/03/2022</a:t>
             </a:fld>
             <a:endParaRPr lang="fr-CA"/>
           </a:p>
@@ -1229,7 +1238,7 @@
               <a:pPr>
                 <a:defRPr/>
               </a:pPr>
-              <a:t>31/10/2016</a:t>
+              <a:t>29/03/2022</a:t>
             </a:fld>
             <a:endParaRPr lang="fr-CA"/>
           </a:p>
@@ -1539,7 +1548,7 @@
               <a:pPr>
                 <a:defRPr/>
               </a:pPr>
-              <a:t>31/10/2016</a:t>
+              <a:t>29/03/2022</a:t>
             </a:fld>
             <a:endParaRPr lang="fr-CA"/>
           </a:p>
@@ -1983,7 +1992,7 @@
               <a:pPr>
                 <a:defRPr/>
               </a:pPr>
-              <a:t>31/10/2016</a:t>
+              <a:t>29/03/2022</a:t>
             </a:fld>
             <a:endParaRPr lang="fr-CA"/>
           </a:p>
@@ -2123,7 +2132,7 @@
               <a:pPr>
                 <a:defRPr/>
               </a:pPr>
-              <a:t>31/10/2016</a:t>
+              <a:t>29/03/2022</a:t>
             </a:fld>
             <a:endParaRPr lang="fr-CA"/>
           </a:p>
@@ -2240,7 +2249,7 @@
               <a:pPr>
                 <a:defRPr/>
               </a:pPr>
-              <a:t>31/10/2016</a:t>
+              <a:t>29/03/2022</a:t>
             </a:fld>
             <a:endParaRPr lang="fr-CA"/>
           </a:p>
@@ -2539,7 +2548,7 @@
               <a:pPr>
                 <a:defRPr/>
               </a:pPr>
-              <a:t>31/10/2016</a:t>
+              <a:t>29/03/2022</a:t>
             </a:fld>
             <a:endParaRPr lang="fr-CA"/>
           </a:p>
@@ -2821,7 +2830,7 @@
               <a:pPr>
                 <a:defRPr/>
               </a:pPr>
-              <a:t>31/10/2016</a:t>
+              <a:t>29/03/2022</a:t>
             </a:fld>
             <a:endParaRPr lang="fr-CA"/>
           </a:p>
@@ -3085,7 +3094,7 @@
               <a:pPr>
                 <a:defRPr/>
               </a:pPr>
-              <a:t>31/10/2016</a:t>
+              <a:t>29/03/2022</a:t>
             </a:fld>
             <a:endParaRPr lang="fr-CA"/>
           </a:p>
@@ -3786,7 +3795,7 @@
         <p:spPr>
           <a:xfrm>
             <a:off x="304800" y="1905000"/>
-            <a:ext cx="8839200" cy="1981200"/>
+            <a:ext cx="8839200" cy="3657600"/>
           </a:xfrm>
         </p:spPr>
         <p:txBody>
@@ -3799,7 +3808,18 @@
                   <a:srgbClr val="3C5790"/>
                 </a:solidFill>
               </a:rPr>
-              <a:t>Ciphers may be either: </a:t>
+              <a:t>There are 2 cryptographic techniques:</a:t>
+            </a:r>
+          </a:p>
+          <a:p>
+            <a:pPr lvl="1"/>
+            <a:r>
+              <a:rPr lang="en-US" sz="1400" dirty="0">
+                <a:solidFill>
+                  <a:srgbClr val="3C5790"/>
+                </a:solidFill>
+              </a:rPr>
+              <a:t> </a:t>
             </a:r>
             <a:r>
               <a:rPr lang="en-US" sz="1400" b="1" dirty="0">
@@ -3807,15 +3827,18 @@
                   <a:srgbClr val="3C5790"/>
                 </a:solidFill>
               </a:rPr>
-              <a:t>stream ciphers </a:t>
-            </a:r>
-            <a:r>
-              <a:rPr lang="en-US" sz="1400" dirty="0">
-                <a:solidFill>
-                  <a:srgbClr val="3C5790"/>
-                </a:solidFill>
-              </a:rPr>
-              <a:t>or </a:t>
+              <a:t>secret key</a:t>
+            </a:r>
+          </a:p>
+          <a:p>
+            <a:pPr lvl="1"/>
+            <a:r>
+              <a:rPr lang="en-US" sz="1400" dirty="0">
+                <a:solidFill>
+                  <a:srgbClr val="3C5790"/>
+                </a:solidFill>
+              </a:rPr>
+              <a:t> </a:t>
             </a:r>
             <a:r>
               <a:rPr lang="en-US" sz="1400" b="1" dirty="0">
@@ -3823,7 +3846,45 @@
                   <a:srgbClr val="3C5790"/>
                 </a:solidFill>
               </a:rPr>
-              <a:t>block ciphers</a:t>
+              <a:t>public key</a:t>
+            </a:r>
+          </a:p>
+          <a:p>
+            <a:r>
+              <a:rPr lang="en-US" sz="1400" dirty="0">
+                <a:solidFill>
+                  <a:srgbClr val="3C5790"/>
+                </a:solidFill>
+              </a:rPr>
+              <a:t>With secret key cryptography both parties know the same information: the key and the endeavor to keep that key secret.</a:t>
+            </a:r>
+          </a:p>
+          <a:p>
+            <a:r>
+              <a:rPr lang="en-US" sz="1400" dirty="0">
+                <a:solidFill>
+                  <a:srgbClr val="3C5790"/>
+                </a:solidFill>
+              </a:rPr>
+              <a:t>Because the secret is known by both parties the technique is called symmetric encryption.</a:t>
+            </a:r>
+          </a:p>
+          <a:p>
+            <a:r>
+              <a:rPr lang="en-US" sz="1400" dirty="0">
+                <a:solidFill>
+                  <a:srgbClr val="3C5790"/>
+                </a:solidFill>
+              </a:rPr>
+              <a:t>The information after encryption process is called </a:t>
+            </a:r>
+            <a:r>
+              <a:rPr lang="en-US" sz="1400" b="1" dirty="0">
+                <a:solidFill>
+                  <a:srgbClr val="3C5790"/>
+                </a:solidFill>
+              </a:rPr>
+              <a:t>cipher text</a:t>
             </a:r>
             <a:r>
               <a:rPr lang="en-US" sz="1400" dirty="0">
@@ -3834,86 +3895,12 @@
               <a:t>.</a:t>
             </a:r>
           </a:p>
-          <a:p>
-            <a:r>
-              <a:rPr lang="en-US" sz="1400" dirty="0">
-                <a:solidFill>
-                  <a:srgbClr val="3C5790"/>
-                </a:solidFill>
-              </a:rPr>
-              <a:t>Stream ciphers process input data a byte at a time and can accept any size of input for encryption.</a:t>
-            </a:r>
-          </a:p>
-          <a:p>
-            <a:r>
-              <a:rPr lang="en-US" sz="1400" dirty="0">
-                <a:solidFill>
-                  <a:srgbClr val="3C5790"/>
-                </a:solidFill>
-              </a:rPr>
-              <a:t>Block ciphers operates only on fixed-sized blocks of data, typically 8 bytes in size.</a:t>
-            </a:r>
-          </a:p>
-          <a:p>
-            <a:r>
-              <a:rPr lang="en-US" sz="1400" dirty="0">
-                <a:solidFill>
-                  <a:srgbClr val="3C5790"/>
-                </a:solidFill>
-              </a:rPr>
-              <a:t>Block ciphers require less computation resources.</a:t>
-            </a:r>
-          </a:p>
-          <a:p>
-            <a:r>
-              <a:rPr lang="en-US" sz="1400" dirty="0">
-                <a:solidFill>
-                  <a:srgbClr val="3C5790"/>
-                </a:solidFill>
-              </a:rPr>
-              <a:t>Encrypting data using a block cipher requires breaking the data into blocks.</a:t>
-            </a:r>
-          </a:p>
-          <a:p>
-            <a:r>
-              <a:rPr lang="en-US" sz="1400" dirty="0">
-                <a:solidFill>
-                  <a:srgbClr val="3C5790"/>
-                </a:solidFill>
-              </a:rPr>
-              <a:t>If the last block doesn't contain exactly the right amount of data then dummy data is filled (padding).</a:t>
-            </a:r>
-          </a:p>
-        </p:txBody>
-      </p:sp>
-      <p:pic>
-        <p:nvPicPr>
-          <p:cNvPr id="3" name="Picture 2"/>
-          <p:cNvPicPr>
-            <a:picLocks noChangeAspect="1"/>
-          </p:cNvPicPr>
-          <p:nvPr/>
-        </p:nvPicPr>
-        <p:blipFill>
-          <a:blip r:embed="rId3"/>
-          <a:stretch>
-            <a:fillRect/>
-          </a:stretch>
-        </p:blipFill>
-        <p:spPr>
-          <a:xfrm>
-            <a:off x="1295400" y="3886200"/>
-            <a:ext cx="5734050" cy="1400175"/>
-          </a:xfrm>
-          <a:prstGeom prst="rect">
-            <a:avLst/>
-          </a:prstGeom>
-        </p:spPr>
-      </p:pic>
+        </p:txBody>
+      </p:sp>
     </p:spTree>
     <p:extLst>
       <p:ext uri="{BB962C8B-B14F-4D97-AF65-F5344CB8AC3E}">
-        <p14:creationId xmlns:p14="http://schemas.microsoft.com/office/powerpoint/2010/main" val="466897170"/>
+        <p14:creationId xmlns:p14="http://schemas.microsoft.com/office/powerpoint/2010/main" val="3475549787"/>
       </p:ext>
     </p:extLst>
   </p:cSld>
@@ -4015,7 +4002,7 @@
         <p:spPr>
           <a:xfrm>
             <a:off x="304800" y="1905000"/>
-            <a:ext cx="8839200" cy="3657600"/>
+            <a:ext cx="8839200" cy="1981200"/>
           </a:xfrm>
         </p:spPr>
         <p:txBody>
@@ -4023,20 +4010,28 @@
           <a:lstStyle/>
           <a:p>
             <a:r>
+              <a:rPr lang="en-US" sz="1400" dirty="0">
+                <a:solidFill>
+                  <a:srgbClr val="3C5790"/>
+                </a:solidFill>
+              </a:rPr>
+              <a:t>Ciphers may be either: </a:t>
+            </a:r>
+            <a:r>
               <a:rPr lang="en-US" sz="1400" b="1" dirty="0">
                 <a:solidFill>
                   <a:srgbClr val="3C5790"/>
                 </a:solidFill>
               </a:rPr>
-              <a:t>Public</a:t>
-            </a:r>
-            <a:r>
-              <a:rPr lang="en-US" sz="1400" dirty="0">
-                <a:solidFill>
-                  <a:srgbClr val="3C5790"/>
-                </a:solidFill>
-              </a:rPr>
-              <a:t> </a:t>
+              <a:t>stream ciphers </a:t>
+            </a:r>
+            <a:r>
+              <a:rPr lang="en-US" sz="1400" dirty="0">
+                <a:solidFill>
+                  <a:srgbClr val="3C5790"/>
+                </a:solidFill>
+              </a:rPr>
+              <a:t>or </a:t>
             </a:r>
             <a:r>
               <a:rPr lang="en-US" sz="1400" b="1" dirty="0">
@@ -4044,115 +4039,7 @@
                   <a:srgbClr val="3C5790"/>
                 </a:solidFill>
               </a:rPr>
-              <a:t>key(asymmetric</a:t>
-            </a:r>
-            <a:r>
-              <a:rPr lang="en-US" sz="1400" dirty="0">
-                <a:solidFill>
-                  <a:srgbClr val="3C5790"/>
-                </a:solidFill>
-              </a:rPr>
-              <a:t>) cryptography actually has each of the 2 parties use separate keys:</a:t>
-            </a:r>
-          </a:p>
-          <a:p>
-            <a:pPr lvl="1"/>
-            <a:r>
-              <a:rPr lang="en-US" sz="1400" dirty="0">
-                <a:solidFill>
-                  <a:srgbClr val="3C5790"/>
-                </a:solidFill>
-              </a:rPr>
-              <a:t>one for encryption </a:t>
-            </a:r>
-            <a:r>
-              <a:rPr lang="en-US" sz="1400" b="1" dirty="0">
-                <a:solidFill>
-                  <a:srgbClr val="3C5790"/>
-                </a:solidFill>
-              </a:rPr>
-              <a:t>(public key)</a:t>
-            </a:r>
-          </a:p>
-          <a:p>
-            <a:pPr lvl="1"/>
-            <a:r>
-              <a:rPr lang="en-US" sz="1400" dirty="0">
-                <a:solidFill>
-                  <a:srgbClr val="3C5790"/>
-                </a:solidFill>
-              </a:rPr>
-              <a:t>another one for decryption </a:t>
-            </a:r>
-            <a:r>
-              <a:rPr lang="en-US" sz="1400" b="1" dirty="0">
-                <a:solidFill>
-                  <a:srgbClr val="3C5790"/>
-                </a:solidFill>
-              </a:rPr>
-              <a:t>(private key)</a:t>
-            </a:r>
-          </a:p>
-          <a:p>
-            <a:r>
-              <a:rPr lang="en-US" sz="1400" dirty="0" err="1">
-                <a:solidFill>
-                  <a:srgbClr val="3C5790"/>
-                </a:solidFill>
-              </a:rPr>
-              <a:t>Publick</a:t>
-            </a:r>
-            <a:r>
-              <a:rPr lang="en-US" sz="1400" dirty="0">
-                <a:solidFill>
-                  <a:srgbClr val="3C5790"/>
-                </a:solidFill>
-              </a:rPr>
-              <a:t> key encryption is powerful but extremely complex.</a:t>
-            </a:r>
-          </a:p>
-          <a:p>
-            <a:r>
-              <a:rPr lang="en-US" sz="1400" dirty="0">
-                <a:solidFill>
-                  <a:srgbClr val="3C5790"/>
-                </a:solidFill>
-              </a:rPr>
-              <a:t>A good </a:t>
-            </a:r>
-            <a:r>
-              <a:rPr lang="en-US" sz="1400" dirty="0" err="1">
-                <a:solidFill>
-                  <a:srgbClr val="3C5790"/>
-                </a:solidFill>
-              </a:rPr>
-              <a:t>aproach</a:t>
-            </a:r>
-            <a:r>
-              <a:rPr lang="en-US" sz="1400" dirty="0">
-                <a:solidFill>
-                  <a:srgbClr val="3C5790"/>
-                </a:solidFill>
-              </a:rPr>
-              <a:t> is to share the secret key over a secure channel done with public/private keys.</a:t>
-            </a:r>
-          </a:p>
-          <a:p>
-            <a:r>
-              <a:rPr lang="en-US" sz="1400" dirty="0">
-                <a:solidFill>
-                  <a:srgbClr val="3C5790"/>
-                </a:solidFill>
-              </a:rPr>
-              <a:t>This special type is algorithm is known as </a:t>
-            </a:r>
-            <a:r>
-              <a:rPr lang="en-US" sz="1400" b="1" dirty="0">
-                <a:solidFill>
-                  <a:srgbClr val="3C5790"/>
-                </a:solidFill>
-              </a:rPr>
-              <a:t>key exchange algorithm</a:t>
+              <a:t>block ciphers</a:t>
             </a:r>
             <a:r>
               <a:rPr lang="en-US" sz="1400" dirty="0">
@@ -4163,12 +4050,86 @@
               <a:t>.</a:t>
             </a:r>
           </a:p>
-        </p:txBody>
-      </p:sp>
+          <a:p>
+            <a:r>
+              <a:rPr lang="en-US" sz="1400" dirty="0">
+                <a:solidFill>
+                  <a:srgbClr val="3C5790"/>
+                </a:solidFill>
+              </a:rPr>
+              <a:t>Stream ciphers process input data a byte at a time and can accept any size of input for encryption.</a:t>
+            </a:r>
+          </a:p>
+          <a:p>
+            <a:r>
+              <a:rPr lang="en-US" sz="1400" dirty="0">
+                <a:solidFill>
+                  <a:srgbClr val="3C5790"/>
+                </a:solidFill>
+              </a:rPr>
+              <a:t>Block ciphers operates only on fixed-sized blocks of data, typically 8 bytes in size.</a:t>
+            </a:r>
+          </a:p>
+          <a:p>
+            <a:r>
+              <a:rPr lang="en-US" sz="1400" dirty="0">
+                <a:solidFill>
+                  <a:srgbClr val="3C5790"/>
+                </a:solidFill>
+              </a:rPr>
+              <a:t>Block ciphers require less computation resources.</a:t>
+            </a:r>
+          </a:p>
+          <a:p>
+            <a:r>
+              <a:rPr lang="en-US" sz="1400" dirty="0">
+                <a:solidFill>
+                  <a:srgbClr val="3C5790"/>
+                </a:solidFill>
+              </a:rPr>
+              <a:t>Encrypting data using a block cipher requires breaking the data into blocks.</a:t>
+            </a:r>
+          </a:p>
+          <a:p>
+            <a:r>
+              <a:rPr lang="en-US" sz="1400" dirty="0">
+                <a:solidFill>
+                  <a:srgbClr val="3C5790"/>
+                </a:solidFill>
+              </a:rPr>
+              <a:t>If the last block doesn't contain exactly the right amount of data, then dummy data is filled (padding).</a:t>
+            </a:r>
+          </a:p>
+        </p:txBody>
+      </p:sp>
+      <p:pic>
+        <p:nvPicPr>
+          <p:cNvPr id="3" name="Picture 2"/>
+          <p:cNvPicPr>
+            <a:picLocks noChangeAspect="1"/>
+          </p:cNvPicPr>
+          <p:nvPr/>
+        </p:nvPicPr>
+        <p:blipFill>
+          <a:blip r:embed="rId3"/>
+          <a:stretch>
+            <a:fillRect/>
+          </a:stretch>
+        </p:blipFill>
+        <p:spPr>
+          <a:xfrm>
+            <a:off x="1295400" y="3886200"/>
+            <a:ext cx="5734050" cy="1400175"/>
+          </a:xfrm>
+          <a:prstGeom prst="rect">
+            <a:avLst/>
+          </a:prstGeom>
+        </p:spPr>
+      </p:pic>
     </p:spTree>
     <p:extLst>
       <p:ext uri="{BB962C8B-B14F-4D97-AF65-F5344CB8AC3E}">
-        <p14:creationId xmlns:p14="http://schemas.microsoft.com/office/powerpoint/2010/main" val="3737554676"/>
+        <p14:creationId xmlns:p14="http://schemas.microsoft.com/office/powerpoint/2010/main" val="466897170"/>
       </p:ext>
     </p:extLst>
   </p:cSld>
@@ -4270,7 +4231,7 @@
         <p:spPr>
           <a:xfrm>
             <a:off x="304800" y="1905000"/>
-            <a:ext cx="8839200" cy="1066800"/>
+            <a:ext cx="8839200" cy="2895600"/>
           </a:xfrm>
         </p:spPr>
         <p:txBody>
@@ -4283,7 +4244,59 @@
                   <a:srgbClr val="3C5790"/>
                 </a:solidFill>
               </a:rPr>
-              <a:t>Public key certificates contains lots of information like:</a:t>
+              <a:t>Private/symmetric key features:</a:t>
+            </a:r>
+          </a:p>
+          <a:p>
+            <a:pPr lvl="1">
+              <a:buFont typeface="Wingdings" panose="05000000000000000000" pitchFamily="2" charset="2"/>
+              <a:buChar char="Ø"/>
+            </a:pPr>
+            <a:r>
+              <a:rPr lang="en-US" sz="1400" dirty="0">
+                <a:solidFill>
+                  <a:srgbClr val="3C5790"/>
+                </a:solidFill>
+              </a:rPr>
+              <a:t>Based on single common shared secret key</a:t>
+            </a:r>
+          </a:p>
+          <a:p>
+            <a:pPr lvl="1">
+              <a:buFont typeface="Wingdings" panose="05000000000000000000" pitchFamily="2" charset="2"/>
+              <a:buChar char="Ø"/>
+            </a:pPr>
+            <a:r>
+              <a:rPr lang="en-US" sz="1400" dirty="0">
+                <a:solidFill>
+                  <a:srgbClr val="3C5790"/>
+                </a:solidFill>
+              </a:rPr>
+              <a:t>Faster than public key encryption</a:t>
+            </a:r>
+          </a:p>
+          <a:p>
+            <a:pPr lvl="1">
+              <a:buFont typeface="Wingdings" panose="05000000000000000000" pitchFamily="2" charset="2"/>
+              <a:buChar char="Ø"/>
+            </a:pPr>
+            <a:r>
+              <a:rPr lang="en-US" sz="1400" dirty="0">
+                <a:solidFill>
+                  <a:srgbClr val="3C5790"/>
+                </a:solidFill>
+              </a:rPr>
+              <a:t>Both sender and receiver should have the shared key</a:t>
+            </a:r>
+          </a:p>
+          <a:p>
+            <a:r>
+              <a:rPr lang="en-US" sz="1400" dirty="0">
+                <a:solidFill>
+                  <a:srgbClr val="3C5790"/>
+                </a:solidFill>
+              </a:rPr>
+              <a:t>Algorithms: </a:t>
             </a:r>
           </a:p>
           <a:p>
@@ -4294,93 +4307,99 @@
                   <a:srgbClr val="3C5790"/>
                 </a:solidFill>
               </a:rPr>
-              <a:t> </a:t>
-            </a:r>
-            <a:r>
-              <a:rPr lang="en-US" sz="1400" b="1" dirty="0">
-                <a:solidFill>
-                  <a:srgbClr val="3C5790"/>
-                </a:solidFill>
-              </a:rPr>
-              <a:t>issuer</a:t>
-            </a:r>
-            <a:r>
-              <a:rPr lang="en-US" sz="1400" dirty="0">
-                <a:solidFill>
-                  <a:srgbClr val="3C5790"/>
-                </a:solidFill>
-              </a:rPr>
-              <a:t>: identifies the organization that has issued the certificate</a:t>
+              <a:t>AES (Advanced Encryption Standard)</a:t>
             </a:r>
           </a:p>
           <a:p>
             <a:pPr lvl="1"/>
             <a:r>
-              <a:rPr lang="en-US" sz="1400" b="1" dirty="0">
-                <a:solidFill>
-                  <a:srgbClr val="3C5790"/>
-                </a:solidFill>
-              </a:rPr>
-              <a:t> period of validity</a:t>
-            </a:r>
-            <a:r>
-              <a:rPr lang="en-US" sz="1400" dirty="0">
-                <a:solidFill>
-                  <a:srgbClr val="3C5790"/>
-                </a:solidFill>
-              </a:rPr>
-              <a:t>: certificates expire after a certain time.</a:t>
+              <a:rPr lang="en-US" sz="1400" dirty="0">
+                <a:solidFill>
+                  <a:srgbClr val="3C5790"/>
+                </a:solidFill>
+              </a:rPr>
+              <a:t>DES (Data Encryption Standard)</a:t>
             </a:r>
           </a:p>
           <a:p>
             <a:pPr lvl="1"/>
             <a:r>
-              <a:rPr lang="en-US" sz="1400" b="1" dirty="0">
-                <a:solidFill>
-                  <a:srgbClr val="3C5790"/>
-                </a:solidFill>
-              </a:rPr>
-              <a:t> subject</a:t>
-            </a:r>
-            <a:r>
-              <a:rPr lang="en-US" sz="1400" dirty="0">
-                <a:solidFill>
-                  <a:srgbClr val="3C5790"/>
-                </a:solidFill>
-              </a:rPr>
-              <a:t>: issuer's signature</a:t>
-            </a:r>
-          </a:p>
-        </p:txBody>
-      </p:sp>
-      <p:pic>
-        <p:nvPicPr>
-          <p:cNvPr id="2" name="Picture 1"/>
-          <p:cNvPicPr>
-            <a:picLocks noChangeAspect="1"/>
-          </p:cNvPicPr>
-          <p:nvPr/>
-        </p:nvPicPr>
-        <p:blipFill>
-          <a:blip r:embed="rId3"/>
-          <a:stretch>
-            <a:fillRect/>
-          </a:stretch>
-        </p:blipFill>
-        <p:spPr>
-          <a:xfrm>
-            <a:off x="3429000" y="2971800"/>
-            <a:ext cx="2133600" cy="3752850"/>
-          </a:xfrm>
-          <a:prstGeom prst="rect">
-            <a:avLst/>
-          </a:prstGeom>
-        </p:spPr>
-      </p:pic>
+              <a:rPr lang="en-US" sz="1400" dirty="0">
+                <a:solidFill>
+                  <a:srgbClr val="3C5790"/>
+                </a:solidFill>
+              </a:rPr>
+              <a:t>3DES</a:t>
+            </a:r>
+          </a:p>
+          <a:p>
+            <a:pPr lvl="1"/>
+            <a:r>
+              <a:rPr lang="en-US" sz="1400" dirty="0">
+                <a:solidFill>
+                  <a:srgbClr val="3C5790"/>
+                </a:solidFill>
+              </a:rPr>
+              <a:t>IDEA (International Data Encryption Algorithm)</a:t>
+            </a:r>
+          </a:p>
+          <a:p>
+            <a:pPr lvl="1"/>
+            <a:r>
+              <a:rPr lang="en-US" sz="1400" dirty="0">
+                <a:solidFill>
+                  <a:srgbClr val="3C5790"/>
+                </a:solidFill>
+              </a:rPr>
+              <a:t>Blowfish (Drop-In replacement for DES or IDEA)</a:t>
+            </a:r>
+          </a:p>
+          <a:p>
+            <a:pPr lvl="1"/>
+            <a:r>
+              <a:rPr lang="en-US" sz="1400" dirty="0" err="1">
+                <a:solidFill>
+                  <a:srgbClr val="3C5790"/>
+                </a:solidFill>
+              </a:rPr>
+              <a:t>Twofish</a:t>
+            </a:r>
+            <a:r>
+              <a:rPr lang="en-US" sz="1400" dirty="0">
+                <a:solidFill>
+                  <a:srgbClr val="3C5790"/>
+                </a:solidFill>
+              </a:rPr>
+              <a:t> (Blowfish’s successor, very fast)</a:t>
+            </a:r>
+          </a:p>
+          <a:p>
+            <a:endParaRPr lang="en-US" sz="1400" dirty="0">
+              <a:solidFill>
+                <a:srgbClr val="3C5790"/>
+              </a:solidFill>
+            </a:endParaRPr>
+          </a:p>
+          <a:p>
+            <a:endParaRPr lang="en-US" sz="1400" dirty="0">
+              <a:solidFill>
+                <a:srgbClr val="3C5790"/>
+              </a:solidFill>
+            </a:endParaRPr>
+          </a:p>
+          <a:p>
+            <a:endParaRPr lang="en-US" sz="1400" dirty="0">
+              <a:solidFill>
+                <a:srgbClr val="3C5790"/>
+              </a:solidFill>
+            </a:endParaRPr>
+          </a:p>
+        </p:txBody>
+      </p:sp>
     </p:spTree>
     <p:extLst>
       <p:ext uri="{BB962C8B-B14F-4D97-AF65-F5344CB8AC3E}">
-        <p14:creationId xmlns:p14="http://schemas.microsoft.com/office/powerpoint/2010/main" val="1642656030"/>
+        <p14:creationId xmlns:p14="http://schemas.microsoft.com/office/powerpoint/2010/main" val="2768734023"/>
       </p:ext>
     </p:extLst>
   </p:cSld>
@@ -4435,20 +4454,12 @@
           <a:lstStyle/>
           <a:p>
             <a:r>
-              <a:rPr lang="fr-CA" dirty="0">
-                <a:solidFill>
-                  <a:schemeClr val="bg1"/>
-                </a:solidFill>
-              </a:rPr>
-              <a:t>SSL </a:t>
-            </a:r>
-            <a:r>
-              <a:rPr lang="fr-CA" dirty="0" err="1">
-                <a:solidFill>
-                  <a:schemeClr val="bg1"/>
-                </a:solidFill>
-              </a:rPr>
-              <a:t>Operation</a:t>
+              <a:rPr lang="fr-CA">
+                <a:solidFill>
+                  <a:schemeClr val="bg1"/>
+                </a:solidFill>
+              </a:rPr>
+              <a:t>Cryptography (cont.)</a:t>
             </a:r>
             <a:endParaRPr lang="fr-CA" dirty="0">
               <a:solidFill>
@@ -4458,61 +4469,40 @@
           </a:p>
         </p:txBody>
       </p:sp>
-      <p:sp>
-        <p:nvSpPr>
-          <p:cNvPr id="4099" name="Espace réservé du contenu 4"/>
-          <p:cNvSpPr>
-            <a:spLocks noGrp="1"/>
-          </p:cNvSpPr>
-          <p:nvPr>
-            <p:ph idx="1"/>
-          </p:nvPr>
-        </p:nvSpPr>
+      <p:pic>
+        <p:nvPicPr>
+          <p:cNvPr id="7" name="Picture 6">
+            <a:extLst>
+              <a:ext uri="{FF2B5EF4-FFF2-40B4-BE49-F238E27FC236}">
+                <a16:creationId xmlns:a16="http://schemas.microsoft.com/office/drawing/2014/main" id="{FC324D9E-3E63-4FAA-85A5-55FD3E9E947A}"/>
+              </a:ext>
+            </a:extLst>
+          </p:cNvPr>
+          <p:cNvPicPr>
+            <a:picLocks noChangeAspect="1"/>
+          </p:cNvPicPr>
+          <p:nvPr/>
+        </p:nvPicPr>
+        <p:blipFill>
+          <a:blip r:embed="rId3"/>
+          <a:stretch>
+            <a:fillRect/>
+          </a:stretch>
+        </p:blipFill>
         <p:spPr>
           <a:xfrm>
-            <a:off x="304800" y="1905000"/>
-            <a:ext cx="8839200" cy="1447800"/>
+            <a:off x="381000" y="2743200"/>
+            <a:ext cx="8229600" cy="2616547"/>
           </a:xfrm>
+          <a:prstGeom prst="rect">
+            <a:avLst/>
+          </a:prstGeom>
         </p:spPr>
-        <p:txBody>
-          <a:bodyPr/>
-          <a:lstStyle/>
-          <a:p>
-            <a:r>
-              <a:rPr lang="en-US" sz="1400" dirty="0">
-                <a:solidFill>
-                  <a:srgbClr val="3C5790"/>
-                </a:solidFill>
-              </a:rPr>
-              <a:t>The SSL protocol consists of a set of messages and rules about when to send each one.</a:t>
-            </a:r>
-          </a:p>
-          <a:p>
-            <a:r>
-              <a:rPr lang="en-US" sz="1400" dirty="0">
-                <a:solidFill>
-                  <a:srgbClr val="3C5790"/>
-                </a:solidFill>
-              </a:rPr>
-              <a:t>The Secure Sockets Layer protocol defined 2 different roles for the communicating parties: client and server.</a:t>
-            </a:r>
-          </a:p>
-          <a:p>
-            <a:r>
-              <a:rPr lang="en-US" sz="1400" dirty="0">
-                <a:solidFill>
-                  <a:srgbClr val="3C5790"/>
-                </a:solidFill>
-              </a:rPr>
-              <a:t>The client initiates the secure communications and the server responds to client's requests.</a:t>
-            </a:r>
-          </a:p>
-        </p:txBody>
-      </p:sp>
+      </p:pic>
     </p:spTree>
     <p:extLst>
       <p:ext uri="{BB962C8B-B14F-4D97-AF65-F5344CB8AC3E}">
-        <p14:creationId xmlns:p14="http://schemas.microsoft.com/office/powerpoint/2010/main" val="1409677317"/>
+        <p14:creationId xmlns:p14="http://schemas.microsoft.com/office/powerpoint/2010/main" val="2462547744"/>
       </p:ext>
     </p:extLst>
   </p:cSld>
@@ -4567,20 +4557,12 @@
           <a:lstStyle/>
           <a:p>
             <a:r>
-              <a:rPr lang="fr-CA" dirty="0">
-                <a:solidFill>
-                  <a:schemeClr val="bg1"/>
-                </a:solidFill>
-              </a:rPr>
-              <a:t>SSL </a:t>
-            </a:r>
-            <a:r>
               <a:rPr lang="fr-CA" dirty="0" err="1">
                 <a:solidFill>
                   <a:schemeClr val="bg1"/>
                 </a:solidFill>
               </a:rPr>
-              <a:t>Operation</a:t>
+              <a:t>Cryptography</a:t>
             </a:r>
             <a:r>
               <a:rPr lang="fr-CA" dirty="0">
@@ -4622,7 +4604,7 @@
         <p:spPr>
           <a:xfrm>
             <a:off x="304800" y="1905000"/>
-            <a:ext cx="8839200" cy="2438400"/>
+            <a:ext cx="8839200" cy="3657600"/>
           </a:xfrm>
         </p:spPr>
         <p:txBody>
@@ -4630,134 +4612,120 @@
           <a:lstStyle/>
           <a:p>
             <a:r>
-              <a:rPr lang="en-US" sz="1400" dirty="0">
-                <a:solidFill>
-                  <a:srgbClr val="3C5790"/>
-                </a:solidFill>
-              </a:rPr>
-              <a:t>When SSL clients and servers communicates they exchange SSL messages:</a:t>
-            </a:r>
-          </a:p>
-          <a:p>
-            <a:r>
               <a:rPr lang="en-US" sz="1400" b="1" dirty="0">
                 <a:solidFill>
                   <a:srgbClr val="3C5790"/>
                 </a:solidFill>
               </a:rPr>
-              <a:t>Alert</a:t>
-            </a:r>
-            <a:r>
-              <a:rPr lang="en-US" sz="1400" dirty="0">
-                <a:solidFill>
-                  <a:srgbClr val="3C5790"/>
-                </a:solidFill>
-              </a:rPr>
-              <a:t>: informs the other party of possible security breach or communication failure.</a:t>
-            </a:r>
-          </a:p>
-          <a:p>
-            <a:r>
-              <a:rPr lang="en-US" sz="1400" b="1" dirty="0" err="1">
-                <a:solidFill>
-                  <a:srgbClr val="3C5790"/>
-                </a:solidFill>
-              </a:rPr>
-              <a:t>ApplicationData</a:t>
-            </a:r>
-            <a:r>
-              <a:rPr lang="en-US" sz="1400" dirty="0">
-                <a:solidFill>
-                  <a:srgbClr val="3C5790"/>
-                </a:solidFill>
-              </a:rPr>
-              <a:t>: actual information that the 2 parties exchange, which is encrypted, authenticated and/or verified by SSL.</a:t>
-            </a:r>
-          </a:p>
-          <a:p>
+              <a:t>Public</a:t>
+            </a:r>
+            <a:r>
+              <a:rPr lang="en-US" sz="1400" dirty="0">
+                <a:solidFill>
+                  <a:srgbClr val="3C5790"/>
+                </a:solidFill>
+              </a:rPr>
+              <a:t> </a:t>
+            </a:r>
             <a:r>
               <a:rPr lang="en-US" sz="1400" b="1" dirty="0">
                 <a:solidFill>
                   <a:srgbClr val="3C5790"/>
                 </a:solidFill>
               </a:rPr>
-              <a:t>Certificate</a:t>
-            </a:r>
-            <a:r>
-              <a:rPr lang="en-US" sz="1400" dirty="0">
-                <a:solidFill>
-                  <a:srgbClr val="3C5790"/>
-                </a:solidFill>
-              </a:rPr>
-              <a:t>: a message that carries the sender's public key certificate.</a:t>
-            </a:r>
-          </a:p>
-          <a:p>
-            <a:r>
-              <a:rPr lang="en-US" sz="1400" b="1" dirty="0" err="1">
-                <a:solidFill>
-                  <a:srgbClr val="3C5790"/>
-                </a:solidFill>
-              </a:rPr>
-              <a:t>CertificateRequest</a:t>
-            </a:r>
-            <a:r>
-              <a:rPr lang="en-US" sz="1400" dirty="0">
-                <a:solidFill>
-                  <a:srgbClr val="3C5790"/>
-                </a:solidFill>
-              </a:rPr>
-              <a:t>: a request by the server that the client provide its public key certificate.</a:t>
-            </a:r>
-          </a:p>
-          <a:p>
-            <a:r>
-              <a:rPr lang="en-US" sz="1400" b="1" dirty="0" err="1">
-                <a:solidFill>
-                  <a:srgbClr val="3C5790"/>
-                </a:solidFill>
-              </a:rPr>
-              <a:t>CertificateVerify</a:t>
-            </a:r>
-            <a:r>
-              <a:rPr lang="en-US" sz="1400" dirty="0">
-                <a:solidFill>
-                  <a:srgbClr val="3C5790"/>
-                </a:solidFill>
-              </a:rPr>
-              <a:t>: a message from the client </a:t>
-            </a:r>
-            <a:r>
-              <a:rPr lang="en-US" sz="1400" dirty="0" err="1">
-                <a:solidFill>
-                  <a:srgbClr val="3C5790"/>
-                </a:solidFill>
-              </a:rPr>
-              <a:t>tht</a:t>
-            </a:r>
-            <a:r>
-              <a:rPr lang="en-US" sz="1400" dirty="0">
-                <a:solidFill>
-                  <a:srgbClr val="3C5790"/>
-                </a:solidFill>
-              </a:rPr>
-              <a:t> verifies that is knows the private key corresponding </a:t>
-            </a:r>
-            <a:r>
-              <a:rPr lang="en-US" sz="1400" dirty="0" err="1">
-                <a:solidFill>
-                  <a:srgbClr val="3C5790"/>
-                </a:solidFill>
-              </a:rPr>
-              <a:t>ot</a:t>
-            </a:r>
-            <a:r>
-              <a:rPr lang="en-US" sz="1400" dirty="0">
-                <a:solidFill>
-                  <a:srgbClr val="3C5790"/>
-                </a:solidFill>
-              </a:rPr>
-              <a:t> its public key certificate.</a:t>
+              <a:t>key(asymmetric</a:t>
+            </a:r>
+            <a:r>
+              <a:rPr lang="en-US" sz="1400" dirty="0">
+                <a:solidFill>
+                  <a:srgbClr val="3C5790"/>
+                </a:solidFill>
+              </a:rPr>
+              <a:t>) cryptography has each of the 2 parties use separate keys:</a:t>
+            </a:r>
+          </a:p>
+          <a:p>
+            <a:pPr lvl="1"/>
+            <a:r>
+              <a:rPr lang="en-US" sz="1400" dirty="0">
+                <a:solidFill>
+                  <a:srgbClr val="3C5790"/>
+                </a:solidFill>
+              </a:rPr>
+              <a:t>one for encryption </a:t>
+            </a:r>
+            <a:r>
+              <a:rPr lang="en-US" sz="1400" b="1" dirty="0">
+                <a:solidFill>
+                  <a:srgbClr val="3C5790"/>
+                </a:solidFill>
+              </a:rPr>
+              <a:t>(public key)</a:t>
+            </a:r>
+          </a:p>
+          <a:p>
+            <a:pPr lvl="1"/>
+            <a:r>
+              <a:rPr lang="en-US" sz="1400" dirty="0">
+                <a:solidFill>
+                  <a:srgbClr val="3C5790"/>
+                </a:solidFill>
+              </a:rPr>
+              <a:t>another one for decryption </a:t>
+            </a:r>
+            <a:r>
+              <a:rPr lang="en-US" sz="1400" b="1" dirty="0">
+                <a:solidFill>
+                  <a:srgbClr val="3C5790"/>
+                </a:solidFill>
+              </a:rPr>
+              <a:t>(private key)</a:t>
+            </a:r>
+          </a:p>
+          <a:p>
+            <a:r>
+              <a:rPr lang="en-US" sz="1400" dirty="0">
+                <a:solidFill>
+                  <a:srgbClr val="3C5790"/>
+                </a:solidFill>
+              </a:rPr>
+              <a:t>Public key encryption is powerful but extremely complex.</a:t>
+            </a:r>
+          </a:p>
+          <a:p>
+            <a:r>
+              <a:rPr lang="en-US" sz="1400" dirty="0">
+                <a:solidFill>
+                  <a:srgbClr val="3C5790"/>
+                </a:solidFill>
+              </a:rPr>
+              <a:t>A good approach is to share the secret key over a secure channel done with public/private keys.</a:t>
+            </a:r>
+          </a:p>
+          <a:p>
+            <a:r>
+              <a:rPr lang="en-US" sz="1400" dirty="0">
+                <a:solidFill>
+                  <a:srgbClr val="3C5790"/>
+                </a:solidFill>
+              </a:rPr>
+              <a:t>This special type is algorithm is known as </a:t>
+            </a:r>
+            <a:r>
+              <a:rPr lang="en-US" sz="1400" b="1" dirty="0">
+                <a:solidFill>
+                  <a:srgbClr val="3C5790"/>
+                </a:solidFill>
+              </a:rPr>
+              <a:t>key exchange algorithm</a:t>
+            </a:r>
+            <a:r>
+              <a:rPr lang="en-US" sz="1400" dirty="0">
+                <a:solidFill>
+                  <a:srgbClr val="3C5790"/>
+                </a:solidFill>
+              </a:rPr>
+              <a:t>.</a:t>
             </a:r>
           </a:p>
         </p:txBody>
@@ -4765,7 +4733,7 @@
     </p:spTree>
     <p:extLst>
       <p:ext uri="{BB962C8B-B14F-4D97-AF65-F5344CB8AC3E}">
-        <p14:creationId xmlns:p14="http://schemas.microsoft.com/office/powerpoint/2010/main" val="91579283"/>
+        <p14:creationId xmlns:p14="http://schemas.microsoft.com/office/powerpoint/2010/main" val="3854568753"/>
       </p:ext>
     </p:extLst>
   </p:cSld>
@@ -4820,20 +4788,12 @@
           <a:lstStyle/>
           <a:p>
             <a:r>
-              <a:rPr lang="fr-CA" dirty="0">
-                <a:solidFill>
-                  <a:schemeClr val="bg1"/>
-                </a:solidFill>
-              </a:rPr>
-              <a:t>SSL </a:t>
-            </a:r>
-            <a:r>
               <a:rPr lang="fr-CA" dirty="0" err="1">
                 <a:solidFill>
                   <a:schemeClr val="bg1"/>
                 </a:solidFill>
               </a:rPr>
-              <a:t>Operation</a:t>
+              <a:t>Cryptography</a:t>
             </a:r>
             <a:r>
               <a:rPr lang="fr-CA" dirty="0">
@@ -4875,7 +4835,7 @@
         <p:spPr>
           <a:xfrm>
             <a:off x="304800" y="1905000"/>
-            <a:ext cx="8839200" cy="1447800"/>
+            <a:ext cx="8839200" cy="3657600"/>
           </a:xfrm>
         </p:spPr>
         <p:txBody>
@@ -4883,74 +4843,62 @@
           <a:lstStyle/>
           <a:p>
             <a:r>
-              <a:rPr lang="en-US" sz="1400" b="1" dirty="0" err="1">
-                <a:solidFill>
-                  <a:srgbClr val="3C5790"/>
-                </a:solidFill>
-              </a:rPr>
-              <a:t>ChangeCipherSpec</a:t>
-            </a:r>
-            <a:r>
-              <a:rPr lang="en-US" sz="1400" dirty="0">
-                <a:solidFill>
-                  <a:srgbClr val="3C5790"/>
-                </a:solidFill>
-              </a:rPr>
-              <a:t>: indication to begin using agreed-upon security services (such as encryption).</a:t>
-            </a:r>
-          </a:p>
-          <a:p>
-            <a:r>
-              <a:rPr lang="en-US" sz="1400" b="1" dirty="0" err="1">
-                <a:solidFill>
-                  <a:srgbClr val="3C5790"/>
-                </a:solidFill>
-              </a:rPr>
-              <a:t>ClientHello</a:t>
-            </a:r>
-            <a:r>
-              <a:rPr lang="en-US" sz="1400" dirty="0">
-                <a:solidFill>
-                  <a:srgbClr val="3C5790"/>
-                </a:solidFill>
-              </a:rPr>
-              <a:t>: a message from the client indicating the security services it desires and is capable of supporting.</a:t>
-            </a:r>
-          </a:p>
-          <a:p>
-            <a:r>
-              <a:rPr lang="en-US" sz="1400" b="1" dirty="0" err="1">
-                <a:solidFill>
-                  <a:srgbClr val="3C5790"/>
-                </a:solidFill>
-              </a:rPr>
-              <a:t>ClientKeyExchange</a:t>
-            </a:r>
-            <a:r>
-              <a:rPr lang="en-US" sz="1400" dirty="0">
-                <a:solidFill>
-                  <a:srgbClr val="3C5790"/>
-                </a:solidFill>
-              </a:rPr>
-              <a:t>: a message from the client carrying cryptographic keys for the communications.</a:t>
-            </a:r>
-          </a:p>
-          <a:p>
-            <a:r>
-              <a:rPr lang="en-US" sz="1400" b="1" dirty="0">
-                <a:solidFill>
-                  <a:srgbClr val="3C5790"/>
-                </a:solidFill>
-              </a:rPr>
-              <a:t>Finished</a:t>
-            </a:r>
-            <a:r>
-              <a:rPr lang="en-US" sz="1400" dirty="0">
-                <a:solidFill>
-                  <a:srgbClr val="3C5790"/>
-                </a:solidFill>
-              </a:rPr>
-              <a:t>: an indication that all initial negotiations are complete and secure communications have been established.</a:t>
+              <a:rPr lang="en-US" sz="1400" dirty="0">
+                <a:solidFill>
+                  <a:srgbClr val="3C5790"/>
+                </a:solidFill>
+              </a:rPr>
+              <a:t>Public/Asymmetric algorithms:</a:t>
+            </a:r>
+          </a:p>
+          <a:p>
+            <a:pPr lvl="1"/>
+            <a:r>
+              <a:rPr lang="en-US" sz="1400" dirty="0">
+                <a:solidFill>
+                  <a:srgbClr val="3C5790"/>
+                </a:solidFill>
+              </a:rPr>
+              <a:t>RSA (Rivest Shamir Adleman)</a:t>
+            </a:r>
+          </a:p>
+          <a:p>
+            <a:pPr lvl="1"/>
+            <a:r>
+              <a:rPr lang="en-US" sz="1400" dirty="0">
+                <a:solidFill>
+                  <a:srgbClr val="3C5790"/>
+                </a:solidFill>
+              </a:rPr>
+              <a:t>DSA (Digital Signature Algorithm)</a:t>
+            </a:r>
+          </a:p>
+          <a:p>
+            <a:pPr lvl="1"/>
+            <a:r>
+              <a:rPr lang="en-US" sz="1400" dirty="0">
+                <a:solidFill>
+                  <a:srgbClr val="3C5790"/>
+                </a:solidFill>
+              </a:rPr>
+              <a:t>ECC (Elliptical Curve Cryptography), ECDH (Diffie-Helman), ECDSA.</a:t>
+            </a:r>
+          </a:p>
+          <a:p>
+            <a:endParaRPr lang="en-US" sz="1400" dirty="0">
+              <a:solidFill>
+                <a:srgbClr val="3C5790"/>
+              </a:solidFill>
+            </a:endParaRPr>
+          </a:p>
+          <a:p>
+            <a:r>
+              <a:rPr lang="en-US" sz="1400" dirty="0">
+                <a:solidFill>
+                  <a:srgbClr val="3C5790"/>
+                </a:solidFill>
+              </a:rPr>
+              <a:t>RSA is not good for key exchange, best to use ECDH.</a:t>
             </a:r>
           </a:p>
         </p:txBody>
@@ -4958,7 +4906,7 @@
     </p:spTree>
     <p:extLst>
       <p:ext uri="{BB962C8B-B14F-4D97-AF65-F5344CB8AC3E}">
-        <p14:creationId xmlns:p14="http://schemas.microsoft.com/office/powerpoint/2010/main" val="1153176414"/>
+        <p14:creationId xmlns:p14="http://schemas.microsoft.com/office/powerpoint/2010/main" val="3737554676"/>
       </p:ext>
     </p:extLst>
   </p:cSld>
@@ -5013,20 +4961,12 @@
           <a:lstStyle/>
           <a:p>
             <a:r>
-              <a:rPr lang="fr-CA" dirty="0">
-                <a:solidFill>
-                  <a:schemeClr val="bg1"/>
-                </a:solidFill>
-              </a:rPr>
-              <a:t>SSL </a:t>
-            </a:r>
-            <a:r>
               <a:rPr lang="fr-CA" dirty="0" err="1">
                 <a:solidFill>
                   <a:schemeClr val="bg1"/>
                 </a:solidFill>
               </a:rPr>
-              <a:t>Operation</a:t>
+              <a:t>Cryptography</a:t>
             </a:r>
             <a:r>
               <a:rPr lang="fr-CA" dirty="0">
@@ -5068,7 +5008,7 @@
         <p:spPr>
           <a:xfrm>
             <a:off x="304800" y="1905000"/>
-            <a:ext cx="8839200" cy="1447800"/>
+            <a:ext cx="8839200" cy="1066800"/>
           </a:xfrm>
         </p:spPr>
         <p:txBody>
@@ -5076,82 +5016,109 @@
           <a:lstStyle/>
           <a:p>
             <a:r>
-              <a:rPr lang="en-US" sz="1400" b="1" dirty="0" err="1">
-                <a:solidFill>
-                  <a:srgbClr val="3C5790"/>
-                </a:solidFill>
-              </a:rPr>
-              <a:t>HelloRequest</a:t>
-            </a:r>
-            <a:r>
-              <a:rPr lang="en-US" sz="1400" dirty="0">
-                <a:solidFill>
-                  <a:srgbClr val="3C5790"/>
-                </a:solidFill>
-              </a:rPr>
-              <a:t>: a request by the server that the client start (or restart) the SSL negotiation process.</a:t>
-            </a:r>
-          </a:p>
-          <a:p>
-            <a:r>
-              <a:rPr lang="en-US" sz="1400" b="1" dirty="0" err="1">
-                <a:solidFill>
-                  <a:srgbClr val="3C5790"/>
-                </a:solidFill>
-              </a:rPr>
-              <a:t>ServerHello</a:t>
-            </a:r>
-            <a:r>
-              <a:rPr lang="en-US" sz="1400" dirty="0">
-                <a:solidFill>
-                  <a:srgbClr val="3C5790"/>
-                </a:solidFill>
-              </a:rPr>
-              <a:t>: a message from the server indicating the security services that will be used for the communications.</a:t>
-            </a:r>
-          </a:p>
-          <a:p>
-            <a:r>
-              <a:rPr lang="en-US" sz="1400" b="1" dirty="0" err="1">
-                <a:solidFill>
-                  <a:srgbClr val="3C5790"/>
-                </a:solidFill>
-              </a:rPr>
-              <a:t>ServerHelloDone</a:t>
-            </a:r>
-            <a:r>
-              <a:rPr lang="en-US" sz="1400" dirty="0">
-                <a:solidFill>
-                  <a:srgbClr val="3C5790"/>
-                </a:solidFill>
-              </a:rPr>
-              <a:t>: an indication from the server that it has completed all its requests of the client for establishing communications.</a:t>
-            </a:r>
-          </a:p>
-          <a:p>
-            <a:r>
-              <a:rPr lang="en-US" sz="1400" b="1" dirty="0" err="1">
-                <a:solidFill>
-                  <a:srgbClr val="3C5790"/>
-                </a:solidFill>
-              </a:rPr>
-              <a:t>ServerKeyExchange</a:t>
-            </a:r>
-            <a:r>
-              <a:rPr lang="en-US" sz="1400" dirty="0">
-                <a:solidFill>
-                  <a:srgbClr val="3C5790"/>
-                </a:solidFill>
-              </a:rPr>
-              <a:t>: a message from the server carrying cryptographic keys for the communications.</a:t>
-            </a:r>
-          </a:p>
-        </p:txBody>
-      </p:sp>
+              <a:rPr lang="en-US" sz="1400" dirty="0">
+                <a:solidFill>
+                  <a:srgbClr val="3C5790"/>
+                </a:solidFill>
+              </a:rPr>
+              <a:t>Public key certificates contains lots of information like:</a:t>
+            </a:r>
+          </a:p>
+          <a:p>
+            <a:pPr lvl="1"/>
+            <a:r>
+              <a:rPr lang="en-US" sz="1400" dirty="0">
+                <a:solidFill>
+                  <a:srgbClr val="3C5790"/>
+                </a:solidFill>
+              </a:rPr>
+              <a:t> </a:t>
+            </a:r>
+            <a:r>
+              <a:rPr lang="en-US" sz="1400" b="1" dirty="0">
+                <a:solidFill>
+                  <a:srgbClr val="3C5790"/>
+                </a:solidFill>
+              </a:rPr>
+              <a:t>issuer</a:t>
+            </a:r>
+            <a:r>
+              <a:rPr lang="en-US" sz="1400" dirty="0">
+                <a:solidFill>
+                  <a:srgbClr val="3C5790"/>
+                </a:solidFill>
+              </a:rPr>
+              <a:t>: identifies the organization that has issued the certificate</a:t>
+            </a:r>
+          </a:p>
+          <a:p>
+            <a:pPr lvl="1"/>
+            <a:r>
+              <a:rPr lang="en-US" sz="1400" b="1" dirty="0">
+                <a:solidFill>
+                  <a:srgbClr val="3C5790"/>
+                </a:solidFill>
+              </a:rPr>
+              <a:t> period of validity</a:t>
+            </a:r>
+            <a:r>
+              <a:rPr lang="en-US" sz="1400" dirty="0">
+                <a:solidFill>
+                  <a:srgbClr val="3C5790"/>
+                </a:solidFill>
+              </a:rPr>
+              <a:t>: certificates expire after a certain time.</a:t>
+            </a:r>
+          </a:p>
+          <a:p>
+            <a:pPr lvl="1"/>
+            <a:r>
+              <a:rPr lang="en-US" sz="1400" b="1" dirty="0">
+                <a:solidFill>
+                  <a:srgbClr val="3C5790"/>
+                </a:solidFill>
+              </a:rPr>
+              <a:t> subject</a:t>
+            </a:r>
+            <a:r>
+              <a:rPr lang="en-US" sz="1400" dirty="0">
+                <a:solidFill>
+                  <a:srgbClr val="3C5790"/>
+                </a:solidFill>
+              </a:rPr>
+              <a:t>: issuer's signature</a:t>
+            </a:r>
+          </a:p>
+        </p:txBody>
+      </p:sp>
+      <p:pic>
+        <p:nvPicPr>
+          <p:cNvPr id="2" name="Picture 1"/>
+          <p:cNvPicPr>
+            <a:picLocks noChangeAspect="1"/>
+          </p:cNvPicPr>
+          <p:nvPr/>
+        </p:nvPicPr>
+        <p:blipFill>
+          <a:blip r:embed="rId3"/>
+          <a:stretch>
+            <a:fillRect/>
+          </a:stretch>
+        </p:blipFill>
+        <p:spPr>
+          <a:xfrm>
+            <a:off x="3429000" y="2971800"/>
+            <a:ext cx="2133600" cy="3752850"/>
+          </a:xfrm>
+          <a:prstGeom prst="rect">
+            <a:avLst/>
+          </a:prstGeom>
+        </p:spPr>
+      </p:pic>
     </p:spTree>
     <p:extLst>
       <p:ext uri="{BB962C8B-B14F-4D97-AF65-F5344CB8AC3E}">
-        <p14:creationId xmlns:p14="http://schemas.microsoft.com/office/powerpoint/2010/main" val="125722828"/>
+        <p14:creationId xmlns:p14="http://schemas.microsoft.com/office/powerpoint/2010/main" val="1642656030"/>
       </p:ext>
     </p:extLst>
   </p:cSld>
@@ -5206,12 +5173,20 @@
           <a:lstStyle/>
           <a:p>
             <a:r>
+              <a:rPr lang="fr-CA" dirty="0" err="1">
+                <a:solidFill>
+                  <a:schemeClr val="bg1"/>
+                </a:solidFill>
+              </a:rPr>
+              <a:t>Cryptography</a:t>
+            </a:r>
+            <a:r>
               <a:rPr lang="fr-CA" dirty="0">
                 <a:solidFill>
                   <a:schemeClr val="bg1"/>
                 </a:solidFill>
               </a:rPr>
-              <a:t>SSL </a:t>
+              <a:t> (</a:t>
             </a:r>
             <a:r>
               <a:rPr lang="fr-CA" dirty="0" err="1">
@@ -5219,7 +5194,7 @@
                   <a:schemeClr val="bg1"/>
                 </a:solidFill>
               </a:rPr>
-              <a:t>Operation</a:t>
+              <a:t>cont</a:t>
             </a:r>
             <a:r>
               <a:rPr lang="fr-CA" dirty="0">
@@ -5227,55 +5202,288 @@
                   <a:schemeClr val="bg1"/>
                 </a:solidFill>
               </a:rPr>
-              <a:t> (</a:t>
-            </a:r>
-            <a:r>
-              <a:rPr lang="fr-CA" dirty="0" err="1">
-                <a:solidFill>
-                  <a:schemeClr val="bg1"/>
-                </a:solidFill>
-              </a:rPr>
-              <a:t>cont</a:t>
-            </a:r>
-            <a:r>
-              <a:rPr lang="fr-CA" dirty="0">
-                <a:solidFill>
-                  <a:schemeClr val="bg1"/>
-                </a:solidFill>
-              </a:rPr>
               <a:t>.)</a:t>
             </a:r>
           </a:p>
         </p:txBody>
       </p:sp>
-      <p:pic>
-        <p:nvPicPr>
-          <p:cNvPr id="2" name="Picture 1"/>
-          <p:cNvPicPr>
-            <a:picLocks noChangeAspect="1"/>
-          </p:cNvPicPr>
-          <p:nvPr/>
-        </p:nvPicPr>
-        <p:blipFill>
-          <a:blip r:embed="rId3"/>
-          <a:stretch>
-            <a:fillRect/>
-          </a:stretch>
-        </p:blipFill>
+      <p:sp>
+        <p:nvSpPr>
+          <p:cNvPr id="4099" name="Espace réservé du contenu 4"/>
+          <p:cNvSpPr>
+            <a:spLocks noGrp="1"/>
+          </p:cNvSpPr>
+          <p:nvPr>
+            <p:ph idx="1"/>
+          </p:nvPr>
+        </p:nvSpPr>
         <p:spPr>
           <a:xfrm>
-            <a:off x="1447800" y="1781175"/>
-            <a:ext cx="5229225" cy="4924425"/>
+            <a:off x="304800" y="1905000"/>
+            <a:ext cx="8839200" cy="2743200"/>
           </a:xfrm>
-          <a:prstGeom prst="rect">
-            <a:avLst/>
-          </a:prstGeom>
         </p:spPr>
-      </p:pic>
+        <p:txBody>
+          <a:bodyPr/>
+          <a:lstStyle/>
+          <a:p>
+            <a:r>
+              <a:rPr lang="en-US" sz="1400" b="1" dirty="0">
+                <a:solidFill>
+                  <a:srgbClr val="3C5790"/>
+                </a:solidFill>
+              </a:rPr>
+              <a:t>X509</a:t>
+            </a:r>
+            <a:r>
+              <a:rPr lang="en-US" sz="1400" dirty="0">
+                <a:solidFill>
+                  <a:srgbClr val="3C5790"/>
+                </a:solidFill>
+              </a:rPr>
+              <a:t> - PKIX (Public Key Infrastructure) certificate - RFC 5280/6818</a:t>
+            </a:r>
+          </a:p>
+          <a:p>
+            <a:r>
+              <a:rPr lang="en-US" sz="1400" u="sng" dirty="0">
+                <a:solidFill>
+                  <a:srgbClr val="3C5790"/>
+                </a:solidFill>
+              </a:rPr>
+              <a:t>Encoding</a:t>
+            </a:r>
+            <a:r>
+              <a:rPr lang="en-US" sz="1400" dirty="0">
+                <a:solidFill>
+                  <a:srgbClr val="3C5790"/>
+                </a:solidFill>
+              </a:rPr>
+              <a:t>:</a:t>
+            </a:r>
+          </a:p>
+          <a:p>
+            <a:pPr lvl="1"/>
+            <a:r>
+              <a:rPr lang="en-US" sz="1400" b="1" dirty="0">
+                <a:solidFill>
+                  <a:srgbClr val="3C5790"/>
+                </a:solidFill>
+              </a:rPr>
+              <a:t>DER</a:t>
+            </a:r>
+            <a:r>
+              <a:rPr lang="en-US" sz="1400" dirty="0">
+                <a:solidFill>
+                  <a:srgbClr val="3C5790"/>
+                </a:solidFill>
+              </a:rPr>
+              <a:t> (Distinguished Encoding Rules), binary DER encoding certs (.</a:t>
+            </a:r>
+            <a:r>
+              <a:rPr lang="en-US" sz="1400" dirty="0" err="1">
+                <a:solidFill>
+                  <a:srgbClr val="3C5790"/>
+                </a:solidFill>
+              </a:rPr>
+              <a:t>cer</a:t>
+            </a:r>
+            <a:r>
+              <a:rPr lang="en-US" sz="1400" dirty="0">
+                <a:solidFill>
+                  <a:srgbClr val="3C5790"/>
+                </a:solidFill>
+              </a:rPr>
+              <a:t>/.</a:t>
+            </a:r>
+            <a:r>
+              <a:rPr lang="en-US" sz="1400" dirty="0" err="1">
+                <a:solidFill>
+                  <a:srgbClr val="3C5790"/>
+                </a:solidFill>
+              </a:rPr>
+              <a:t>crt</a:t>
+            </a:r>
+            <a:r>
+              <a:rPr lang="en-US" sz="1400" dirty="0">
+                <a:solidFill>
+                  <a:srgbClr val="3C5790"/>
+                </a:solidFill>
+              </a:rPr>
+              <a:t>)</a:t>
+            </a:r>
+          </a:p>
+          <a:p>
+            <a:pPr lvl="1"/>
+            <a:r>
+              <a:rPr lang="en-US" sz="1400" b="1" dirty="0">
+                <a:solidFill>
+                  <a:srgbClr val="3C5790"/>
+                </a:solidFill>
+              </a:rPr>
+              <a:t>PEM</a:t>
+            </a:r>
+            <a:r>
+              <a:rPr lang="en-US" sz="1400" dirty="0">
+                <a:solidFill>
+                  <a:srgbClr val="3C5790"/>
+                </a:solidFill>
+              </a:rPr>
+              <a:t> (Privacy Enhance Mail), ASCII Base64 armored data prefix with "--- BEGIN===" (.</a:t>
+            </a:r>
+            <a:r>
+              <a:rPr lang="en-US" sz="1400" dirty="0" err="1">
+                <a:solidFill>
+                  <a:srgbClr val="3C5790"/>
+                </a:solidFill>
+              </a:rPr>
+              <a:t>cer</a:t>
+            </a:r>
+            <a:r>
+              <a:rPr lang="en-US" sz="1400" dirty="0">
+                <a:solidFill>
+                  <a:srgbClr val="3C5790"/>
+                </a:solidFill>
+              </a:rPr>
+              <a:t>/.</a:t>
+            </a:r>
+            <a:r>
+              <a:rPr lang="en-US" sz="1400" dirty="0" err="1">
+                <a:solidFill>
+                  <a:srgbClr val="3C5790"/>
+                </a:solidFill>
+              </a:rPr>
+              <a:t>crt</a:t>
+            </a:r>
+            <a:r>
+              <a:rPr lang="en-US" sz="1400" dirty="0">
+                <a:solidFill>
+                  <a:srgbClr val="3C5790"/>
+                </a:solidFill>
+              </a:rPr>
+              <a:t>/.</a:t>
+            </a:r>
+            <a:r>
+              <a:rPr lang="en-US" sz="1400" dirty="0" err="1">
+                <a:solidFill>
+                  <a:srgbClr val="3C5790"/>
+                </a:solidFill>
+              </a:rPr>
+              <a:t>pem</a:t>
+            </a:r>
+            <a:r>
+              <a:rPr lang="en-US" sz="1400" dirty="0">
+                <a:solidFill>
+                  <a:srgbClr val="3C5790"/>
+                </a:solidFill>
+              </a:rPr>
+              <a:t>)</a:t>
+            </a:r>
+          </a:p>
+          <a:p>
+            <a:endParaRPr lang="en-US" sz="1400" dirty="0">
+              <a:solidFill>
+                <a:srgbClr val="3C5790"/>
+              </a:solidFill>
+            </a:endParaRPr>
+          </a:p>
+          <a:p>
+            <a:r>
+              <a:rPr lang="en-US" sz="1400" u="sng" dirty="0">
+                <a:solidFill>
+                  <a:srgbClr val="3C5790"/>
+                </a:solidFill>
+              </a:rPr>
+              <a:t>Extensions</a:t>
+            </a:r>
+            <a:r>
+              <a:rPr lang="en-US" sz="1400" dirty="0">
+                <a:solidFill>
+                  <a:srgbClr val="3C5790"/>
+                </a:solidFill>
+              </a:rPr>
+              <a:t>:</a:t>
+            </a:r>
+          </a:p>
+          <a:p>
+            <a:pPr lvl="1"/>
+            <a:r>
+              <a:rPr lang="en-US" sz="1400" b="1" dirty="0">
+                <a:solidFill>
+                  <a:srgbClr val="3C5790"/>
+                </a:solidFill>
+              </a:rPr>
+              <a:t>.</a:t>
+            </a:r>
+            <a:r>
+              <a:rPr lang="en-US" sz="1400" b="1" dirty="0" err="1">
+                <a:solidFill>
+                  <a:srgbClr val="3C5790"/>
+                </a:solidFill>
+              </a:rPr>
+              <a:t>crt</a:t>
+            </a:r>
+            <a:r>
+              <a:rPr lang="en-US" sz="1400" dirty="0">
+                <a:solidFill>
+                  <a:srgbClr val="3C5790"/>
+                </a:solidFill>
+              </a:rPr>
+              <a:t>: nix convention of binary DER or Base64 PEM</a:t>
+            </a:r>
+          </a:p>
+          <a:p>
+            <a:pPr lvl="1"/>
+            <a:r>
+              <a:rPr lang="en-US" sz="1400" b="1" dirty="0">
+                <a:solidFill>
+                  <a:srgbClr val="3C5790"/>
+                </a:solidFill>
+              </a:rPr>
+              <a:t>.</a:t>
+            </a:r>
+            <a:r>
+              <a:rPr lang="en-US" sz="1400" b="1" dirty="0" err="1">
+                <a:solidFill>
+                  <a:srgbClr val="3C5790"/>
+                </a:solidFill>
+              </a:rPr>
+              <a:t>cer</a:t>
+            </a:r>
+            <a:r>
+              <a:rPr lang="en-US" sz="1400" dirty="0">
+                <a:solidFill>
+                  <a:srgbClr val="3C5790"/>
+                </a:solidFill>
+              </a:rPr>
+              <a:t>: Microsoft convention of binary DER or Base64 PEM</a:t>
+            </a:r>
+          </a:p>
+          <a:p>
+            <a:pPr lvl="1"/>
+            <a:r>
+              <a:rPr lang="en-US" sz="1400" b="1" dirty="0">
+                <a:solidFill>
+                  <a:srgbClr val="3C5790"/>
+                </a:solidFill>
+              </a:rPr>
+              <a:t>.key</a:t>
+            </a:r>
+            <a:r>
+              <a:rPr lang="en-US" sz="1400" dirty="0">
+                <a:solidFill>
+                  <a:srgbClr val="3C5790"/>
+                </a:solidFill>
+              </a:rPr>
+              <a:t>: public/private PKCS#8 keys, DER or PEM </a:t>
+            </a:r>
+          </a:p>
+        </p:txBody>
+      </p:sp>
     </p:spTree>
     <p:extLst>
       <p:ext uri="{BB962C8B-B14F-4D97-AF65-F5344CB8AC3E}">
-        <p14:creationId xmlns:p14="http://schemas.microsoft.com/office/powerpoint/2010/main" val="2102174178"/>
+        <p14:creationId xmlns:p14="http://schemas.microsoft.com/office/powerpoint/2010/main" val="4079031940"/>
       </p:ext>
     </p:extLst>
   </p:cSld>
@@ -5330,20 +5538,12 @@
           <a:lstStyle/>
           <a:p>
             <a:r>
-              <a:rPr lang="fr-CA" dirty="0">
-                <a:solidFill>
-                  <a:schemeClr val="bg1"/>
-                </a:solidFill>
-              </a:rPr>
-              <a:t>SSL </a:t>
-            </a:r>
-            <a:r>
               <a:rPr lang="fr-CA" dirty="0" err="1">
                 <a:solidFill>
                   <a:schemeClr val="bg1"/>
                 </a:solidFill>
               </a:rPr>
-              <a:t>Operation</a:t>
+              <a:t>Cryptography</a:t>
             </a:r>
             <a:r>
               <a:rPr lang="fr-CA" dirty="0">
@@ -5374,7 +5574,13 @@
       </p:sp>
       <p:pic>
         <p:nvPicPr>
-          <p:cNvPr id="3" name="Picture 2"/>
+          <p:cNvPr id="5" name="Picture 4">
+            <a:extLst>
+              <a:ext uri="{FF2B5EF4-FFF2-40B4-BE49-F238E27FC236}">
+                <a16:creationId xmlns:a16="http://schemas.microsoft.com/office/drawing/2014/main" id="{955C1C27-83D3-48BE-99BC-BB771580BCFD}"/>
+              </a:ext>
+            </a:extLst>
+          </p:cNvPr>
           <p:cNvPicPr>
             <a:picLocks noChangeAspect="1"/>
           </p:cNvPicPr>
@@ -5388,8 +5594,8 @@
         </p:blipFill>
         <p:spPr>
           <a:xfrm>
-            <a:off x="1676400" y="1905000"/>
-            <a:ext cx="5572125" cy="4448432"/>
+            <a:off x="1447800" y="1752600"/>
+            <a:ext cx="5029200" cy="4982510"/>
           </a:xfrm>
           <a:prstGeom prst="rect">
             <a:avLst/>
@@ -5399,7 +5605,7 @@
     </p:spTree>
     <p:extLst>
       <p:ext uri="{BB962C8B-B14F-4D97-AF65-F5344CB8AC3E}">
-        <p14:creationId xmlns:p14="http://schemas.microsoft.com/office/powerpoint/2010/main" val="1452736287"/>
+        <p14:creationId xmlns:p14="http://schemas.microsoft.com/office/powerpoint/2010/main" val="1170759573"/>
       </p:ext>
     </p:extLst>
   </p:cSld>
@@ -5469,30 +5675,11 @@
               </a:rPr>
               <a:t>Operation</a:t>
             </a:r>
-            <a:r>
-              <a:rPr lang="fr-CA" dirty="0">
-                <a:solidFill>
-                  <a:schemeClr val="bg1"/>
-                </a:solidFill>
-              </a:rPr>
-              <a:t> (</a:t>
-            </a:r>
-            <a:r>
-              <a:rPr lang="fr-CA" dirty="0" err="1">
-                <a:solidFill>
-                  <a:schemeClr val="bg1"/>
-                </a:solidFill>
-              </a:rPr>
-              <a:t>cont</a:t>
-            </a:r>
-            <a:r>
-              <a:rPr lang="fr-CA" dirty="0">
-                <a:solidFill>
-                  <a:schemeClr val="bg1"/>
-                </a:solidFill>
-              </a:rPr>
-              <a:t>.)</a:t>
-            </a:r>
+            <a:endParaRPr lang="fr-CA" dirty="0">
+              <a:solidFill>
+                <a:schemeClr val="bg1"/>
+              </a:solidFill>
+            </a:endParaRPr>
           </a:p>
         </p:txBody>
       </p:sp>
@@ -5509,7 +5696,7 @@
         <p:spPr>
           <a:xfrm>
             <a:off x="304800" y="1905000"/>
-            <a:ext cx="8839200" cy="2667000"/>
+            <a:ext cx="8839200" cy="1447800"/>
           </a:xfrm>
         </p:spPr>
         <p:txBody>
@@ -5522,231 +5709,27 @@
                   <a:srgbClr val="3C5790"/>
                 </a:solidFill>
               </a:rPr>
-              <a:t>The </a:t>
-            </a:r>
-            <a:r>
-              <a:rPr lang="en-US" sz="1400" b="1" dirty="0" err="1">
-                <a:solidFill>
-                  <a:srgbClr val="3C5790"/>
-                </a:solidFill>
-              </a:rPr>
-              <a:t>ClientHello</a:t>
-            </a:r>
-            <a:r>
-              <a:rPr lang="en-US" sz="1400" dirty="0">
-                <a:solidFill>
-                  <a:srgbClr val="3C5790"/>
-                </a:solidFill>
-              </a:rPr>
-              <a:t> message starts the SSL communication.</a:t>
-            </a:r>
-          </a:p>
-          <a:p>
-            <a:r>
-              <a:rPr lang="en-US" sz="1400" dirty="0">
-                <a:solidFill>
-                  <a:srgbClr val="3C5790"/>
-                </a:solidFill>
-              </a:rPr>
-              <a:t>The client asks the server to begin the SSL negotiation.</a:t>
-            </a:r>
-          </a:p>
-          <a:p>
-            <a:r>
-              <a:rPr lang="en-US" sz="1400" dirty="0" err="1">
-                <a:solidFill>
-                  <a:srgbClr val="3C5790"/>
-                </a:solidFill>
-              </a:rPr>
-              <a:t>ClientHello</a:t>
-            </a:r>
-            <a:r>
-              <a:rPr lang="en-US" sz="1400" dirty="0">
-                <a:solidFill>
-                  <a:srgbClr val="3C5790"/>
-                </a:solidFill>
-              </a:rPr>
-              <a:t> components:</a:t>
-            </a:r>
-          </a:p>
-          <a:p>
-            <a:pPr lvl="1"/>
-            <a:r>
-              <a:rPr lang="en-US" sz="1400" b="1" dirty="0">
-                <a:solidFill>
-                  <a:srgbClr val="3C5790"/>
-                </a:solidFill>
-              </a:rPr>
-              <a:t>Version</a:t>
-            </a:r>
-            <a:r>
-              <a:rPr lang="en-US" sz="1400" dirty="0">
-                <a:solidFill>
-                  <a:srgbClr val="3C5790"/>
-                </a:solidFill>
-              </a:rPr>
-              <a:t> </a:t>
-            </a:r>
-            <a:r>
-              <a:rPr lang="en-US" sz="1400" dirty="0">
-                <a:solidFill>
-                  <a:srgbClr val="3C5790"/>
-                </a:solidFill>
-                <a:sym typeface="Wingdings" panose="05000000000000000000" pitchFamily="2" charset="2"/>
-              </a:rPr>
-              <a:t></a:t>
-            </a:r>
-            <a:r>
-              <a:rPr lang="en-US" sz="1400" dirty="0">
-                <a:solidFill>
-                  <a:srgbClr val="3C5790"/>
-                </a:solidFill>
-              </a:rPr>
-              <a:t> highest version of SSL protocol that the client can support.</a:t>
-            </a:r>
-          </a:p>
-          <a:p>
-            <a:pPr lvl="1"/>
-            <a:r>
-              <a:rPr lang="en-US" sz="1400" b="1" dirty="0" err="1">
-                <a:solidFill>
-                  <a:srgbClr val="3C5790"/>
-                </a:solidFill>
-              </a:rPr>
-              <a:t>RandomNumber</a:t>
-            </a:r>
-            <a:r>
-              <a:rPr lang="en-US" sz="1400" dirty="0">
-                <a:solidFill>
-                  <a:srgbClr val="3C5790"/>
-                </a:solidFill>
-              </a:rPr>
-              <a:t> </a:t>
-            </a:r>
-            <a:r>
-              <a:rPr lang="en-US" sz="1400" dirty="0">
-                <a:solidFill>
-                  <a:srgbClr val="3C5790"/>
-                </a:solidFill>
-                <a:sym typeface="Wingdings" panose="05000000000000000000" pitchFamily="2" charset="2"/>
-              </a:rPr>
-              <a:t></a:t>
-            </a:r>
-            <a:r>
-              <a:rPr lang="en-US" sz="1400" dirty="0">
-                <a:solidFill>
-                  <a:srgbClr val="3C5790"/>
-                </a:solidFill>
-              </a:rPr>
-              <a:t> 32-byte random number used to seed the cryptographic calculations.</a:t>
-            </a:r>
-          </a:p>
-          <a:p>
-            <a:pPr lvl="1"/>
-            <a:r>
-              <a:rPr lang="en-US" sz="1400" b="1" dirty="0" err="1">
-                <a:solidFill>
-                  <a:srgbClr val="3C5790"/>
-                </a:solidFill>
-              </a:rPr>
-              <a:t>SessionID</a:t>
-            </a:r>
-            <a:r>
-              <a:rPr lang="en-US" sz="1400" dirty="0">
-                <a:solidFill>
-                  <a:srgbClr val="3C5790"/>
-                </a:solidFill>
-              </a:rPr>
-              <a:t> </a:t>
-            </a:r>
-            <a:r>
-              <a:rPr lang="en-US" sz="1400" dirty="0">
-                <a:solidFill>
-                  <a:srgbClr val="3C5790"/>
-                </a:solidFill>
-                <a:sym typeface="Wingdings" panose="05000000000000000000" pitchFamily="2" charset="2"/>
-              </a:rPr>
-              <a:t></a:t>
-            </a:r>
-            <a:r>
-              <a:rPr lang="en-US" sz="1400" dirty="0">
-                <a:solidFill>
-                  <a:srgbClr val="3C5790"/>
-                </a:solidFill>
-              </a:rPr>
-              <a:t> identifies the SSL session.</a:t>
-            </a:r>
-          </a:p>
-          <a:p>
-            <a:pPr lvl="1"/>
-            <a:r>
-              <a:rPr lang="en-US" sz="1400" b="1" dirty="0" err="1">
-                <a:solidFill>
-                  <a:srgbClr val="3C5790"/>
-                </a:solidFill>
-              </a:rPr>
-              <a:t>CipherSuites</a:t>
-            </a:r>
-            <a:r>
-              <a:rPr lang="en-US" sz="1400" dirty="0">
-                <a:solidFill>
-                  <a:srgbClr val="3C5790"/>
-                </a:solidFill>
-              </a:rPr>
-              <a:t> </a:t>
-            </a:r>
-            <a:r>
-              <a:rPr lang="en-US" sz="1400" dirty="0">
-                <a:solidFill>
-                  <a:srgbClr val="3C5790"/>
-                </a:solidFill>
-                <a:sym typeface="Wingdings" panose="05000000000000000000" pitchFamily="2" charset="2"/>
-              </a:rPr>
-              <a:t></a:t>
-            </a:r>
-            <a:r>
-              <a:rPr lang="en-US" sz="1400" dirty="0">
-                <a:solidFill>
-                  <a:srgbClr val="3C5790"/>
-                </a:solidFill>
-              </a:rPr>
-              <a:t> list of cryptographic parameters that the client can support.</a:t>
-            </a:r>
-          </a:p>
-          <a:p>
-            <a:pPr lvl="1"/>
-            <a:r>
-              <a:rPr lang="en-US" sz="1400" b="1" dirty="0" err="1">
-                <a:solidFill>
-                  <a:srgbClr val="3C5790"/>
-                </a:solidFill>
-              </a:rPr>
-              <a:t>CompressionMethods</a:t>
-            </a:r>
-            <a:r>
-              <a:rPr lang="en-US" sz="1400" dirty="0">
-                <a:solidFill>
-                  <a:srgbClr val="3C5790"/>
-                </a:solidFill>
-              </a:rPr>
-              <a:t> </a:t>
-            </a:r>
-            <a:r>
-              <a:rPr lang="en-US" sz="1400" dirty="0">
-                <a:solidFill>
-                  <a:srgbClr val="3C5790"/>
-                </a:solidFill>
-                <a:sym typeface="Wingdings" panose="05000000000000000000" pitchFamily="2" charset="2"/>
-              </a:rPr>
-              <a:t></a:t>
-            </a:r>
-            <a:r>
-              <a:rPr lang="en-US" sz="1400" dirty="0">
-                <a:solidFill>
-                  <a:srgbClr val="3C5790"/>
-                </a:solidFill>
-              </a:rPr>
-              <a:t> identifies data compression methods that the client can support.</a:t>
+              <a:t>The SSL protocol consists of a set of messages and rules about when to send each one.</a:t>
+            </a:r>
+          </a:p>
+          <a:p>
+            <a:r>
+              <a:rPr lang="en-US" sz="1400" dirty="0">
+                <a:solidFill>
+                  <a:srgbClr val="3C5790"/>
+                </a:solidFill>
+              </a:rPr>
+              <a:t>The Secure Sockets Layer protocol defined 2 different roles for the communicating parties: client and server.</a:t>
+            </a:r>
+          </a:p>
+          <a:p>
+            <a:r>
+              <a:rPr lang="en-US" sz="1400" dirty="0">
+                <a:solidFill>
+                  <a:srgbClr val="3C5790"/>
+                </a:solidFill>
+              </a:rPr>
+              <a:t>The client initiates the secure communications, and the server responds to client's requests.</a:t>
             </a:r>
           </a:p>
         </p:txBody>
@@ -5754,7 +5737,7 @@
     </p:spTree>
     <p:extLst>
       <p:ext uri="{BB962C8B-B14F-4D97-AF65-F5344CB8AC3E}">
-        <p14:creationId xmlns:p14="http://schemas.microsoft.com/office/powerpoint/2010/main" val="4131559362"/>
+        <p14:creationId xmlns:p14="http://schemas.microsoft.com/office/powerpoint/2010/main" val="1409677317"/>
       </p:ext>
     </p:extLst>
   </p:cSld>
@@ -5928,6 +5911,21 @@
               </a:rPr>
               <a:t>Message Format</a:t>
             </a:r>
+          </a:p>
+          <a:p>
+            <a:r>
+              <a:rPr lang="fr-CA" sz="1600" dirty="0" err="1">
+                <a:solidFill>
+                  <a:srgbClr val="3C5790"/>
+                </a:solidFill>
+              </a:rPr>
+              <a:t>OpenSSL</a:t>
+            </a:r>
+            <a:endParaRPr lang="fr-CA" sz="1600" dirty="0">
+              <a:solidFill>
+                <a:srgbClr val="3C5790"/>
+              </a:solidFill>
+            </a:endParaRPr>
           </a:p>
           <a:p>
             <a:r>
@@ -6061,7 +6059,7 @@
         <p:spPr>
           <a:xfrm>
             <a:off x="304800" y="1905000"/>
-            <a:ext cx="8839200" cy="2133600"/>
+            <a:ext cx="8839200" cy="2438400"/>
           </a:xfrm>
         </p:spPr>
         <p:txBody>
@@ -6074,252 +6072,105 @@
                   <a:srgbClr val="3C5790"/>
                 </a:solidFill>
               </a:rPr>
-              <a:t>The contents of a </a:t>
-            </a:r>
+              <a:t>When SSL clients and servers communicates, they exchange SSL messages:</a:t>
+            </a:r>
+          </a:p>
+          <a:p>
+            <a:r>
+              <a:rPr lang="en-US" sz="1400" b="1" dirty="0">
+                <a:solidFill>
+                  <a:srgbClr val="3C5790"/>
+                </a:solidFill>
+              </a:rPr>
+              <a:t>Alert</a:t>
+            </a:r>
+            <a:r>
+              <a:rPr lang="en-US" sz="1400" dirty="0">
+                <a:solidFill>
+                  <a:srgbClr val="3C5790"/>
+                </a:solidFill>
+              </a:rPr>
+              <a:t>: informs the other party of possible security breach or communication failure.</a:t>
+            </a:r>
+          </a:p>
+          <a:p>
             <a:r>
               <a:rPr lang="en-US" sz="1400" b="1" dirty="0" err="1">
                 <a:solidFill>
                   <a:srgbClr val="3C5790"/>
                 </a:solidFill>
               </a:rPr>
-              <a:t>ServerHello</a:t>
-            </a:r>
-            <a:r>
-              <a:rPr lang="en-US" sz="1400" dirty="0">
-                <a:solidFill>
-                  <a:srgbClr val="3C5790"/>
-                </a:solidFill>
-              </a:rPr>
-              <a:t> are much the same as a </a:t>
-            </a:r>
-            <a:r>
-              <a:rPr lang="en-US" sz="1400" dirty="0" err="1">
-                <a:solidFill>
-                  <a:srgbClr val="3C5790"/>
-                </a:solidFill>
-              </a:rPr>
-              <a:t>ClientHello</a:t>
-            </a:r>
-            <a:r>
-              <a:rPr lang="en-US" sz="1400" dirty="0">
-                <a:solidFill>
-                  <a:srgbClr val="3C5790"/>
-                </a:solidFill>
-              </a:rPr>
-              <a:t>.</a:t>
-            </a:r>
-          </a:p>
-          <a:p>
-            <a:r>
-              <a:rPr lang="en-US" sz="1400" dirty="0" err="1">
-                <a:solidFill>
-                  <a:srgbClr val="3C5790"/>
-                </a:solidFill>
-              </a:rPr>
-              <a:t>ServerHello</a:t>
-            </a:r>
-            <a:r>
-              <a:rPr lang="en-US" sz="1400" dirty="0">
-                <a:solidFill>
-                  <a:srgbClr val="3C5790"/>
-                </a:solidFill>
-              </a:rPr>
-              <a:t> components:</a:t>
-            </a:r>
-          </a:p>
-          <a:p>
-            <a:pPr lvl="1"/>
+              <a:t>ApplicationData</a:t>
+            </a:r>
+            <a:r>
+              <a:rPr lang="en-US" sz="1400" dirty="0">
+                <a:solidFill>
+                  <a:srgbClr val="3C5790"/>
+                </a:solidFill>
+              </a:rPr>
+              <a:t>: actual information that the 2 parties exchange, which is encrypted, authenticated and/or verified by SSL.</a:t>
+            </a:r>
+          </a:p>
+          <a:p>
             <a:r>
               <a:rPr lang="en-US" sz="1400" b="1" dirty="0">
                 <a:solidFill>
                   <a:srgbClr val="3C5790"/>
                 </a:solidFill>
               </a:rPr>
-              <a:t>Version</a:t>
-            </a:r>
-            <a:r>
-              <a:rPr lang="en-US" sz="1400" dirty="0">
-                <a:solidFill>
-                  <a:srgbClr val="3C5790"/>
-                </a:solidFill>
-              </a:rPr>
-              <a:t> </a:t>
-            </a:r>
-            <a:r>
-              <a:rPr lang="en-US" sz="1400" dirty="0">
-                <a:solidFill>
-                  <a:srgbClr val="3C5790"/>
-                </a:solidFill>
-                <a:sym typeface="Wingdings" panose="05000000000000000000" pitchFamily="2" charset="2"/>
-              </a:rPr>
-              <a:t></a:t>
-            </a:r>
-            <a:r>
-              <a:rPr lang="en-US" sz="1400" dirty="0">
-                <a:solidFill>
-                  <a:srgbClr val="3C5790"/>
-                </a:solidFill>
-              </a:rPr>
-              <a:t> highest version of SSL protocol that the client can support.</a:t>
-            </a:r>
-          </a:p>
-          <a:p>
-            <a:pPr lvl="1"/>
+              <a:t>Certificate</a:t>
+            </a:r>
+            <a:r>
+              <a:rPr lang="en-US" sz="1400" dirty="0">
+                <a:solidFill>
+                  <a:srgbClr val="3C5790"/>
+                </a:solidFill>
+              </a:rPr>
+              <a:t>: a message that carries the sender's public key certificate.</a:t>
+            </a:r>
+          </a:p>
+          <a:p>
             <a:r>
               <a:rPr lang="en-US" sz="1400" b="1" dirty="0" err="1">
                 <a:solidFill>
                   <a:srgbClr val="3C5790"/>
                 </a:solidFill>
               </a:rPr>
-              <a:t>RandomNumber</a:t>
-            </a:r>
-            <a:r>
-              <a:rPr lang="en-US" sz="1400" dirty="0">
-                <a:solidFill>
-                  <a:srgbClr val="3C5790"/>
-                </a:solidFill>
-              </a:rPr>
-              <a:t> </a:t>
-            </a:r>
-            <a:r>
-              <a:rPr lang="en-US" sz="1400" dirty="0">
-                <a:solidFill>
-                  <a:srgbClr val="3C5790"/>
-                </a:solidFill>
-                <a:sym typeface="Wingdings" panose="05000000000000000000" pitchFamily="2" charset="2"/>
-              </a:rPr>
-              <a:t></a:t>
-            </a:r>
-            <a:r>
-              <a:rPr lang="en-US" sz="1400" dirty="0">
-                <a:solidFill>
-                  <a:srgbClr val="3C5790"/>
-                </a:solidFill>
-              </a:rPr>
-              <a:t> 32-byte random number used to seed the cryptographic calculations.</a:t>
-            </a:r>
-          </a:p>
-          <a:p>
-            <a:pPr lvl="1"/>
+              <a:t>CertificateRequest</a:t>
+            </a:r>
+            <a:r>
+              <a:rPr lang="en-US" sz="1400" dirty="0">
+                <a:solidFill>
+                  <a:srgbClr val="3C5790"/>
+                </a:solidFill>
+              </a:rPr>
+              <a:t>: a request by the server that the client provide its public key certificate.</a:t>
+            </a:r>
+          </a:p>
+          <a:p>
             <a:r>
               <a:rPr lang="en-US" sz="1400" b="1" dirty="0" err="1">
                 <a:solidFill>
                   <a:srgbClr val="3C5790"/>
                 </a:solidFill>
               </a:rPr>
-              <a:t>SessionID</a:t>
-            </a:r>
-            <a:r>
-              <a:rPr lang="en-US" sz="1400" dirty="0">
-                <a:solidFill>
-                  <a:srgbClr val="3C5790"/>
-                </a:solidFill>
-              </a:rPr>
-              <a:t> </a:t>
-            </a:r>
-            <a:r>
-              <a:rPr lang="en-US" sz="1400" dirty="0">
-                <a:solidFill>
-                  <a:srgbClr val="3C5790"/>
-                </a:solidFill>
-                <a:sym typeface="Wingdings" panose="05000000000000000000" pitchFamily="2" charset="2"/>
-              </a:rPr>
-              <a:t></a:t>
-            </a:r>
-            <a:r>
-              <a:rPr lang="en-US" sz="1400" dirty="0">
-                <a:solidFill>
-                  <a:srgbClr val="3C5790"/>
-                </a:solidFill>
-              </a:rPr>
-              <a:t> identifies the SSL session.</a:t>
-            </a:r>
-          </a:p>
-          <a:p>
-            <a:pPr lvl="1"/>
-            <a:r>
-              <a:rPr lang="en-US" sz="1400" b="1" dirty="0" err="1">
-                <a:solidFill>
-                  <a:srgbClr val="3C5790"/>
-                </a:solidFill>
-              </a:rPr>
-              <a:t>CipherSuites</a:t>
-            </a:r>
-            <a:r>
-              <a:rPr lang="en-US" sz="1400" dirty="0">
-                <a:solidFill>
-                  <a:srgbClr val="3C5790"/>
-                </a:solidFill>
-              </a:rPr>
-              <a:t> </a:t>
-            </a:r>
-            <a:r>
-              <a:rPr lang="en-US" sz="1400" dirty="0">
-                <a:solidFill>
-                  <a:srgbClr val="3C5790"/>
-                </a:solidFill>
-                <a:sym typeface="Wingdings" panose="05000000000000000000" pitchFamily="2" charset="2"/>
-              </a:rPr>
-              <a:t></a:t>
-            </a:r>
-            <a:r>
-              <a:rPr lang="en-US" sz="1400" dirty="0">
-                <a:solidFill>
-                  <a:srgbClr val="3C5790"/>
-                </a:solidFill>
-              </a:rPr>
-              <a:t> list of cryptographic parameters that the client can support.</a:t>
-            </a:r>
-          </a:p>
-          <a:p>
-            <a:pPr lvl="1"/>
-            <a:r>
-              <a:rPr lang="en-US" sz="1400" b="1" dirty="0" err="1">
-                <a:solidFill>
-                  <a:srgbClr val="3C5790"/>
-                </a:solidFill>
-              </a:rPr>
-              <a:t>CompressionMethods</a:t>
-            </a:r>
-            <a:r>
-              <a:rPr lang="en-US" sz="1400" dirty="0">
-                <a:solidFill>
-                  <a:srgbClr val="3C5790"/>
-                </a:solidFill>
-              </a:rPr>
-              <a:t> </a:t>
-            </a:r>
-            <a:r>
-              <a:rPr lang="en-US" sz="1400" dirty="0">
-                <a:solidFill>
-                  <a:srgbClr val="3C5790"/>
-                </a:solidFill>
-                <a:sym typeface="Wingdings" panose="05000000000000000000" pitchFamily="2" charset="2"/>
-              </a:rPr>
-              <a:t></a:t>
-            </a:r>
-            <a:r>
-              <a:rPr lang="en-US" sz="1400" dirty="0">
-                <a:solidFill>
-                  <a:srgbClr val="3C5790"/>
-                </a:solidFill>
-              </a:rPr>
-              <a:t> identifies data compression methods that the client can support.</a:t>
-            </a:r>
-          </a:p>
-          <a:p>
-            <a:endParaRPr lang="en-US" sz="1400" dirty="0">
-              <a:solidFill>
-                <a:srgbClr val="3C5790"/>
-              </a:solidFill>
-            </a:endParaRPr>
+              <a:t>CertificateVerify</a:t>
+            </a:r>
+            <a:r>
+              <a:rPr lang="en-US" sz="1400" dirty="0">
+                <a:solidFill>
+                  <a:srgbClr val="3C5790"/>
+                </a:solidFill>
+              </a:rPr>
+              <a:t>: a message from the client that verifies that is knows the private key corresponding to its public key certificate.</a:t>
+            </a:r>
           </a:p>
         </p:txBody>
       </p:sp>
     </p:spTree>
     <p:extLst>
       <p:ext uri="{BB962C8B-B14F-4D97-AF65-F5344CB8AC3E}">
-        <p14:creationId xmlns:p14="http://schemas.microsoft.com/office/powerpoint/2010/main" val="3390855267"/>
+        <p14:creationId xmlns:p14="http://schemas.microsoft.com/office/powerpoint/2010/main" val="91579283"/>
       </p:ext>
     </p:extLst>
   </p:cSld>
@@ -6429,7 +6280,7 @@
         <p:spPr>
           <a:xfrm>
             <a:off x="304800" y="1905000"/>
-            <a:ext cx="8839200" cy="2133600"/>
+            <a:ext cx="8839200" cy="1447800"/>
           </a:xfrm>
         </p:spPr>
         <p:txBody>
@@ -6437,122 +6288,74 @@
           <a:lstStyle/>
           <a:p>
             <a:r>
-              <a:rPr lang="en-US" sz="1400" dirty="0">
-                <a:solidFill>
-                  <a:srgbClr val="3C5790"/>
-                </a:solidFill>
-              </a:rPr>
-              <a:t>The server sends </a:t>
-            </a:r>
-            <a:r>
               <a:rPr lang="en-US" sz="1400" b="1" dirty="0" err="1">
                 <a:solidFill>
                   <a:srgbClr val="3C5790"/>
                 </a:solidFill>
               </a:rPr>
-              <a:t>ServerKeyExchange</a:t>
-            </a:r>
-            <a:r>
-              <a:rPr lang="en-US" sz="1400" dirty="0">
-                <a:solidFill>
-                  <a:srgbClr val="3C5790"/>
-                </a:solidFill>
-              </a:rPr>
-              <a:t> message after the </a:t>
-            </a:r>
-            <a:r>
-              <a:rPr lang="en-US" sz="1400" dirty="0" err="1">
-                <a:solidFill>
-                  <a:srgbClr val="3C5790"/>
-                </a:solidFill>
-              </a:rPr>
-              <a:t>ServerHello</a:t>
-            </a:r>
-            <a:r>
-              <a:rPr lang="en-US" sz="1400" dirty="0">
-                <a:solidFill>
-                  <a:srgbClr val="3C5790"/>
-                </a:solidFill>
-              </a:rPr>
-              <a:t> message.</a:t>
-            </a:r>
-          </a:p>
-          <a:p>
-            <a:r>
-              <a:rPr lang="en-US" sz="1400" dirty="0">
-                <a:solidFill>
-                  <a:srgbClr val="3C5790"/>
-                </a:solidFill>
-              </a:rPr>
-              <a:t>The message complements </a:t>
-            </a:r>
-            <a:r>
-              <a:rPr lang="en-US" sz="1400" dirty="0" err="1">
-                <a:solidFill>
-                  <a:srgbClr val="3C5790"/>
-                </a:solidFill>
-              </a:rPr>
-              <a:t>CipherSuite</a:t>
-            </a:r>
-            <a:r>
-              <a:rPr lang="en-US" sz="1400" dirty="0">
-                <a:solidFill>
-                  <a:srgbClr val="3C5790"/>
-                </a:solidFill>
-              </a:rPr>
-              <a:t> field of the </a:t>
-            </a:r>
-            <a:r>
-              <a:rPr lang="en-US" sz="1400" dirty="0" err="1">
-                <a:solidFill>
-                  <a:srgbClr val="3C5790"/>
-                </a:solidFill>
-              </a:rPr>
-              <a:t>ServerHello</a:t>
-            </a:r>
-            <a:r>
-              <a:rPr lang="en-US" sz="1400" dirty="0">
-                <a:solidFill>
-                  <a:srgbClr val="3C5790"/>
-                </a:solidFill>
-              </a:rPr>
-              <a:t>.</a:t>
-            </a:r>
-          </a:p>
-          <a:p>
-            <a:r>
-              <a:rPr lang="en-US" sz="1400" dirty="0">
-                <a:solidFill>
-                  <a:srgbClr val="3C5790"/>
-                </a:solidFill>
-              </a:rPr>
-              <a:t>While the </a:t>
-            </a:r>
-            <a:r>
-              <a:rPr lang="en-US" sz="1400" dirty="0" err="1">
-                <a:solidFill>
-                  <a:srgbClr val="3C5790"/>
-                </a:solidFill>
-              </a:rPr>
-              <a:t>CipherSuite</a:t>
-            </a:r>
-            <a:r>
-              <a:rPr lang="en-US" sz="1400" dirty="0">
-                <a:solidFill>
-                  <a:srgbClr val="3C5790"/>
-                </a:solidFill>
-              </a:rPr>
-              <a:t> field indicates the cryptographic algorithms and key sizes, this message contains the public key.</a:t>
-            </a:r>
-          </a:p>
-          <a:p>
-            <a:r>
-              <a:rPr lang="en-US" sz="1400" dirty="0">
-                <a:solidFill>
-                  <a:srgbClr val="3C5790"/>
-                </a:solidFill>
-              </a:rPr>
-              <a:t>The client will use the server's public key to encrypt a session key.</a:t>
+              <a:t>ChangeCipherSpec</a:t>
+            </a:r>
+            <a:r>
+              <a:rPr lang="en-US" sz="1400" dirty="0">
+                <a:solidFill>
+                  <a:srgbClr val="3C5790"/>
+                </a:solidFill>
+              </a:rPr>
+              <a:t>: indication to begin using agreed-upon security services (such as encryption).</a:t>
+            </a:r>
+          </a:p>
+          <a:p>
+            <a:r>
+              <a:rPr lang="en-US" sz="1400" b="1" dirty="0" err="1">
+                <a:solidFill>
+                  <a:srgbClr val="3C5790"/>
+                </a:solidFill>
+              </a:rPr>
+              <a:t>ClientHello</a:t>
+            </a:r>
+            <a:r>
+              <a:rPr lang="en-US" sz="1400" dirty="0">
+                <a:solidFill>
+                  <a:srgbClr val="3C5790"/>
+                </a:solidFill>
+              </a:rPr>
+              <a:t>: a message from the client indicating the security services it desires and is capable of supporting.</a:t>
+            </a:r>
+          </a:p>
+          <a:p>
+            <a:r>
+              <a:rPr lang="en-US" sz="1400" b="1" dirty="0" err="1">
+                <a:solidFill>
+                  <a:srgbClr val="3C5790"/>
+                </a:solidFill>
+              </a:rPr>
+              <a:t>ClientKeyExchange</a:t>
+            </a:r>
+            <a:r>
+              <a:rPr lang="en-US" sz="1400" dirty="0">
+                <a:solidFill>
+                  <a:srgbClr val="3C5790"/>
+                </a:solidFill>
+              </a:rPr>
+              <a:t>: a message from the client carrying cryptographic keys for the communications.</a:t>
+            </a:r>
+          </a:p>
+          <a:p>
+            <a:r>
+              <a:rPr lang="en-US" sz="1400" b="1" dirty="0">
+                <a:solidFill>
+                  <a:srgbClr val="3C5790"/>
+                </a:solidFill>
+              </a:rPr>
+              <a:t>Finished</a:t>
+            </a:r>
+            <a:r>
+              <a:rPr lang="en-US" sz="1400" dirty="0">
+                <a:solidFill>
+                  <a:srgbClr val="3C5790"/>
+                </a:solidFill>
+              </a:rPr>
+              <a:t>: an indication that all initial negotiations are complete and secure communications have been established.</a:t>
             </a:r>
           </a:p>
         </p:txBody>
@@ -6560,7 +6363,7 @@
     </p:spTree>
     <p:extLst>
       <p:ext uri="{BB962C8B-B14F-4D97-AF65-F5344CB8AC3E}">
-        <p14:creationId xmlns:p14="http://schemas.microsoft.com/office/powerpoint/2010/main" val="1818949843"/>
+        <p14:creationId xmlns:p14="http://schemas.microsoft.com/office/powerpoint/2010/main" val="1153176414"/>
       </p:ext>
     </p:extLst>
   </p:cSld>
@@ -6670,7 +6473,7 @@
         <p:spPr>
           <a:xfrm>
             <a:off x="304800" y="1905000"/>
-            <a:ext cx="8839200" cy="2133600"/>
+            <a:ext cx="8839200" cy="1447800"/>
           </a:xfrm>
         </p:spPr>
         <p:txBody>
@@ -6678,19 +6481,47 @@
           <a:lstStyle/>
           <a:p>
             <a:r>
-              <a:rPr lang="en-US" sz="1400" dirty="0">
-                <a:solidFill>
-                  <a:srgbClr val="3C5790"/>
-                </a:solidFill>
-              </a:rPr>
-              <a:t>The </a:t>
-            </a:r>
-            <a:r>
               <a:rPr lang="en-US" sz="1400" b="1" dirty="0" err="1">
                 <a:solidFill>
                   <a:srgbClr val="3C5790"/>
                 </a:solidFill>
               </a:rPr>
+              <a:t>HelloRequest</a:t>
+            </a:r>
+            <a:r>
+              <a:rPr lang="en-US" sz="1400" dirty="0">
+                <a:solidFill>
+                  <a:srgbClr val="3C5790"/>
+                </a:solidFill>
+              </a:rPr>
+              <a:t>: a request by the server that the client start (or restart) the SSL negotiation process.</a:t>
+            </a:r>
+          </a:p>
+          <a:p>
+            <a:r>
+              <a:rPr lang="en-US" sz="1400" b="1" dirty="0" err="1">
+                <a:solidFill>
+                  <a:srgbClr val="3C5790"/>
+                </a:solidFill>
+              </a:rPr>
+              <a:t>ServerHello</a:t>
+            </a:r>
+            <a:r>
+              <a:rPr lang="en-US" sz="1400" dirty="0">
+                <a:solidFill>
+                  <a:srgbClr val="3C5790"/>
+                </a:solidFill>
+              </a:rPr>
+              <a:t>: a message from the server indicating the security services that will be used for the communications.</a:t>
+            </a:r>
+          </a:p>
+          <a:p>
+            <a:r>
+              <a:rPr lang="en-US" sz="1400" b="1" dirty="0" err="1">
+                <a:solidFill>
+                  <a:srgbClr val="3C5790"/>
+                </a:solidFill>
+              </a:rPr>
               <a:t>ServerHelloDone</a:t>
             </a:r>
             <a:r>
@@ -6699,133 +6530,25 @@
                   <a:srgbClr val="3C5790"/>
                 </a:solidFill>
               </a:rPr>
-              <a:t> message informs the client that the server has </a:t>
-            </a:r>
-            <a:r>
-              <a:rPr lang="en-US" sz="1400" dirty="0" err="1">
-                <a:solidFill>
-                  <a:srgbClr val="3C5790"/>
-                </a:solidFill>
-              </a:rPr>
-              <a:t>inished</a:t>
-            </a:r>
-            <a:r>
-              <a:rPr lang="en-US" sz="1400" dirty="0">
-                <a:solidFill>
-                  <a:srgbClr val="3C5790"/>
-                </a:solidFill>
-              </a:rPr>
-              <a:t> with its initial </a:t>
-            </a:r>
-            <a:r>
-              <a:rPr lang="en-US" sz="1400" dirty="0" err="1">
-                <a:solidFill>
-                  <a:srgbClr val="3C5790"/>
-                </a:solidFill>
-              </a:rPr>
-              <a:t>negociation</a:t>
-            </a:r>
-            <a:r>
-              <a:rPr lang="en-US" sz="1400" dirty="0">
-                <a:solidFill>
-                  <a:srgbClr val="3C5790"/>
-                </a:solidFill>
-              </a:rPr>
-              <a:t> message.</a:t>
-            </a:r>
-          </a:p>
-          <a:p>
-            <a:r>
-              <a:rPr lang="en-US" sz="1400" dirty="0">
-                <a:solidFill>
-                  <a:srgbClr val="3C5790"/>
-                </a:solidFill>
-              </a:rPr>
-              <a:t>Once the client receives a </a:t>
-            </a:r>
-            <a:r>
-              <a:rPr lang="en-US" sz="1400" dirty="0" err="1">
-                <a:solidFill>
-                  <a:srgbClr val="3C5790"/>
-                </a:solidFill>
-              </a:rPr>
-              <a:t>ServerHelloDone</a:t>
-            </a:r>
-            <a:r>
-              <a:rPr lang="en-US" sz="1400" dirty="0">
-                <a:solidFill>
-                  <a:srgbClr val="3C5790"/>
-                </a:solidFill>
-              </a:rPr>
-              <a:t> it can move to the next phase of establishing the </a:t>
-            </a:r>
-            <a:r>
-              <a:rPr lang="en-US" sz="1400" dirty="0" err="1">
-                <a:solidFill>
-                  <a:srgbClr val="3C5790"/>
-                </a:solidFill>
-              </a:rPr>
-              <a:t>securre</a:t>
-            </a:r>
-            <a:r>
-              <a:rPr lang="en-US" sz="1400" dirty="0">
-                <a:solidFill>
-                  <a:srgbClr val="3C5790"/>
-                </a:solidFill>
-              </a:rPr>
-              <a:t> communications.</a:t>
-            </a:r>
-          </a:p>
-          <a:p>
-            <a:r>
-              <a:rPr lang="en-US" sz="1400" dirty="0">
-                <a:solidFill>
-                  <a:srgbClr val="3C5790"/>
-                </a:solidFill>
-              </a:rPr>
-              <a:t>After the server has finished its part of the initial SSL negotiation the client responds with a </a:t>
-            </a:r>
+              <a:t>: an indication from the server that it has completed all its requests of the client for establishing communications.</a:t>
+            </a:r>
+          </a:p>
+          <a:p>
             <a:r>
               <a:rPr lang="en-US" sz="1400" b="1" dirty="0" err="1">
                 <a:solidFill>
                   <a:srgbClr val="3C5790"/>
                 </a:solidFill>
               </a:rPr>
-              <a:t>ClientKeyExchange</a:t>
-            </a:r>
-            <a:r>
-              <a:rPr lang="en-US" sz="1400" dirty="0">
-                <a:solidFill>
-                  <a:srgbClr val="3C5790"/>
-                </a:solidFill>
-              </a:rPr>
-              <a:t> message.</a:t>
-            </a:r>
-          </a:p>
-          <a:p>
-            <a:r>
-              <a:rPr lang="en-US" sz="1400" dirty="0">
-                <a:solidFill>
-                  <a:srgbClr val="3C5790"/>
-                </a:solidFill>
-              </a:rPr>
-              <a:t>The </a:t>
-            </a:r>
-            <a:r>
-              <a:rPr lang="en-US" sz="1400" dirty="0" err="1">
-                <a:solidFill>
-                  <a:srgbClr val="3C5790"/>
-                </a:solidFill>
-              </a:rPr>
-              <a:t>ClientKeyExchange</a:t>
-            </a:r>
-            <a:r>
-              <a:rPr lang="en-US" sz="1400" dirty="0">
-                <a:solidFill>
-                  <a:srgbClr val="3C5790"/>
-                </a:solidFill>
-              </a:rPr>
-              <a:t> tells the server the client's key information.</a:t>
+              <a:t>ServerKeyExchange</a:t>
+            </a:r>
+            <a:r>
+              <a:rPr lang="en-US" sz="1400" dirty="0">
+                <a:solidFill>
+                  <a:srgbClr val="3C5790"/>
+                </a:solidFill>
+              </a:rPr>
+              <a:t>: a message from the server carrying cryptographic keys for the communications.</a:t>
             </a:r>
           </a:p>
         </p:txBody>
@@ -6833,7 +6556,7 @@
     </p:spTree>
     <p:extLst>
       <p:ext uri="{BB962C8B-B14F-4D97-AF65-F5344CB8AC3E}">
-        <p14:creationId xmlns:p14="http://schemas.microsoft.com/office/powerpoint/2010/main" val="2499210354"/>
+        <p14:creationId xmlns:p14="http://schemas.microsoft.com/office/powerpoint/2010/main" val="125722828"/>
       </p:ext>
     </p:extLst>
   </p:cSld>
@@ -6930,127 +6653,34 @@
           </a:p>
         </p:txBody>
       </p:sp>
-      <p:sp>
-        <p:nvSpPr>
-          <p:cNvPr id="4099" name="Espace réservé du contenu 4"/>
-          <p:cNvSpPr>
-            <a:spLocks noGrp="1"/>
-          </p:cNvSpPr>
-          <p:nvPr>
-            <p:ph idx="1"/>
-          </p:nvPr>
-        </p:nvSpPr>
+      <p:pic>
+        <p:nvPicPr>
+          <p:cNvPr id="2" name="Picture 1"/>
+          <p:cNvPicPr>
+            <a:picLocks noChangeAspect="1"/>
+          </p:cNvPicPr>
+          <p:nvPr/>
+        </p:nvPicPr>
+        <p:blipFill>
+          <a:blip r:embed="rId3"/>
+          <a:stretch>
+            <a:fillRect/>
+          </a:stretch>
+        </p:blipFill>
         <p:spPr>
           <a:xfrm>
-            <a:off x="304800" y="1905000"/>
-            <a:ext cx="8839200" cy="2133600"/>
+            <a:off x="1447800" y="1781175"/>
+            <a:ext cx="5229225" cy="4924425"/>
           </a:xfrm>
+          <a:prstGeom prst="rect">
+            <a:avLst/>
+          </a:prstGeom>
         </p:spPr>
-        <p:txBody>
-          <a:bodyPr/>
-          <a:lstStyle/>
-          <a:p>
-            <a:r>
-              <a:rPr lang="en-US" sz="1400" dirty="0">
-                <a:solidFill>
-                  <a:srgbClr val="3C5790"/>
-                </a:solidFill>
-              </a:rPr>
-              <a:t>After the client sends key information in a </a:t>
-            </a:r>
-            <a:r>
-              <a:rPr lang="en-US" sz="1400" b="1" dirty="0" err="1">
-                <a:solidFill>
-                  <a:srgbClr val="3C5790"/>
-                </a:solidFill>
-              </a:rPr>
-              <a:t>ClientKeyExchange</a:t>
-            </a:r>
-            <a:r>
-              <a:rPr lang="en-US" sz="1400" dirty="0">
-                <a:solidFill>
-                  <a:srgbClr val="3C5790"/>
-                </a:solidFill>
-              </a:rPr>
-              <a:t> message the preliminary SSL negotiation is complete.</a:t>
-            </a:r>
-          </a:p>
-          <a:p>
-            <a:r>
-              <a:rPr lang="en-US" sz="1400" dirty="0" err="1">
-                <a:solidFill>
-                  <a:srgbClr val="3C5790"/>
-                </a:solidFill>
-              </a:rPr>
-              <a:t>ChangeCipherSepc</a:t>
-            </a:r>
-            <a:r>
-              <a:rPr lang="en-US" sz="1400" dirty="0">
-                <a:solidFill>
-                  <a:srgbClr val="3C5790"/>
-                </a:solidFill>
-              </a:rPr>
-              <a:t> is a special SSL message that indicates the security services should be invoked.</a:t>
-            </a:r>
-          </a:p>
-          <a:p>
-            <a:r>
-              <a:rPr lang="en-US" sz="1400" dirty="0">
-                <a:solidFill>
-                  <a:srgbClr val="3C5790"/>
-                </a:solidFill>
-              </a:rPr>
-              <a:t>Immediately after sending the </a:t>
-            </a:r>
-            <a:r>
-              <a:rPr lang="en-US" sz="1400" dirty="0" err="1">
-                <a:solidFill>
-                  <a:srgbClr val="3C5790"/>
-                </a:solidFill>
-              </a:rPr>
-              <a:t>ChangeCipherSpec</a:t>
-            </a:r>
-            <a:r>
-              <a:rPr lang="en-US" sz="1400" dirty="0">
-                <a:solidFill>
-                  <a:srgbClr val="3C5790"/>
-                </a:solidFill>
-              </a:rPr>
-              <a:t> message each system also sends a Finished message.</a:t>
-            </a:r>
-          </a:p>
-          <a:p>
-            <a:r>
-              <a:rPr lang="en-US" sz="1400" dirty="0">
-                <a:solidFill>
-                  <a:srgbClr val="3C5790"/>
-                </a:solidFill>
-              </a:rPr>
-              <a:t>The </a:t>
-            </a:r>
-            <a:r>
-              <a:rPr lang="en-US" sz="1400" b="1" dirty="0">
-                <a:solidFill>
-                  <a:srgbClr val="3C5790"/>
-                </a:solidFill>
-              </a:rPr>
-              <a:t>Finished</a:t>
-            </a:r>
-            <a:r>
-              <a:rPr lang="en-US" sz="1400" dirty="0">
-                <a:solidFill>
-                  <a:srgbClr val="3C5790"/>
-                </a:solidFill>
-              </a:rPr>
-              <a:t> message allow both systems to verify that the negotiation has been successful and that security has not been compromised.</a:t>
-            </a:r>
-          </a:p>
-        </p:txBody>
-      </p:sp>
+      </p:pic>
     </p:spTree>
     <p:extLst>
       <p:ext uri="{BB962C8B-B14F-4D97-AF65-F5344CB8AC3E}">
-        <p14:creationId xmlns:p14="http://schemas.microsoft.com/office/powerpoint/2010/main" val="3772707365"/>
+        <p14:creationId xmlns:p14="http://schemas.microsoft.com/office/powerpoint/2010/main" val="2102174178"/>
       </p:ext>
     </p:extLst>
   </p:cSld>
@@ -7110,129 +6740,46 @@
                   <a:schemeClr val="bg1"/>
                 </a:solidFill>
               </a:rPr>
-              <a:t>Message Format</a:t>
-            </a:r>
-          </a:p>
-        </p:txBody>
-      </p:sp>
-      <p:sp>
-        <p:nvSpPr>
-          <p:cNvPr id="4099" name="Espace réservé du contenu 4"/>
-          <p:cNvSpPr>
-            <a:spLocks noGrp="1"/>
-          </p:cNvSpPr>
-          <p:nvPr>
-            <p:ph idx="1"/>
-          </p:nvPr>
-        </p:nvSpPr>
-        <p:spPr>
-          <a:xfrm>
-            <a:off x="304800" y="1905000"/>
-            <a:ext cx="8839200" cy="1143000"/>
-          </a:xfrm>
-        </p:spPr>
-        <p:txBody>
-          <a:bodyPr/>
-          <a:lstStyle/>
-          <a:p>
-            <a:r>
-              <a:rPr lang="en-US" sz="1400" dirty="0">
-                <a:solidFill>
-                  <a:srgbClr val="3C5790"/>
-                </a:solidFill>
-              </a:rPr>
-              <a:t>The SSL protocol consists of several different components. </a:t>
-            </a:r>
-          </a:p>
-          <a:p>
-            <a:r>
-              <a:rPr lang="en-US" sz="1400" dirty="0">
-                <a:solidFill>
-                  <a:srgbClr val="3C5790"/>
-                </a:solidFill>
-              </a:rPr>
-              <a:t>4 sources create SSL message: </a:t>
-            </a:r>
-            <a:r>
-              <a:rPr lang="en-US" sz="1400" b="1" dirty="0" err="1">
-                <a:solidFill>
-                  <a:srgbClr val="3C5790"/>
-                </a:solidFill>
-              </a:rPr>
-              <a:t>ChangeCipherSpec</a:t>
-            </a:r>
-            <a:r>
-              <a:rPr lang="en-US" sz="1400" dirty="0">
-                <a:solidFill>
-                  <a:srgbClr val="3C5790"/>
-                </a:solidFill>
-              </a:rPr>
-              <a:t>, </a:t>
-            </a:r>
-            <a:r>
-              <a:rPr lang="en-US" sz="1400" b="1" dirty="0">
-                <a:solidFill>
-                  <a:srgbClr val="3C5790"/>
-                </a:solidFill>
-              </a:rPr>
-              <a:t>Alert</a:t>
-            </a:r>
-            <a:r>
-              <a:rPr lang="en-US" sz="1400" dirty="0">
-                <a:solidFill>
-                  <a:srgbClr val="3C5790"/>
-                </a:solidFill>
-              </a:rPr>
-              <a:t>, </a:t>
-            </a:r>
-            <a:r>
-              <a:rPr lang="en-US" sz="1400" b="1" dirty="0">
-                <a:solidFill>
-                  <a:srgbClr val="3C5790"/>
-                </a:solidFill>
-              </a:rPr>
-              <a:t>Handshake</a:t>
-            </a:r>
-            <a:r>
-              <a:rPr lang="en-US" sz="1400" dirty="0">
-                <a:solidFill>
-                  <a:srgbClr val="3C5790"/>
-                </a:solidFill>
-              </a:rPr>
-              <a:t> and </a:t>
-            </a:r>
-            <a:r>
-              <a:rPr lang="en-US" sz="1400" b="1" dirty="0">
-                <a:solidFill>
-                  <a:srgbClr val="3C5790"/>
-                </a:solidFill>
-              </a:rPr>
-              <a:t>Application</a:t>
-            </a:r>
-            <a:r>
-              <a:rPr lang="en-US" sz="1400" dirty="0">
-                <a:solidFill>
-                  <a:srgbClr val="3C5790"/>
-                </a:solidFill>
-              </a:rPr>
-              <a:t> protocols.</a:t>
-            </a:r>
-          </a:p>
-          <a:p>
-            <a:r>
-              <a:rPr lang="en-US" sz="1400" dirty="0">
-                <a:solidFill>
-                  <a:srgbClr val="3C5790"/>
-                </a:solidFill>
-              </a:rPr>
-              <a:t>The Record Layer protocol accepts all the messages then formats and frames them passing to the transport layer.</a:t>
+              <a:t>SSL </a:t>
+            </a:r>
+            <a:r>
+              <a:rPr lang="fr-CA" dirty="0" err="1">
+                <a:solidFill>
+                  <a:schemeClr val="bg1"/>
+                </a:solidFill>
+              </a:rPr>
+              <a:t>Operation</a:t>
+            </a:r>
+            <a:r>
+              <a:rPr lang="fr-CA" dirty="0">
+                <a:solidFill>
+                  <a:schemeClr val="bg1"/>
+                </a:solidFill>
+              </a:rPr>
+              <a:t> (</a:t>
+            </a:r>
+            <a:r>
+              <a:rPr lang="fr-CA" dirty="0" err="1">
+                <a:solidFill>
+                  <a:schemeClr val="bg1"/>
+                </a:solidFill>
+              </a:rPr>
+              <a:t>cont</a:t>
+            </a:r>
+            <a:r>
+              <a:rPr lang="fr-CA" dirty="0">
+                <a:solidFill>
+                  <a:schemeClr val="bg1"/>
+                </a:solidFill>
+              </a:rPr>
+              <a:t>.)</a:t>
             </a:r>
           </a:p>
         </p:txBody>
       </p:sp>
       <p:pic>
         <p:nvPicPr>
-          <p:cNvPr id="2" name="Picture 1"/>
+          <p:cNvPr id="3" name="Picture 2"/>
           <p:cNvPicPr>
             <a:picLocks noChangeAspect="1"/>
           </p:cNvPicPr>
@@ -7246,8 +6793,8 @@
         </p:blipFill>
         <p:spPr>
           <a:xfrm>
-            <a:off x="1689750" y="3048000"/>
-            <a:ext cx="5277787" cy="3305175"/>
+            <a:off x="1676400" y="1905000"/>
+            <a:ext cx="5572125" cy="4448432"/>
           </a:xfrm>
           <a:prstGeom prst="rect">
             <a:avLst/>
@@ -7257,7 +6804,7 @@
     </p:spTree>
     <p:extLst>
       <p:ext uri="{BB962C8B-B14F-4D97-AF65-F5344CB8AC3E}">
-        <p14:creationId xmlns:p14="http://schemas.microsoft.com/office/powerpoint/2010/main" val="3186142142"/>
+        <p14:creationId xmlns:p14="http://schemas.microsoft.com/office/powerpoint/2010/main" val="1452736287"/>
       </p:ext>
     </p:extLst>
   </p:cSld>
@@ -7317,7 +6864,23 @@
                   <a:schemeClr val="bg1"/>
                 </a:solidFill>
               </a:rPr>
-              <a:t>Message Format (</a:t>
+              <a:t>SSL </a:t>
+            </a:r>
+            <a:r>
+              <a:rPr lang="fr-CA" dirty="0" err="1">
+                <a:solidFill>
+                  <a:schemeClr val="bg1"/>
+                </a:solidFill>
+              </a:rPr>
+              <a:t>Operation</a:t>
+            </a:r>
+            <a:r>
+              <a:rPr lang="fr-CA" dirty="0">
+                <a:solidFill>
+                  <a:schemeClr val="bg1"/>
+                </a:solidFill>
+              </a:rPr>
+              <a:t> (</a:t>
             </a:r>
             <a:r>
               <a:rPr lang="fr-CA" dirty="0" err="1">
@@ -7340,7 +6903,13 @@
       </p:sp>
       <p:pic>
         <p:nvPicPr>
-          <p:cNvPr id="3" name="Picture 2"/>
+          <p:cNvPr id="4" name="Picture 3">
+            <a:extLst>
+              <a:ext uri="{FF2B5EF4-FFF2-40B4-BE49-F238E27FC236}">
+                <a16:creationId xmlns:a16="http://schemas.microsoft.com/office/drawing/2014/main" id="{C6F01930-AB3E-419B-A03B-E07A4D7FB639}"/>
+              </a:ext>
+            </a:extLst>
+          </p:cNvPr>
           <p:cNvPicPr>
             <a:picLocks noChangeAspect="1"/>
           </p:cNvPicPr>
@@ -7354,8 +6923,8 @@
         </p:blipFill>
         <p:spPr>
           <a:xfrm>
-            <a:off x="1524000" y="1817511"/>
-            <a:ext cx="5053773" cy="5029200"/>
+            <a:off x="1676400" y="1828800"/>
+            <a:ext cx="5200094" cy="4863966"/>
           </a:xfrm>
           <a:prstGeom prst="rect">
             <a:avLst/>
@@ -7365,7 +6934,7 @@
     </p:spTree>
     <p:extLst>
       <p:ext uri="{BB962C8B-B14F-4D97-AF65-F5344CB8AC3E}">
-        <p14:creationId xmlns:p14="http://schemas.microsoft.com/office/powerpoint/2010/main" val="1521895636"/>
+        <p14:creationId xmlns:p14="http://schemas.microsoft.com/office/powerpoint/2010/main" val="409757385"/>
       </p:ext>
     </p:extLst>
   </p:cSld>
@@ -7425,7 +6994,23 @@
                   <a:schemeClr val="bg1"/>
                 </a:solidFill>
               </a:rPr>
-              <a:t>Message Format (</a:t>
+              <a:t>SSL </a:t>
+            </a:r>
+            <a:r>
+              <a:rPr lang="fr-CA" dirty="0" err="1">
+                <a:solidFill>
+                  <a:schemeClr val="bg1"/>
+                </a:solidFill>
+              </a:rPr>
+              <a:t>Operation</a:t>
+            </a:r>
+            <a:r>
+              <a:rPr lang="fr-CA" dirty="0">
+                <a:solidFill>
+                  <a:schemeClr val="bg1"/>
+                </a:solidFill>
+              </a:rPr>
+              <a:t> (</a:t>
             </a:r>
             <a:r>
               <a:rPr lang="fr-CA" dirty="0" err="1">
@@ -7459,7 +7044,7 @@
         <p:spPr>
           <a:xfrm>
             <a:off x="304800" y="1905000"/>
-            <a:ext cx="8839200" cy="533400"/>
+            <a:ext cx="8839200" cy="2667000"/>
           </a:xfrm>
         </p:spPr>
         <p:txBody>
@@ -7472,39 +7057,239 @@
                   <a:srgbClr val="3C5790"/>
                 </a:solidFill>
               </a:rPr>
-              <a:t>The Record Layer is responsible for encryption. </a:t>
-            </a:r>
-          </a:p>
-        </p:txBody>
-      </p:sp>
-      <p:pic>
-        <p:nvPicPr>
-          <p:cNvPr id="2" name="Picture 1"/>
-          <p:cNvPicPr>
-            <a:picLocks noChangeAspect="1"/>
-          </p:cNvPicPr>
-          <p:nvPr/>
-        </p:nvPicPr>
-        <p:blipFill>
-          <a:blip r:embed="rId3"/>
-          <a:stretch>
-            <a:fillRect/>
-          </a:stretch>
-        </p:blipFill>
-        <p:spPr>
-          <a:xfrm>
-            <a:off x="1447800" y="2466622"/>
-            <a:ext cx="6030809" cy="3438525"/>
-          </a:xfrm>
-          <a:prstGeom prst="rect">
-            <a:avLst/>
-          </a:prstGeom>
-        </p:spPr>
-      </p:pic>
+              <a:t>The </a:t>
+            </a:r>
+            <a:r>
+              <a:rPr lang="en-US" sz="1400" b="1" dirty="0" err="1">
+                <a:solidFill>
+                  <a:srgbClr val="3C5790"/>
+                </a:solidFill>
+              </a:rPr>
+              <a:t>ClientHello</a:t>
+            </a:r>
+            <a:r>
+              <a:rPr lang="en-US" sz="1400" dirty="0">
+                <a:solidFill>
+                  <a:srgbClr val="3C5790"/>
+                </a:solidFill>
+              </a:rPr>
+              <a:t> message starts the SSL communication.</a:t>
+            </a:r>
+          </a:p>
+          <a:p>
+            <a:r>
+              <a:rPr lang="en-US" sz="1400" dirty="0">
+                <a:solidFill>
+                  <a:srgbClr val="3C5790"/>
+                </a:solidFill>
+              </a:rPr>
+              <a:t>The client asks the server to begin the SSL negotiation.</a:t>
+            </a:r>
+          </a:p>
+          <a:p>
+            <a:r>
+              <a:rPr lang="en-US" sz="1400" dirty="0" err="1">
+                <a:solidFill>
+                  <a:srgbClr val="3C5790"/>
+                </a:solidFill>
+              </a:rPr>
+              <a:t>ClientHello</a:t>
+            </a:r>
+            <a:r>
+              <a:rPr lang="en-US" sz="1400" dirty="0">
+                <a:solidFill>
+                  <a:srgbClr val="3C5790"/>
+                </a:solidFill>
+              </a:rPr>
+              <a:t> components:</a:t>
+            </a:r>
+          </a:p>
+          <a:p>
+            <a:pPr lvl="1"/>
+            <a:r>
+              <a:rPr lang="en-US" sz="1400" b="1" dirty="0">
+                <a:solidFill>
+                  <a:srgbClr val="3C5790"/>
+                </a:solidFill>
+              </a:rPr>
+              <a:t>Version</a:t>
+            </a:r>
+            <a:r>
+              <a:rPr lang="en-US" sz="1400" dirty="0">
+                <a:solidFill>
+                  <a:srgbClr val="3C5790"/>
+                </a:solidFill>
+              </a:rPr>
+              <a:t> </a:t>
+            </a:r>
+            <a:r>
+              <a:rPr lang="en-US" sz="1400" dirty="0">
+                <a:solidFill>
+                  <a:srgbClr val="3C5790"/>
+                </a:solidFill>
+                <a:sym typeface="Wingdings" panose="05000000000000000000" pitchFamily="2" charset="2"/>
+              </a:rPr>
+              <a:t></a:t>
+            </a:r>
+            <a:r>
+              <a:rPr lang="en-US" sz="1400" dirty="0">
+                <a:solidFill>
+                  <a:srgbClr val="3C5790"/>
+                </a:solidFill>
+              </a:rPr>
+              <a:t> highest version of SSL protocol that the client can support.</a:t>
+            </a:r>
+          </a:p>
+          <a:p>
+            <a:pPr lvl="1"/>
+            <a:r>
+              <a:rPr lang="en-US" sz="1400" b="1" dirty="0" err="1">
+                <a:solidFill>
+                  <a:srgbClr val="3C5790"/>
+                </a:solidFill>
+              </a:rPr>
+              <a:t>RandomNumber</a:t>
+            </a:r>
+            <a:r>
+              <a:rPr lang="en-US" sz="1400" dirty="0">
+                <a:solidFill>
+                  <a:srgbClr val="3C5790"/>
+                </a:solidFill>
+              </a:rPr>
+              <a:t> </a:t>
+            </a:r>
+            <a:r>
+              <a:rPr lang="en-US" sz="1400" dirty="0">
+                <a:solidFill>
+                  <a:srgbClr val="3C5790"/>
+                </a:solidFill>
+                <a:sym typeface="Wingdings" panose="05000000000000000000" pitchFamily="2" charset="2"/>
+              </a:rPr>
+              <a:t></a:t>
+            </a:r>
+            <a:r>
+              <a:rPr lang="en-US" sz="1400" dirty="0">
+                <a:solidFill>
+                  <a:srgbClr val="3C5790"/>
+                </a:solidFill>
+              </a:rPr>
+              <a:t> 32-byte random number used to seed the cryptographic calculations.</a:t>
+            </a:r>
+          </a:p>
+          <a:p>
+            <a:pPr lvl="1"/>
+            <a:r>
+              <a:rPr lang="en-US" sz="1400" b="1" dirty="0" err="1">
+                <a:solidFill>
+                  <a:srgbClr val="3C5790"/>
+                </a:solidFill>
+              </a:rPr>
+              <a:t>SessionID</a:t>
+            </a:r>
+            <a:r>
+              <a:rPr lang="en-US" sz="1400" dirty="0">
+                <a:solidFill>
+                  <a:srgbClr val="3C5790"/>
+                </a:solidFill>
+              </a:rPr>
+              <a:t> </a:t>
+            </a:r>
+            <a:r>
+              <a:rPr lang="en-US" sz="1400" dirty="0">
+                <a:solidFill>
+                  <a:srgbClr val="3C5790"/>
+                </a:solidFill>
+                <a:sym typeface="Wingdings" panose="05000000000000000000" pitchFamily="2" charset="2"/>
+              </a:rPr>
+              <a:t></a:t>
+            </a:r>
+            <a:r>
+              <a:rPr lang="en-US" sz="1400" dirty="0">
+                <a:solidFill>
+                  <a:srgbClr val="3C5790"/>
+                </a:solidFill>
+              </a:rPr>
+              <a:t> identifies the SSL session.</a:t>
+            </a:r>
+          </a:p>
+          <a:p>
+            <a:pPr lvl="1"/>
+            <a:r>
+              <a:rPr lang="en-US" sz="1400" b="1" dirty="0" err="1">
+                <a:solidFill>
+                  <a:srgbClr val="3C5790"/>
+                </a:solidFill>
+              </a:rPr>
+              <a:t>CipherSuites</a:t>
+            </a:r>
+            <a:r>
+              <a:rPr lang="en-US" sz="1400" dirty="0">
+                <a:solidFill>
+                  <a:srgbClr val="3C5790"/>
+                </a:solidFill>
+              </a:rPr>
+              <a:t> </a:t>
+            </a:r>
+            <a:r>
+              <a:rPr lang="en-US" sz="1400" dirty="0">
+                <a:solidFill>
+                  <a:srgbClr val="3C5790"/>
+                </a:solidFill>
+                <a:sym typeface="Wingdings" panose="05000000000000000000" pitchFamily="2" charset="2"/>
+              </a:rPr>
+              <a:t></a:t>
+            </a:r>
+            <a:r>
+              <a:rPr lang="en-US" sz="1400" dirty="0">
+                <a:solidFill>
+                  <a:srgbClr val="3C5790"/>
+                </a:solidFill>
+              </a:rPr>
+              <a:t> list of cryptographic parameters that the client can support.</a:t>
+            </a:r>
+          </a:p>
+          <a:p>
+            <a:pPr lvl="1"/>
+            <a:r>
+              <a:rPr lang="en-US" sz="1400" b="1" dirty="0" err="1">
+                <a:solidFill>
+                  <a:srgbClr val="3C5790"/>
+                </a:solidFill>
+              </a:rPr>
+              <a:t>CompressionMethods</a:t>
+            </a:r>
+            <a:r>
+              <a:rPr lang="en-US" sz="1400" dirty="0">
+                <a:solidFill>
+                  <a:srgbClr val="3C5790"/>
+                </a:solidFill>
+              </a:rPr>
+              <a:t> </a:t>
+            </a:r>
+            <a:r>
+              <a:rPr lang="en-US" sz="1400" dirty="0">
+                <a:solidFill>
+                  <a:srgbClr val="3C5790"/>
+                </a:solidFill>
+                <a:sym typeface="Wingdings" panose="05000000000000000000" pitchFamily="2" charset="2"/>
+              </a:rPr>
+              <a:t></a:t>
+            </a:r>
+            <a:r>
+              <a:rPr lang="en-US" sz="1400" dirty="0">
+                <a:solidFill>
+                  <a:srgbClr val="3C5790"/>
+                </a:solidFill>
+              </a:rPr>
+              <a:t> identifies data compression methods that the client can support.</a:t>
+            </a:r>
+          </a:p>
+        </p:txBody>
+      </p:sp>
     </p:spTree>
     <p:extLst>
       <p:ext uri="{BB962C8B-B14F-4D97-AF65-F5344CB8AC3E}">
-        <p14:creationId xmlns:p14="http://schemas.microsoft.com/office/powerpoint/2010/main" val="31966372"/>
+        <p14:creationId xmlns:p14="http://schemas.microsoft.com/office/powerpoint/2010/main" val="4131559362"/>
       </p:ext>
     </p:extLst>
   </p:cSld>
@@ -7564,6 +7349,1758 @@
                   <a:schemeClr val="bg1"/>
                 </a:solidFill>
               </a:rPr>
+              <a:t>SSL </a:t>
+            </a:r>
+            <a:r>
+              <a:rPr lang="fr-CA" dirty="0" err="1">
+                <a:solidFill>
+                  <a:schemeClr val="bg1"/>
+                </a:solidFill>
+              </a:rPr>
+              <a:t>Operation</a:t>
+            </a:r>
+            <a:r>
+              <a:rPr lang="fr-CA" dirty="0">
+                <a:solidFill>
+                  <a:schemeClr val="bg1"/>
+                </a:solidFill>
+              </a:rPr>
+              <a:t> (</a:t>
+            </a:r>
+            <a:r>
+              <a:rPr lang="fr-CA" dirty="0" err="1">
+                <a:solidFill>
+                  <a:schemeClr val="bg1"/>
+                </a:solidFill>
+              </a:rPr>
+              <a:t>cont</a:t>
+            </a:r>
+            <a:r>
+              <a:rPr lang="fr-CA" dirty="0">
+                <a:solidFill>
+                  <a:schemeClr val="bg1"/>
+                </a:solidFill>
+              </a:rPr>
+              <a:t>.)</a:t>
+            </a:r>
+          </a:p>
+        </p:txBody>
+      </p:sp>
+      <p:sp>
+        <p:nvSpPr>
+          <p:cNvPr id="4099" name="Espace réservé du contenu 4"/>
+          <p:cNvSpPr>
+            <a:spLocks noGrp="1"/>
+          </p:cNvSpPr>
+          <p:nvPr>
+            <p:ph idx="1"/>
+          </p:nvPr>
+        </p:nvSpPr>
+        <p:spPr>
+          <a:xfrm>
+            <a:off x="304800" y="1905000"/>
+            <a:ext cx="8839200" cy="2133600"/>
+          </a:xfrm>
+        </p:spPr>
+        <p:txBody>
+          <a:bodyPr/>
+          <a:lstStyle/>
+          <a:p>
+            <a:r>
+              <a:rPr lang="en-US" sz="1400" dirty="0">
+                <a:solidFill>
+                  <a:srgbClr val="3C5790"/>
+                </a:solidFill>
+              </a:rPr>
+              <a:t>The contents of a </a:t>
+            </a:r>
+            <a:r>
+              <a:rPr lang="en-US" sz="1400" b="1" dirty="0" err="1">
+                <a:solidFill>
+                  <a:srgbClr val="3C5790"/>
+                </a:solidFill>
+              </a:rPr>
+              <a:t>ServerHello</a:t>
+            </a:r>
+            <a:r>
+              <a:rPr lang="en-US" sz="1400" dirty="0">
+                <a:solidFill>
+                  <a:srgbClr val="3C5790"/>
+                </a:solidFill>
+              </a:rPr>
+              <a:t> are much the same as a </a:t>
+            </a:r>
+            <a:r>
+              <a:rPr lang="en-US" sz="1400" dirty="0" err="1">
+                <a:solidFill>
+                  <a:srgbClr val="3C5790"/>
+                </a:solidFill>
+              </a:rPr>
+              <a:t>ClientHello</a:t>
+            </a:r>
+            <a:r>
+              <a:rPr lang="en-US" sz="1400" dirty="0">
+                <a:solidFill>
+                  <a:srgbClr val="3C5790"/>
+                </a:solidFill>
+              </a:rPr>
+              <a:t>.</a:t>
+            </a:r>
+          </a:p>
+          <a:p>
+            <a:r>
+              <a:rPr lang="en-US" sz="1400" dirty="0" err="1">
+                <a:solidFill>
+                  <a:srgbClr val="3C5790"/>
+                </a:solidFill>
+              </a:rPr>
+              <a:t>ServerHello</a:t>
+            </a:r>
+            <a:r>
+              <a:rPr lang="en-US" sz="1400" dirty="0">
+                <a:solidFill>
+                  <a:srgbClr val="3C5790"/>
+                </a:solidFill>
+              </a:rPr>
+              <a:t> components:</a:t>
+            </a:r>
+          </a:p>
+          <a:p>
+            <a:pPr lvl="1"/>
+            <a:r>
+              <a:rPr lang="en-US" sz="1400" b="1" dirty="0">
+                <a:solidFill>
+                  <a:srgbClr val="3C5790"/>
+                </a:solidFill>
+              </a:rPr>
+              <a:t>Version</a:t>
+            </a:r>
+            <a:r>
+              <a:rPr lang="en-US" sz="1400" dirty="0">
+                <a:solidFill>
+                  <a:srgbClr val="3C5790"/>
+                </a:solidFill>
+              </a:rPr>
+              <a:t> </a:t>
+            </a:r>
+            <a:r>
+              <a:rPr lang="en-US" sz="1400" dirty="0">
+                <a:solidFill>
+                  <a:srgbClr val="3C5790"/>
+                </a:solidFill>
+                <a:sym typeface="Wingdings" panose="05000000000000000000" pitchFamily="2" charset="2"/>
+              </a:rPr>
+              <a:t></a:t>
+            </a:r>
+            <a:r>
+              <a:rPr lang="en-US" sz="1400" dirty="0">
+                <a:solidFill>
+                  <a:srgbClr val="3C5790"/>
+                </a:solidFill>
+              </a:rPr>
+              <a:t> highest version of SSL protocol that the client can support.</a:t>
+            </a:r>
+          </a:p>
+          <a:p>
+            <a:pPr lvl="1"/>
+            <a:r>
+              <a:rPr lang="en-US" sz="1400" b="1" dirty="0" err="1">
+                <a:solidFill>
+                  <a:srgbClr val="3C5790"/>
+                </a:solidFill>
+              </a:rPr>
+              <a:t>RandomNumber</a:t>
+            </a:r>
+            <a:r>
+              <a:rPr lang="en-US" sz="1400" dirty="0">
+                <a:solidFill>
+                  <a:srgbClr val="3C5790"/>
+                </a:solidFill>
+              </a:rPr>
+              <a:t> </a:t>
+            </a:r>
+            <a:r>
+              <a:rPr lang="en-US" sz="1400" dirty="0">
+                <a:solidFill>
+                  <a:srgbClr val="3C5790"/>
+                </a:solidFill>
+                <a:sym typeface="Wingdings" panose="05000000000000000000" pitchFamily="2" charset="2"/>
+              </a:rPr>
+              <a:t></a:t>
+            </a:r>
+            <a:r>
+              <a:rPr lang="en-US" sz="1400" dirty="0">
+                <a:solidFill>
+                  <a:srgbClr val="3C5790"/>
+                </a:solidFill>
+              </a:rPr>
+              <a:t> 32-byte random number used to seed the cryptographic calculations.</a:t>
+            </a:r>
+          </a:p>
+          <a:p>
+            <a:pPr lvl="1"/>
+            <a:r>
+              <a:rPr lang="en-US" sz="1400" b="1" dirty="0" err="1">
+                <a:solidFill>
+                  <a:srgbClr val="3C5790"/>
+                </a:solidFill>
+              </a:rPr>
+              <a:t>SessionID</a:t>
+            </a:r>
+            <a:r>
+              <a:rPr lang="en-US" sz="1400" dirty="0">
+                <a:solidFill>
+                  <a:srgbClr val="3C5790"/>
+                </a:solidFill>
+              </a:rPr>
+              <a:t> </a:t>
+            </a:r>
+            <a:r>
+              <a:rPr lang="en-US" sz="1400" dirty="0">
+                <a:solidFill>
+                  <a:srgbClr val="3C5790"/>
+                </a:solidFill>
+                <a:sym typeface="Wingdings" panose="05000000000000000000" pitchFamily="2" charset="2"/>
+              </a:rPr>
+              <a:t></a:t>
+            </a:r>
+            <a:r>
+              <a:rPr lang="en-US" sz="1400" dirty="0">
+                <a:solidFill>
+                  <a:srgbClr val="3C5790"/>
+                </a:solidFill>
+              </a:rPr>
+              <a:t> identifies the SSL session.</a:t>
+            </a:r>
+          </a:p>
+          <a:p>
+            <a:pPr lvl="1"/>
+            <a:r>
+              <a:rPr lang="en-US" sz="1400" b="1" dirty="0" err="1">
+                <a:solidFill>
+                  <a:srgbClr val="3C5790"/>
+                </a:solidFill>
+              </a:rPr>
+              <a:t>CipherSuites</a:t>
+            </a:r>
+            <a:r>
+              <a:rPr lang="en-US" sz="1400" dirty="0">
+                <a:solidFill>
+                  <a:srgbClr val="3C5790"/>
+                </a:solidFill>
+              </a:rPr>
+              <a:t> </a:t>
+            </a:r>
+            <a:r>
+              <a:rPr lang="en-US" sz="1400" dirty="0">
+                <a:solidFill>
+                  <a:srgbClr val="3C5790"/>
+                </a:solidFill>
+                <a:sym typeface="Wingdings" panose="05000000000000000000" pitchFamily="2" charset="2"/>
+              </a:rPr>
+              <a:t></a:t>
+            </a:r>
+            <a:r>
+              <a:rPr lang="en-US" sz="1400" dirty="0">
+                <a:solidFill>
+                  <a:srgbClr val="3C5790"/>
+                </a:solidFill>
+              </a:rPr>
+              <a:t> list of cryptographic parameters that the client can support.</a:t>
+            </a:r>
+          </a:p>
+          <a:p>
+            <a:pPr lvl="1"/>
+            <a:r>
+              <a:rPr lang="en-US" sz="1400" b="1" dirty="0" err="1">
+                <a:solidFill>
+                  <a:srgbClr val="3C5790"/>
+                </a:solidFill>
+              </a:rPr>
+              <a:t>CompressionMethods</a:t>
+            </a:r>
+            <a:r>
+              <a:rPr lang="en-US" sz="1400" dirty="0">
+                <a:solidFill>
+                  <a:srgbClr val="3C5790"/>
+                </a:solidFill>
+              </a:rPr>
+              <a:t> </a:t>
+            </a:r>
+            <a:r>
+              <a:rPr lang="en-US" sz="1400" dirty="0">
+                <a:solidFill>
+                  <a:srgbClr val="3C5790"/>
+                </a:solidFill>
+                <a:sym typeface="Wingdings" panose="05000000000000000000" pitchFamily="2" charset="2"/>
+              </a:rPr>
+              <a:t></a:t>
+            </a:r>
+            <a:r>
+              <a:rPr lang="en-US" sz="1400" dirty="0">
+                <a:solidFill>
+                  <a:srgbClr val="3C5790"/>
+                </a:solidFill>
+              </a:rPr>
+              <a:t> identifies data compression methods that the client can support.</a:t>
+            </a:r>
+          </a:p>
+          <a:p>
+            <a:endParaRPr lang="en-US" sz="1400" dirty="0">
+              <a:solidFill>
+                <a:srgbClr val="3C5790"/>
+              </a:solidFill>
+            </a:endParaRPr>
+          </a:p>
+        </p:txBody>
+      </p:sp>
+    </p:spTree>
+    <p:extLst>
+      <p:ext uri="{BB962C8B-B14F-4D97-AF65-F5344CB8AC3E}">
+        <p14:creationId xmlns:p14="http://schemas.microsoft.com/office/powerpoint/2010/main" val="3390855267"/>
+      </p:ext>
+    </p:extLst>
+  </p:cSld>
+  <p:clrMapOvr>
+    <a:masterClrMapping/>
+  </p:clrMapOvr>
+</p:sld>
+</file>
+
+<file path=ppt/slides/slide28.xml><?xml version="1.0" encoding="utf-8"?>
+<p:sld xmlns:a="http://schemas.openxmlformats.org/drawingml/2006/main" xmlns:r="http://schemas.openxmlformats.org/officeDocument/2006/relationships" xmlns:p="http://schemas.openxmlformats.org/presentationml/2006/main">
+  <p:cSld>
+    <p:bg>
+      <p:bgPr>
+        <a:blipFill dpi="0" rotWithShape="0">
+          <a:blip r:embed="rId2" cstate="print"/>
+          <a:srcRect/>
+          <a:stretch>
+            <a:fillRect/>
+          </a:stretch>
+        </a:blipFill>
+        <a:effectLst/>
+      </p:bgPr>
+    </p:bg>
+    <p:spTree>
+      <p:nvGrpSpPr>
+        <p:cNvPr id="1" name=""/>
+        <p:cNvGrpSpPr/>
+        <p:nvPr/>
+      </p:nvGrpSpPr>
+      <p:grpSpPr>
+        <a:xfrm>
+          <a:off x="0" y="0"/>
+          <a:ext cx="0" cy="0"/>
+          <a:chOff x="0" y="0"/>
+          <a:chExt cx="0" cy="0"/>
+        </a:xfrm>
+      </p:grpSpPr>
+      <p:sp>
+        <p:nvSpPr>
+          <p:cNvPr id="4098" name="Titre 3"/>
+          <p:cNvSpPr>
+            <a:spLocks noGrp="1"/>
+          </p:cNvSpPr>
+          <p:nvPr>
+            <p:ph type="title"/>
+          </p:nvPr>
+        </p:nvSpPr>
+        <p:spPr/>
+        <p:txBody>
+          <a:bodyPr/>
+          <a:lstStyle/>
+          <a:p>
+            <a:r>
+              <a:rPr lang="fr-CA" dirty="0">
+                <a:solidFill>
+                  <a:schemeClr val="bg1"/>
+                </a:solidFill>
+              </a:rPr>
+              <a:t>SSL </a:t>
+            </a:r>
+            <a:r>
+              <a:rPr lang="fr-CA" dirty="0" err="1">
+                <a:solidFill>
+                  <a:schemeClr val="bg1"/>
+                </a:solidFill>
+              </a:rPr>
+              <a:t>Operation</a:t>
+            </a:r>
+            <a:r>
+              <a:rPr lang="fr-CA" dirty="0">
+                <a:solidFill>
+                  <a:schemeClr val="bg1"/>
+                </a:solidFill>
+              </a:rPr>
+              <a:t> (</a:t>
+            </a:r>
+            <a:r>
+              <a:rPr lang="fr-CA" dirty="0" err="1">
+                <a:solidFill>
+                  <a:schemeClr val="bg1"/>
+                </a:solidFill>
+              </a:rPr>
+              <a:t>cont</a:t>
+            </a:r>
+            <a:r>
+              <a:rPr lang="fr-CA" dirty="0">
+                <a:solidFill>
+                  <a:schemeClr val="bg1"/>
+                </a:solidFill>
+              </a:rPr>
+              <a:t>.)</a:t>
+            </a:r>
+          </a:p>
+        </p:txBody>
+      </p:sp>
+      <p:sp>
+        <p:nvSpPr>
+          <p:cNvPr id="4099" name="Espace réservé du contenu 4"/>
+          <p:cNvSpPr>
+            <a:spLocks noGrp="1"/>
+          </p:cNvSpPr>
+          <p:nvPr>
+            <p:ph idx="1"/>
+          </p:nvPr>
+        </p:nvSpPr>
+        <p:spPr>
+          <a:xfrm>
+            <a:off x="304800" y="1905000"/>
+            <a:ext cx="8839200" cy="2133600"/>
+          </a:xfrm>
+        </p:spPr>
+        <p:txBody>
+          <a:bodyPr/>
+          <a:lstStyle/>
+          <a:p>
+            <a:r>
+              <a:rPr lang="en-US" sz="1400" dirty="0">
+                <a:solidFill>
+                  <a:srgbClr val="3C5790"/>
+                </a:solidFill>
+              </a:rPr>
+              <a:t>The server sends </a:t>
+            </a:r>
+            <a:r>
+              <a:rPr lang="en-US" sz="1400" b="1" dirty="0" err="1">
+                <a:solidFill>
+                  <a:srgbClr val="3C5790"/>
+                </a:solidFill>
+              </a:rPr>
+              <a:t>ServerKeyExchange</a:t>
+            </a:r>
+            <a:r>
+              <a:rPr lang="en-US" sz="1400" dirty="0">
+                <a:solidFill>
+                  <a:srgbClr val="3C5790"/>
+                </a:solidFill>
+              </a:rPr>
+              <a:t> message after the </a:t>
+            </a:r>
+            <a:r>
+              <a:rPr lang="en-US" sz="1400" dirty="0" err="1">
+                <a:solidFill>
+                  <a:srgbClr val="3C5790"/>
+                </a:solidFill>
+              </a:rPr>
+              <a:t>ServerHello</a:t>
+            </a:r>
+            <a:r>
+              <a:rPr lang="en-US" sz="1400" dirty="0">
+                <a:solidFill>
+                  <a:srgbClr val="3C5790"/>
+                </a:solidFill>
+              </a:rPr>
+              <a:t> message.</a:t>
+            </a:r>
+          </a:p>
+          <a:p>
+            <a:r>
+              <a:rPr lang="en-US" sz="1400" dirty="0">
+                <a:solidFill>
+                  <a:srgbClr val="3C5790"/>
+                </a:solidFill>
+              </a:rPr>
+              <a:t>The message complements </a:t>
+            </a:r>
+            <a:r>
+              <a:rPr lang="en-US" sz="1400" dirty="0" err="1">
+                <a:solidFill>
+                  <a:srgbClr val="3C5790"/>
+                </a:solidFill>
+              </a:rPr>
+              <a:t>CipherSuite</a:t>
+            </a:r>
+            <a:r>
+              <a:rPr lang="en-US" sz="1400" dirty="0">
+                <a:solidFill>
+                  <a:srgbClr val="3C5790"/>
+                </a:solidFill>
+              </a:rPr>
+              <a:t> field of the </a:t>
+            </a:r>
+            <a:r>
+              <a:rPr lang="en-US" sz="1400" dirty="0" err="1">
+                <a:solidFill>
+                  <a:srgbClr val="3C5790"/>
+                </a:solidFill>
+              </a:rPr>
+              <a:t>ServerHello</a:t>
+            </a:r>
+            <a:r>
+              <a:rPr lang="en-US" sz="1400" dirty="0">
+                <a:solidFill>
+                  <a:srgbClr val="3C5790"/>
+                </a:solidFill>
+              </a:rPr>
+              <a:t>.</a:t>
+            </a:r>
+          </a:p>
+          <a:p>
+            <a:r>
+              <a:rPr lang="en-US" sz="1400" dirty="0">
+                <a:solidFill>
+                  <a:srgbClr val="3C5790"/>
+                </a:solidFill>
+              </a:rPr>
+              <a:t>While the </a:t>
+            </a:r>
+            <a:r>
+              <a:rPr lang="en-US" sz="1400" dirty="0" err="1">
+                <a:solidFill>
+                  <a:srgbClr val="3C5790"/>
+                </a:solidFill>
+              </a:rPr>
+              <a:t>CipherSuite</a:t>
+            </a:r>
+            <a:r>
+              <a:rPr lang="en-US" sz="1400" dirty="0">
+                <a:solidFill>
+                  <a:srgbClr val="3C5790"/>
+                </a:solidFill>
+              </a:rPr>
+              <a:t> field indicates the cryptographic algorithms and key sizes, this message contains the public key.</a:t>
+            </a:r>
+          </a:p>
+          <a:p>
+            <a:r>
+              <a:rPr lang="en-US" sz="1400" dirty="0">
+                <a:solidFill>
+                  <a:srgbClr val="3C5790"/>
+                </a:solidFill>
+              </a:rPr>
+              <a:t>The client will use the server's public key to encrypt a session key.</a:t>
+            </a:r>
+          </a:p>
+        </p:txBody>
+      </p:sp>
+    </p:spTree>
+    <p:extLst>
+      <p:ext uri="{BB962C8B-B14F-4D97-AF65-F5344CB8AC3E}">
+        <p14:creationId xmlns:p14="http://schemas.microsoft.com/office/powerpoint/2010/main" val="1818949843"/>
+      </p:ext>
+    </p:extLst>
+  </p:cSld>
+  <p:clrMapOvr>
+    <a:masterClrMapping/>
+  </p:clrMapOvr>
+</p:sld>
+</file>
+
+<file path=ppt/slides/slide29.xml><?xml version="1.0" encoding="utf-8"?>
+<p:sld xmlns:a="http://schemas.openxmlformats.org/drawingml/2006/main" xmlns:r="http://schemas.openxmlformats.org/officeDocument/2006/relationships" xmlns:p="http://schemas.openxmlformats.org/presentationml/2006/main">
+  <p:cSld>
+    <p:bg>
+      <p:bgPr>
+        <a:blipFill dpi="0" rotWithShape="0">
+          <a:blip r:embed="rId2" cstate="print"/>
+          <a:srcRect/>
+          <a:stretch>
+            <a:fillRect/>
+          </a:stretch>
+        </a:blipFill>
+        <a:effectLst/>
+      </p:bgPr>
+    </p:bg>
+    <p:spTree>
+      <p:nvGrpSpPr>
+        <p:cNvPr id="1" name=""/>
+        <p:cNvGrpSpPr/>
+        <p:nvPr/>
+      </p:nvGrpSpPr>
+      <p:grpSpPr>
+        <a:xfrm>
+          <a:off x="0" y="0"/>
+          <a:ext cx="0" cy="0"/>
+          <a:chOff x="0" y="0"/>
+          <a:chExt cx="0" cy="0"/>
+        </a:xfrm>
+      </p:grpSpPr>
+      <p:sp>
+        <p:nvSpPr>
+          <p:cNvPr id="4098" name="Titre 3"/>
+          <p:cNvSpPr>
+            <a:spLocks noGrp="1"/>
+          </p:cNvSpPr>
+          <p:nvPr>
+            <p:ph type="title"/>
+          </p:nvPr>
+        </p:nvSpPr>
+        <p:spPr/>
+        <p:txBody>
+          <a:bodyPr/>
+          <a:lstStyle/>
+          <a:p>
+            <a:r>
+              <a:rPr lang="fr-CA" dirty="0">
+                <a:solidFill>
+                  <a:schemeClr val="bg1"/>
+                </a:solidFill>
+              </a:rPr>
+              <a:t>SSL </a:t>
+            </a:r>
+            <a:r>
+              <a:rPr lang="fr-CA" dirty="0" err="1">
+                <a:solidFill>
+                  <a:schemeClr val="bg1"/>
+                </a:solidFill>
+              </a:rPr>
+              <a:t>Operation</a:t>
+            </a:r>
+            <a:r>
+              <a:rPr lang="fr-CA" dirty="0">
+                <a:solidFill>
+                  <a:schemeClr val="bg1"/>
+                </a:solidFill>
+              </a:rPr>
+              <a:t> (</a:t>
+            </a:r>
+            <a:r>
+              <a:rPr lang="fr-CA" dirty="0" err="1">
+                <a:solidFill>
+                  <a:schemeClr val="bg1"/>
+                </a:solidFill>
+              </a:rPr>
+              <a:t>cont</a:t>
+            </a:r>
+            <a:r>
+              <a:rPr lang="fr-CA" dirty="0">
+                <a:solidFill>
+                  <a:schemeClr val="bg1"/>
+                </a:solidFill>
+              </a:rPr>
+              <a:t>.)</a:t>
+            </a:r>
+          </a:p>
+        </p:txBody>
+      </p:sp>
+      <p:sp>
+        <p:nvSpPr>
+          <p:cNvPr id="4099" name="Espace réservé du contenu 4"/>
+          <p:cNvSpPr>
+            <a:spLocks noGrp="1"/>
+          </p:cNvSpPr>
+          <p:nvPr>
+            <p:ph idx="1"/>
+          </p:nvPr>
+        </p:nvSpPr>
+        <p:spPr>
+          <a:xfrm>
+            <a:off x="304800" y="1905000"/>
+            <a:ext cx="8839200" cy="2133600"/>
+          </a:xfrm>
+        </p:spPr>
+        <p:txBody>
+          <a:bodyPr/>
+          <a:lstStyle/>
+          <a:p>
+            <a:r>
+              <a:rPr lang="en-US" sz="1400" dirty="0">
+                <a:solidFill>
+                  <a:srgbClr val="3C5790"/>
+                </a:solidFill>
+              </a:rPr>
+              <a:t>The </a:t>
+            </a:r>
+            <a:r>
+              <a:rPr lang="en-US" sz="1400" b="1" dirty="0" err="1">
+                <a:solidFill>
+                  <a:srgbClr val="3C5790"/>
+                </a:solidFill>
+              </a:rPr>
+              <a:t>ServerHelloDone</a:t>
+            </a:r>
+            <a:r>
+              <a:rPr lang="en-US" sz="1400" dirty="0">
+                <a:solidFill>
+                  <a:srgbClr val="3C5790"/>
+                </a:solidFill>
+              </a:rPr>
+              <a:t> message informs the client that the server has </a:t>
+            </a:r>
+            <a:r>
+              <a:rPr lang="en-US" sz="1400" dirty="0" err="1">
+                <a:solidFill>
+                  <a:srgbClr val="3C5790"/>
+                </a:solidFill>
+              </a:rPr>
+              <a:t>inished</a:t>
+            </a:r>
+            <a:r>
+              <a:rPr lang="en-US" sz="1400" dirty="0">
+                <a:solidFill>
+                  <a:srgbClr val="3C5790"/>
+                </a:solidFill>
+              </a:rPr>
+              <a:t> with its initial </a:t>
+            </a:r>
+            <a:r>
+              <a:rPr lang="en-US" sz="1400" dirty="0" err="1">
+                <a:solidFill>
+                  <a:srgbClr val="3C5790"/>
+                </a:solidFill>
+              </a:rPr>
+              <a:t>negociation</a:t>
+            </a:r>
+            <a:r>
+              <a:rPr lang="en-US" sz="1400" dirty="0">
+                <a:solidFill>
+                  <a:srgbClr val="3C5790"/>
+                </a:solidFill>
+              </a:rPr>
+              <a:t> message.</a:t>
+            </a:r>
+          </a:p>
+          <a:p>
+            <a:r>
+              <a:rPr lang="en-US" sz="1400" dirty="0">
+                <a:solidFill>
+                  <a:srgbClr val="3C5790"/>
+                </a:solidFill>
+              </a:rPr>
+              <a:t>Once the client receives a </a:t>
+            </a:r>
+            <a:r>
+              <a:rPr lang="en-US" sz="1400" dirty="0" err="1">
+                <a:solidFill>
+                  <a:srgbClr val="3C5790"/>
+                </a:solidFill>
+              </a:rPr>
+              <a:t>ServerHelloDone</a:t>
+            </a:r>
+            <a:r>
+              <a:rPr lang="en-US" sz="1400" dirty="0">
+                <a:solidFill>
+                  <a:srgbClr val="3C5790"/>
+                </a:solidFill>
+              </a:rPr>
+              <a:t> it can move to the next phase of establishing the </a:t>
+            </a:r>
+            <a:r>
+              <a:rPr lang="en-US" sz="1400" dirty="0" err="1">
+                <a:solidFill>
+                  <a:srgbClr val="3C5790"/>
+                </a:solidFill>
+              </a:rPr>
+              <a:t>securre</a:t>
+            </a:r>
+            <a:r>
+              <a:rPr lang="en-US" sz="1400" dirty="0">
+                <a:solidFill>
+                  <a:srgbClr val="3C5790"/>
+                </a:solidFill>
+              </a:rPr>
+              <a:t> communications.</a:t>
+            </a:r>
+          </a:p>
+          <a:p>
+            <a:r>
+              <a:rPr lang="en-US" sz="1400" dirty="0">
+                <a:solidFill>
+                  <a:srgbClr val="3C5790"/>
+                </a:solidFill>
+              </a:rPr>
+              <a:t>After the server has finished its part of the initial SSL negotiation the client responds with a </a:t>
+            </a:r>
+            <a:r>
+              <a:rPr lang="en-US" sz="1400" b="1" dirty="0" err="1">
+                <a:solidFill>
+                  <a:srgbClr val="3C5790"/>
+                </a:solidFill>
+              </a:rPr>
+              <a:t>ClientKeyExchange</a:t>
+            </a:r>
+            <a:r>
+              <a:rPr lang="en-US" sz="1400" dirty="0">
+                <a:solidFill>
+                  <a:srgbClr val="3C5790"/>
+                </a:solidFill>
+              </a:rPr>
+              <a:t> message.</a:t>
+            </a:r>
+          </a:p>
+          <a:p>
+            <a:r>
+              <a:rPr lang="en-US" sz="1400" dirty="0">
+                <a:solidFill>
+                  <a:srgbClr val="3C5790"/>
+                </a:solidFill>
+              </a:rPr>
+              <a:t>The </a:t>
+            </a:r>
+            <a:r>
+              <a:rPr lang="en-US" sz="1400" dirty="0" err="1">
+                <a:solidFill>
+                  <a:srgbClr val="3C5790"/>
+                </a:solidFill>
+              </a:rPr>
+              <a:t>ClientKeyExchange</a:t>
+            </a:r>
+            <a:r>
+              <a:rPr lang="en-US" sz="1400" dirty="0">
+                <a:solidFill>
+                  <a:srgbClr val="3C5790"/>
+                </a:solidFill>
+              </a:rPr>
+              <a:t> tells the server the client's key information.</a:t>
+            </a:r>
+          </a:p>
+        </p:txBody>
+      </p:sp>
+    </p:spTree>
+    <p:extLst>
+      <p:ext uri="{BB962C8B-B14F-4D97-AF65-F5344CB8AC3E}">
+        <p14:creationId xmlns:p14="http://schemas.microsoft.com/office/powerpoint/2010/main" val="2499210354"/>
+      </p:ext>
+    </p:extLst>
+  </p:cSld>
+  <p:clrMapOvr>
+    <a:masterClrMapping/>
+  </p:clrMapOvr>
+</p:sld>
+</file>
+
+<file path=ppt/slides/slide3.xml><?xml version="1.0" encoding="utf-8"?>
+<p:sld xmlns:a="http://schemas.openxmlformats.org/drawingml/2006/main" xmlns:r="http://schemas.openxmlformats.org/officeDocument/2006/relationships" xmlns:p="http://schemas.openxmlformats.org/presentationml/2006/main">
+  <p:cSld>
+    <p:bg>
+      <p:bgPr>
+        <a:blipFill dpi="0" rotWithShape="0">
+          <a:blip r:embed="rId2" cstate="print"/>
+          <a:srcRect/>
+          <a:stretch>
+            <a:fillRect/>
+          </a:stretch>
+        </a:blipFill>
+        <a:effectLst/>
+      </p:bgPr>
+    </p:bg>
+    <p:spTree>
+      <p:nvGrpSpPr>
+        <p:cNvPr id="1" name=""/>
+        <p:cNvGrpSpPr/>
+        <p:nvPr/>
+      </p:nvGrpSpPr>
+      <p:grpSpPr>
+        <a:xfrm>
+          <a:off x="0" y="0"/>
+          <a:ext cx="0" cy="0"/>
+          <a:chOff x="0" y="0"/>
+          <a:chExt cx="0" cy="0"/>
+        </a:xfrm>
+      </p:grpSpPr>
+      <p:sp>
+        <p:nvSpPr>
+          <p:cNvPr id="4098" name="Titre 3"/>
+          <p:cNvSpPr>
+            <a:spLocks noGrp="1"/>
+          </p:cNvSpPr>
+          <p:nvPr>
+            <p:ph type="title"/>
+          </p:nvPr>
+        </p:nvSpPr>
+        <p:spPr/>
+        <p:txBody>
+          <a:bodyPr/>
+          <a:lstStyle/>
+          <a:p>
+            <a:r>
+              <a:rPr lang="fr-CA" dirty="0" err="1">
+                <a:solidFill>
+                  <a:schemeClr val="bg1"/>
+                </a:solidFill>
+              </a:rPr>
+              <a:t>What</a:t>
+            </a:r>
+            <a:r>
+              <a:rPr lang="fr-CA" dirty="0">
+                <a:solidFill>
+                  <a:schemeClr val="bg1"/>
+                </a:solidFill>
+              </a:rPr>
+              <a:t> </a:t>
+            </a:r>
+            <a:r>
+              <a:rPr lang="fr-CA" dirty="0" err="1">
+                <a:solidFill>
+                  <a:schemeClr val="bg1"/>
+                </a:solidFill>
+              </a:rPr>
+              <a:t>is</a:t>
+            </a:r>
+            <a:r>
+              <a:rPr lang="fr-CA" dirty="0">
+                <a:solidFill>
+                  <a:schemeClr val="bg1"/>
+                </a:solidFill>
+              </a:rPr>
+              <a:t> TLS?</a:t>
+            </a:r>
+          </a:p>
+        </p:txBody>
+      </p:sp>
+      <p:sp>
+        <p:nvSpPr>
+          <p:cNvPr id="4099" name="Espace réservé du contenu 4"/>
+          <p:cNvSpPr>
+            <a:spLocks noGrp="1"/>
+          </p:cNvSpPr>
+          <p:nvPr>
+            <p:ph idx="1"/>
+          </p:nvPr>
+        </p:nvSpPr>
+        <p:spPr>
+          <a:xfrm>
+            <a:off x="228600" y="2133600"/>
+            <a:ext cx="8686800" cy="1447800"/>
+          </a:xfrm>
+        </p:spPr>
+        <p:txBody>
+          <a:bodyPr/>
+          <a:lstStyle/>
+          <a:p>
+            <a:r>
+              <a:rPr lang="en-US" sz="1500" b="1" dirty="0">
+                <a:solidFill>
+                  <a:srgbClr val="3C5790"/>
+                </a:solidFill>
+              </a:rPr>
+              <a:t>Transport Layer Security </a:t>
+            </a:r>
+            <a:r>
+              <a:rPr lang="en-US" sz="1500" dirty="0">
+                <a:solidFill>
+                  <a:srgbClr val="3C5790"/>
+                </a:solidFill>
+              </a:rPr>
+              <a:t>(</a:t>
+            </a:r>
+            <a:r>
+              <a:rPr lang="en-US" sz="1500" b="1" dirty="0">
+                <a:solidFill>
+                  <a:srgbClr val="3C5790"/>
+                </a:solidFill>
+              </a:rPr>
+              <a:t>TLS</a:t>
+            </a:r>
+            <a:r>
+              <a:rPr lang="en-US" sz="1500" dirty="0">
+                <a:solidFill>
+                  <a:srgbClr val="3C5790"/>
+                </a:solidFill>
+              </a:rPr>
+              <a:t>) and its predecessor, </a:t>
+            </a:r>
+            <a:r>
+              <a:rPr lang="en-US" sz="1500" b="1" dirty="0">
+                <a:solidFill>
+                  <a:srgbClr val="3C5790"/>
+                </a:solidFill>
+              </a:rPr>
+              <a:t>Secure Sockets Layer </a:t>
+            </a:r>
+            <a:r>
+              <a:rPr lang="en-US" sz="1500" dirty="0">
+                <a:solidFill>
+                  <a:srgbClr val="3C5790"/>
+                </a:solidFill>
+              </a:rPr>
+              <a:t>(</a:t>
+            </a:r>
+            <a:r>
+              <a:rPr lang="en-US" sz="1500" b="1" dirty="0">
+                <a:solidFill>
+                  <a:srgbClr val="3C5790"/>
+                </a:solidFill>
+              </a:rPr>
+              <a:t>SSL</a:t>
+            </a:r>
+            <a:r>
+              <a:rPr lang="en-US" sz="1500" dirty="0">
+                <a:solidFill>
+                  <a:srgbClr val="3C5790"/>
+                </a:solidFill>
+              </a:rPr>
+              <a:t>)  are cryptographic protocols that provide communications security over a computer network.</a:t>
+            </a:r>
+          </a:p>
+          <a:p>
+            <a:r>
+              <a:rPr lang="en-US" sz="1500" dirty="0">
+                <a:solidFill>
+                  <a:srgbClr val="3C5790"/>
+                </a:solidFill>
+              </a:rPr>
+              <a:t>The primary goal of the Transport Layer Security protocol is to provide privacy and data integrity between two communicating computer applications.</a:t>
+            </a:r>
+          </a:p>
+          <a:p>
+            <a:r>
+              <a:rPr lang="en-US" sz="1500" dirty="0">
+                <a:solidFill>
+                  <a:srgbClr val="3C5790"/>
+                </a:solidFill>
+              </a:rPr>
+              <a:t>The connection is private because symmetric cryptography is used to encrypt the data transmitted.</a:t>
+            </a:r>
+            <a:endParaRPr lang="fr-CA" sz="1400" dirty="0">
+              <a:solidFill>
+                <a:srgbClr val="3C5790"/>
+              </a:solidFill>
+            </a:endParaRPr>
+          </a:p>
+        </p:txBody>
+      </p:sp>
+    </p:spTree>
+  </p:cSld>
+  <p:clrMapOvr>
+    <a:masterClrMapping/>
+  </p:clrMapOvr>
+</p:sld>
+</file>
+
+<file path=ppt/slides/slide30.xml><?xml version="1.0" encoding="utf-8"?>
+<p:sld xmlns:a="http://schemas.openxmlformats.org/drawingml/2006/main" xmlns:r="http://schemas.openxmlformats.org/officeDocument/2006/relationships" xmlns:p="http://schemas.openxmlformats.org/presentationml/2006/main">
+  <p:cSld>
+    <p:bg>
+      <p:bgPr>
+        <a:blipFill dpi="0" rotWithShape="0">
+          <a:blip r:embed="rId2" cstate="print"/>
+          <a:srcRect/>
+          <a:stretch>
+            <a:fillRect/>
+          </a:stretch>
+        </a:blipFill>
+        <a:effectLst/>
+      </p:bgPr>
+    </p:bg>
+    <p:spTree>
+      <p:nvGrpSpPr>
+        <p:cNvPr id="1" name=""/>
+        <p:cNvGrpSpPr/>
+        <p:nvPr/>
+      </p:nvGrpSpPr>
+      <p:grpSpPr>
+        <a:xfrm>
+          <a:off x="0" y="0"/>
+          <a:ext cx="0" cy="0"/>
+          <a:chOff x="0" y="0"/>
+          <a:chExt cx="0" cy="0"/>
+        </a:xfrm>
+      </p:grpSpPr>
+      <p:sp>
+        <p:nvSpPr>
+          <p:cNvPr id="4098" name="Titre 3"/>
+          <p:cNvSpPr>
+            <a:spLocks noGrp="1"/>
+          </p:cNvSpPr>
+          <p:nvPr>
+            <p:ph type="title"/>
+          </p:nvPr>
+        </p:nvSpPr>
+        <p:spPr/>
+        <p:txBody>
+          <a:bodyPr/>
+          <a:lstStyle/>
+          <a:p>
+            <a:r>
+              <a:rPr lang="fr-CA" dirty="0">
+                <a:solidFill>
+                  <a:schemeClr val="bg1"/>
+                </a:solidFill>
+              </a:rPr>
+              <a:t>SSL </a:t>
+            </a:r>
+            <a:r>
+              <a:rPr lang="fr-CA" dirty="0" err="1">
+                <a:solidFill>
+                  <a:schemeClr val="bg1"/>
+                </a:solidFill>
+              </a:rPr>
+              <a:t>Operation</a:t>
+            </a:r>
+            <a:r>
+              <a:rPr lang="fr-CA" dirty="0">
+                <a:solidFill>
+                  <a:schemeClr val="bg1"/>
+                </a:solidFill>
+              </a:rPr>
+              <a:t> (</a:t>
+            </a:r>
+            <a:r>
+              <a:rPr lang="fr-CA" dirty="0" err="1">
+                <a:solidFill>
+                  <a:schemeClr val="bg1"/>
+                </a:solidFill>
+              </a:rPr>
+              <a:t>cont</a:t>
+            </a:r>
+            <a:r>
+              <a:rPr lang="fr-CA" dirty="0">
+                <a:solidFill>
+                  <a:schemeClr val="bg1"/>
+                </a:solidFill>
+              </a:rPr>
+              <a:t>.)</a:t>
+            </a:r>
+          </a:p>
+        </p:txBody>
+      </p:sp>
+      <p:sp>
+        <p:nvSpPr>
+          <p:cNvPr id="4099" name="Espace réservé du contenu 4"/>
+          <p:cNvSpPr>
+            <a:spLocks noGrp="1"/>
+          </p:cNvSpPr>
+          <p:nvPr>
+            <p:ph idx="1"/>
+          </p:nvPr>
+        </p:nvSpPr>
+        <p:spPr>
+          <a:xfrm>
+            <a:off x="304800" y="1905000"/>
+            <a:ext cx="8839200" cy="2133600"/>
+          </a:xfrm>
+        </p:spPr>
+        <p:txBody>
+          <a:bodyPr/>
+          <a:lstStyle/>
+          <a:p>
+            <a:r>
+              <a:rPr lang="en-US" sz="1400" dirty="0">
+                <a:solidFill>
+                  <a:srgbClr val="3C5790"/>
+                </a:solidFill>
+              </a:rPr>
+              <a:t>After the client sends key information in a </a:t>
+            </a:r>
+            <a:r>
+              <a:rPr lang="en-US" sz="1400" b="1" dirty="0" err="1">
+                <a:solidFill>
+                  <a:srgbClr val="3C5790"/>
+                </a:solidFill>
+              </a:rPr>
+              <a:t>ClientKeyExchange</a:t>
+            </a:r>
+            <a:r>
+              <a:rPr lang="en-US" sz="1400" dirty="0">
+                <a:solidFill>
+                  <a:srgbClr val="3C5790"/>
+                </a:solidFill>
+              </a:rPr>
+              <a:t> message the preliminary SSL negotiation is complete.</a:t>
+            </a:r>
+          </a:p>
+          <a:p>
+            <a:r>
+              <a:rPr lang="en-US" sz="1400" dirty="0" err="1">
+                <a:solidFill>
+                  <a:srgbClr val="3C5790"/>
+                </a:solidFill>
+              </a:rPr>
+              <a:t>ChangeCipherSepc</a:t>
+            </a:r>
+            <a:r>
+              <a:rPr lang="en-US" sz="1400" dirty="0">
+                <a:solidFill>
+                  <a:srgbClr val="3C5790"/>
+                </a:solidFill>
+              </a:rPr>
+              <a:t> is a special SSL message that indicates the security services should be invoked.</a:t>
+            </a:r>
+          </a:p>
+          <a:p>
+            <a:r>
+              <a:rPr lang="en-US" sz="1400" dirty="0">
+                <a:solidFill>
+                  <a:srgbClr val="3C5790"/>
+                </a:solidFill>
+              </a:rPr>
+              <a:t>Immediately after sending the </a:t>
+            </a:r>
+            <a:r>
+              <a:rPr lang="en-US" sz="1400" dirty="0" err="1">
+                <a:solidFill>
+                  <a:srgbClr val="3C5790"/>
+                </a:solidFill>
+              </a:rPr>
+              <a:t>ChangeCipherSpec</a:t>
+            </a:r>
+            <a:r>
+              <a:rPr lang="en-US" sz="1400" dirty="0">
+                <a:solidFill>
+                  <a:srgbClr val="3C5790"/>
+                </a:solidFill>
+              </a:rPr>
+              <a:t> message each system also sends a Finished message.</a:t>
+            </a:r>
+          </a:p>
+          <a:p>
+            <a:r>
+              <a:rPr lang="en-US" sz="1400" dirty="0">
+                <a:solidFill>
+                  <a:srgbClr val="3C5790"/>
+                </a:solidFill>
+              </a:rPr>
+              <a:t>The </a:t>
+            </a:r>
+            <a:r>
+              <a:rPr lang="en-US" sz="1400" b="1" dirty="0">
+                <a:solidFill>
+                  <a:srgbClr val="3C5790"/>
+                </a:solidFill>
+              </a:rPr>
+              <a:t>Finished</a:t>
+            </a:r>
+            <a:r>
+              <a:rPr lang="en-US" sz="1400" dirty="0">
+                <a:solidFill>
+                  <a:srgbClr val="3C5790"/>
+                </a:solidFill>
+              </a:rPr>
+              <a:t> message allow both systems to verify that the negotiation has been successful, and that security has not been compromised.</a:t>
+            </a:r>
+          </a:p>
+        </p:txBody>
+      </p:sp>
+    </p:spTree>
+    <p:extLst>
+      <p:ext uri="{BB962C8B-B14F-4D97-AF65-F5344CB8AC3E}">
+        <p14:creationId xmlns:p14="http://schemas.microsoft.com/office/powerpoint/2010/main" val="3772707365"/>
+      </p:ext>
+    </p:extLst>
+  </p:cSld>
+  <p:clrMapOvr>
+    <a:masterClrMapping/>
+  </p:clrMapOvr>
+</p:sld>
+</file>
+
+<file path=ppt/slides/slide31.xml><?xml version="1.0" encoding="utf-8"?>
+<p:sld xmlns:a="http://schemas.openxmlformats.org/drawingml/2006/main" xmlns:r="http://schemas.openxmlformats.org/officeDocument/2006/relationships" xmlns:p="http://schemas.openxmlformats.org/presentationml/2006/main">
+  <p:cSld>
+    <p:bg>
+      <p:bgPr>
+        <a:blipFill dpi="0" rotWithShape="0">
+          <a:blip r:embed="rId2" cstate="print"/>
+          <a:srcRect/>
+          <a:stretch>
+            <a:fillRect/>
+          </a:stretch>
+        </a:blipFill>
+        <a:effectLst/>
+      </p:bgPr>
+    </p:bg>
+    <p:spTree>
+      <p:nvGrpSpPr>
+        <p:cNvPr id="1" name=""/>
+        <p:cNvGrpSpPr/>
+        <p:nvPr/>
+      </p:nvGrpSpPr>
+      <p:grpSpPr>
+        <a:xfrm>
+          <a:off x="0" y="0"/>
+          <a:ext cx="0" cy="0"/>
+          <a:chOff x="0" y="0"/>
+          <a:chExt cx="0" cy="0"/>
+        </a:xfrm>
+      </p:grpSpPr>
+      <p:sp>
+        <p:nvSpPr>
+          <p:cNvPr id="4098" name="Titre 3"/>
+          <p:cNvSpPr>
+            <a:spLocks noGrp="1"/>
+          </p:cNvSpPr>
+          <p:nvPr>
+            <p:ph type="title"/>
+          </p:nvPr>
+        </p:nvSpPr>
+        <p:spPr/>
+        <p:txBody>
+          <a:bodyPr/>
+          <a:lstStyle/>
+          <a:p>
+            <a:r>
+              <a:rPr lang="fr-CA" dirty="0">
+                <a:solidFill>
+                  <a:schemeClr val="bg1"/>
+                </a:solidFill>
+              </a:rPr>
+              <a:t>Message Format</a:t>
+            </a:r>
+          </a:p>
+        </p:txBody>
+      </p:sp>
+      <p:sp>
+        <p:nvSpPr>
+          <p:cNvPr id="4099" name="Espace réservé du contenu 4"/>
+          <p:cNvSpPr>
+            <a:spLocks noGrp="1"/>
+          </p:cNvSpPr>
+          <p:nvPr>
+            <p:ph idx="1"/>
+          </p:nvPr>
+        </p:nvSpPr>
+        <p:spPr>
+          <a:xfrm>
+            <a:off x="304800" y="1905000"/>
+            <a:ext cx="8839200" cy="1143000"/>
+          </a:xfrm>
+        </p:spPr>
+        <p:txBody>
+          <a:bodyPr/>
+          <a:lstStyle/>
+          <a:p>
+            <a:r>
+              <a:rPr lang="en-US" sz="1400" dirty="0">
+                <a:solidFill>
+                  <a:srgbClr val="3C5790"/>
+                </a:solidFill>
+              </a:rPr>
+              <a:t>The SSL protocol consists of several different components. </a:t>
+            </a:r>
+          </a:p>
+          <a:p>
+            <a:r>
+              <a:rPr lang="en-US" sz="1400" dirty="0">
+                <a:solidFill>
+                  <a:srgbClr val="3C5790"/>
+                </a:solidFill>
+              </a:rPr>
+              <a:t>4 sources create SSL message: </a:t>
+            </a:r>
+            <a:r>
+              <a:rPr lang="en-US" sz="1400" b="1" dirty="0" err="1">
+                <a:solidFill>
+                  <a:srgbClr val="3C5790"/>
+                </a:solidFill>
+              </a:rPr>
+              <a:t>ChangeCipherSpec</a:t>
+            </a:r>
+            <a:r>
+              <a:rPr lang="en-US" sz="1400" dirty="0">
+                <a:solidFill>
+                  <a:srgbClr val="3C5790"/>
+                </a:solidFill>
+              </a:rPr>
+              <a:t>, </a:t>
+            </a:r>
+            <a:r>
+              <a:rPr lang="en-US" sz="1400" b="1" dirty="0">
+                <a:solidFill>
+                  <a:srgbClr val="3C5790"/>
+                </a:solidFill>
+              </a:rPr>
+              <a:t>Alert</a:t>
+            </a:r>
+            <a:r>
+              <a:rPr lang="en-US" sz="1400" dirty="0">
+                <a:solidFill>
+                  <a:srgbClr val="3C5790"/>
+                </a:solidFill>
+              </a:rPr>
+              <a:t>, </a:t>
+            </a:r>
+            <a:r>
+              <a:rPr lang="en-US" sz="1400" b="1" dirty="0">
+                <a:solidFill>
+                  <a:srgbClr val="3C5790"/>
+                </a:solidFill>
+              </a:rPr>
+              <a:t>Handshake</a:t>
+            </a:r>
+            <a:r>
+              <a:rPr lang="en-US" sz="1400" dirty="0">
+                <a:solidFill>
+                  <a:srgbClr val="3C5790"/>
+                </a:solidFill>
+              </a:rPr>
+              <a:t> and </a:t>
+            </a:r>
+            <a:r>
+              <a:rPr lang="en-US" sz="1400" b="1" dirty="0">
+                <a:solidFill>
+                  <a:srgbClr val="3C5790"/>
+                </a:solidFill>
+              </a:rPr>
+              <a:t>Application</a:t>
+            </a:r>
+            <a:r>
+              <a:rPr lang="en-US" sz="1400" dirty="0">
+                <a:solidFill>
+                  <a:srgbClr val="3C5790"/>
+                </a:solidFill>
+              </a:rPr>
+              <a:t> protocols.</a:t>
+            </a:r>
+          </a:p>
+          <a:p>
+            <a:r>
+              <a:rPr lang="en-US" sz="1400" dirty="0">
+                <a:solidFill>
+                  <a:srgbClr val="3C5790"/>
+                </a:solidFill>
+              </a:rPr>
+              <a:t>The Record Layer protocol accepts all the messages then formats and frames them passing to the transport layer.</a:t>
+            </a:r>
+          </a:p>
+        </p:txBody>
+      </p:sp>
+      <p:pic>
+        <p:nvPicPr>
+          <p:cNvPr id="2" name="Picture 1"/>
+          <p:cNvPicPr>
+            <a:picLocks noChangeAspect="1"/>
+          </p:cNvPicPr>
+          <p:nvPr/>
+        </p:nvPicPr>
+        <p:blipFill>
+          <a:blip r:embed="rId3"/>
+          <a:stretch>
+            <a:fillRect/>
+          </a:stretch>
+        </p:blipFill>
+        <p:spPr>
+          <a:xfrm>
+            <a:off x="1689750" y="3048000"/>
+            <a:ext cx="5277787" cy="3305175"/>
+          </a:xfrm>
+          <a:prstGeom prst="rect">
+            <a:avLst/>
+          </a:prstGeom>
+        </p:spPr>
+      </p:pic>
+    </p:spTree>
+    <p:extLst>
+      <p:ext uri="{BB962C8B-B14F-4D97-AF65-F5344CB8AC3E}">
+        <p14:creationId xmlns:p14="http://schemas.microsoft.com/office/powerpoint/2010/main" val="3186142142"/>
+      </p:ext>
+    </p:extLst>
+  </p:cSld>
+  <p:clrMapOvr>
+    <a:masterClrMapping/>
+  </p:clrMapOvr>
+</p:sld>
+</file>
+
+<file path=ppt/slides/slide32.xml><?xml version="1.0" encoding="utf-8"?>
+<p:sld xmlns:a="http://schemas.openxmlformats.org/drawingml/2006/main" xmlns:r="http://schemas.openxmlformats.org/officeDocument/2006/relationships" xmlns:p="http://schemas.openxmlformats.org/presentationml/2006/main">
+  <p:cSld>
+    <p:bg>
+      <p:bgPr>
+        <a:blipFill dpi="0" rotWithShape="0">
+          <a:blip r:embed="rId2" cstate="print"/>
+          <a:srcRect/>
+          <a:stretch>
+            <a:fillRect/>
+          </a:stretch>
+        </a:blipFill>
+        <a:effectLst/>
+      </p:bgPr>
+    </p:bg>
+    <p:spTree>
+      <p:nvGrpSpPr>
+        <p:cNvPr id="1" name=""/>
+        <p:cNvGrpSpPr/>
+        <p:nvPr/>
+      </p:nvGrpSpPr>
+      <p:grpSpPr>
+        <a:xfrm>
+          <a:off x="0" y="0"/>
+          <a:ext cx="0" cy="0"/>
+          <a:chOff x="0" y="0"/>
+          <a:chExt cx="0" cy="0"/>
+        </a:xfrm>
+      </p:grpSpPr>
+      <p:sp>
+        <p:nvSpPr>
+          <p:cNvPr id="4098" name="Titre 3"/>
+          <p:cNvSpPr>
+            <a:spLocks noGrp="1"/>
+          </p:cNvSpPr>
+          <p:nvPr>
+            <p:ph type="title"/>
+          </p:nvPr>
+        </p:nvSpPr>
+        <p:spPr/>
+        <p:txBody>
+          <a:bodyPr/>
+          <a:lstStyle/>
+          <a:p>
+            <a:r>
+              <a:rPr lang="fr-CA" dirty="0">
+                <a:solidFill>
+                  <a:schemeClr val="bg1"/>
+                </a:solidFill>
+              </a:rPr>
+              <a:t>Message Format (</a:t>
+            </a:r>
+            <a:r>
+              <a:rPr lang="fr-CA" dirty="0" err="1">
+                <a:solidFill>
+                  <a:schemeClr val="bg1"/>
+                </a:solidFill>
+              </a:rPr>
+              <a:t>cont</a:t>
+            </a:r>
+            <a:r>
+              <a:rPr lang="fr-CA" dirty="0">
+                <a:solidFill>
+                  <a:schemeClr val="bg1"/>
+                </a:solidFill>
+              </a:rPr>
+              <a:t>.)</a:t>
+            </a:r>
+          </a:p>
+        </p:txBody>
+      </p:sp>
+      <p:pic>
+        <p:nvPicPr>
+          <p:cNvPr id="3" name="Picture 2"/>
+          <p:cNvPicPr>
+            <a:picLocks noChangeAspect="1"/>
+          </p:cNvPicPr>
+          <p:nvPr/>
+        </p:nvPicPr>
+        <p:blipFill>
+          <a:blip r:embed="rId3"/>
+          <a:stretch>
+            <a:fillRect/>
+          </a:stretch>
+        </p:blipFill>
+        <p:spPr>
+          <a:xfrm>
+            <a:off x="1524000" y="1817511"/>
+            <a:ext cx="5053773" cy="5029200"/>
+          </a:xfrm>
+          <a:prstGeom prst="rect">
+            <a:avLst/>
+          </a:prstGeom>
+        </p:spPr>
+      </p:pic>
+    </p:spTree>
+    <p:extLst>
+      <p:ext uri="{BB962C8B-B14F-4D97-AF65-F5344CB8AC3E}">
+        <p14:creationId xmlns:p14="http://schemas.microsoft.com/office/powerpoint/2010/main" val="1521895636"/>
+      </p:ext>
+    </p:extLst>
+  </p:cSld>
+  <p:clrMapOvr>
+    <a:masterClrMapping/>
+  </p:clrMapOvr>
+</p:sld>
+</file>
+
+<file path=ppt/slides/slide33.xml><?xml version="1.0" encoding="utf-8"?>
+<p:sld xmlns:a="http://schemas.openxmlformats.org/drawingml/2006/main" xmlns:r="http://schemas.openxmlformats.org/officeDocument/2006/relationships" xmlns:p="http://schemas.openxmlformats.org/presentationml/2006/main">
+  <p:cSld>
+    <p:bg>
+      <p:bgPr>
+        <a:blipFill dpi="0" rotWithShape="0">
+          <a:blip r:embed="rId2" cstate="print"/>
+          <a:srcRect/>
+          <a:stretch>
+            <a:fillRect/>
+          </a:stretch>
+        </a:blipFill>
+        <a:effectLst/>
+      </p:bgPr>
+    </p:bg>
+    <p:spTree>
+      <p:nvGrpSpPr>
+        <p:cNvPr id="1" name=""/>
+        <p:cNvGrpSpPr/>
+        <p:nvPr/>
+      </p:nvGrpSpPr>
+      <p:grpSpPr>
+        <a:xfrm>
+          <a:off x="0" y="0"/>
+          <a:ext cx="0" cy="0"/>
+          <a:chOff x="0" y="0"/>
+          <a:chExt cx="0" cy="0"/>
+        </a:xfrm>
+      </p:grpSpPr>
+      <p:sp>
+        <p:nvSpPr>
+          <p:cNvPr id="4098" name="Titre 3"/>
+          <p:cNvSpPr>
+            <a:spLocks noGrp="1"/>
+          </p:cNvSpPr>
+          <p:nvPr>
+            <p:ph type="title"/>
+          </p:nvPr>
+        </p:nvSpPr>
+        <p:spPr/>
+        <p:txBody>
+          <a:bodyPr/>
+          <a:lstStyle/>
+          <a:p>
+            <a:r>
+              <a:rPr lang="fr-CA" dirty="0">
+                <a:solidFill>
+                  <a:schemeClr val="bg1"/>
+                </a:solidFill>
+              </a:rPr>
+              <a:t>Message Format (</a:t>
+            </a:r>
+            <a:r>
+              <a:rPr lang="fr-CA" dirty="0" err="1">
+                <a:solidFill>
+                  <a:schemeClr val="bg1"/>
+                </a:solidFill>
+              </a:rPr>
+              <a:t>cont</a:t>
+            </a:r>
+            <a:r>
+              <a:rPr lang="fr-CA" dirty="0">
+                <a:solidFill>
+                  <a:schemeClr val="bg1"/>
+                </a:solidFill>
+              </a:rPr>
+              <a:t>.)</a:t>
+            </a:r>
+          </a:p>
+        </p:txBody>
+      </p:sp>
+      <p:sp>
+        <p:nvSpPr>
+          <p:cNvPr id="4099" name="Espace réservé du contenu 4"/>
+          <p:cNvSpPr>
+            <a:spLocks noGrp="1"/>
+          </p:cNvSpPr>
+          <p:nvPr>
+            <p:ph idx="1"/>
+          </p:nvPr>
+        </p:nvSpPr>
+        <p:spPr>
+          <a:xfrm>
+            <a:off x="304800" y="1905000"/>
+            <a:ext cx="8839200" cy="533400"/>
+          </a:xfrm>
+        </p:spPr>
+        <p:txBody>
+          <a:bodyPr/>
+          <a:lstStyle/>
+          <a:p>
+            <a:r>
+              <a:rPr lang="en-US" sz="1400" dirty="0">
+                <a:solidFill>
+                  <a:srgbClr val="3C5790"/>
+                </a:solidFill>
+              </a:rPr>
+              <a:t>The Record Layer is responsible for encryption. </a:t>
+            </a:r>
+          </a:p>
+        </p:txBody>
+      </p:sp>
+      <p:pic>
+        <p:nvPicPr>
+          <p:cNvPr id="2" name="Picture 1"/>
+          <p:cNvPicPr>
+            <a:picLocks noChangeAspect="1"/>
+          </p:cNvPicPr>
+          <p:nvPr/>
+        </p:nvPicPr>
+        <p:blipFill>
+          <a:blip r:embed="rId3"/>
+          <a:stretch>
+            <a:fillRect/>
+          </a:stretch>
+        </p:blipFill>
+        <p:spPr>
+          <a:xfrm>
+            <a:off x="1447800" y="2466622"/>
+            <a:ext cx="6030809" cy="3438525"/>
+          </a:xfrm>
+          <a:prstGeom prst="rect">
+            <a:avLst/>
+          </a:prstGeom>
+        </p:spPr>
+      </p:pic>
+    </p:spTree>
+    <p:extLst>
+      <p:ext uri="{BB962C8B-B14F-4D97-AF65-F5344CB8AC3E}">
+        <p14:creationId xmlns:p14="http://schemas.microsoft.com/office/powerpoint/2010/main" val="31966372"/>
+      </p:ext>
+    </p:extLst>
+  </p:cSld>
+  <p:clrMapOvr>
+    <a:masterClrMapping/>
+  </p:clrMapOvr>
+</p:sld>
+</file>
+
+<file path=ppt/slides/slide34.xml><?xml version="1.0" encoding="utf-8"?>
+<p:sld xmlns:a="http://schemas.openxmlformats.org/drawingml/2006/main" xmlns:r="http://schemas.openxmlformats.org/officeDocument/2006/relationships" xmlns:p="http://schemas.openxmlformats.org/presentationml/2006/main">
+  <p:cSld>
+    <p:bg>
+      <p:bgPr>
+        <a:blipFill dpi="0" rotWithShape="0">
+          <a:blip r:embed="rId2" cstate="print"/>
+          <a:srcRect/>
+          <a:stretch>
+            <a:fillRect/>
+          </a:stretch>
+        </a:blipFill>
+        <a:effectLst/>
+      </p:bgPr>
+    </p:bg>
+    <p:spTree>
+      <p:nvGrpSpPr>
+        <p:cNvPr id="1" name=""/>
+        <p:cNvGrpSpPr/>
+        <p:nvPr/>
+      </p:nvGrpSpPr>
+      <p:grpSpPr>
+        <a:xfrm>
+          <a:off x="0" y="0"/>
+          <a:ext cx="0" cy="0"/>
+          <a:chOff x="0" y="0"/>
+          <a:chExt cx="0" cy="0"/>
+        </a:xfrm>
+      </p:grpSpPr>
+      <p:sp>
+        <p:nvSpPr>
+          <p:cNvPr id="4098" name="Titre 3"/>
+          <p:cNvSpPr>
+            <a:spLocks noGrp="1"/>
+          </p:cNvSpPr>
+          <p:nvPr>
+            <p:ph type="title"/>
+          </p:nvPr>
+        </p:nvSpPr>
+        <p:spPr/>
+        <p:txBody>
+          <a:bodyPr/>
+          <a:lstStyle/>
+          <a:p>
+            <a:r>
+              <a:rPr lang="fr-CA" dirty="0">
+                <a:solidFill>
+                  <a:schemeClr val="bg1"/>
+                </a:solidFill>
+              </a:rPr>
               <a:t>Message Format (</a:t>
             </a:r>
             <a:r>
@@ -7653,7 +9190,7 @@
 </p:sld>
 </file>
 
-<file path=ppt/slides/slide28.xml><?xml version="1.0" encoding="utf-8"?>
+<file path=ppt/slides/slide35.xml><?xml version="1.0" encoding="utf-8"?>
 <p:sld xmlns:a="http://schemas.openxmlformats.org/drawingml/2006/main" xmlns:r="http://schemas.openxmlformats.org/officeDocument/2006/relationships" xmlns:p="http://schemas.openxmlformats.org/presentationml/2006/main">
   <p:cSld>
     <p:bg>
@@ -8042,7 +9579,7 @@
 </p:sld>
 </file>
 
-<file path=ppt/slides/slide29.xml><?xml version="1.0" encoding="utf-8"?>
+<file path=ppt/slides/slide36.xml><?xml version="1.0" encoding="utf-8"?>
 <p:sld xmlns:a="http://schemas.openxmlformats.org/drawingml/2006/main" xmlns:r="http://schemas.openxmlformats.org/officeDocument/2006/relationships" xmlns:p="http://schemas.openxmlformats.org/presentationml/2006/main">
   <p:cSld>
     <p:bg>
@@ -8181,150 +9718,7 @@
 </p:sld>
 </file>
 
-<file path=ppt/slides/slide3.xml><?xml version="1.0" encoding="utf-8"?>
-<p:sld xmlns:a="http://schemas.openxmlformats.org/drawingml/2006/main" xmlns:r="http://schemas.openxmlformats.org/officeDocument/2006/relationships" xmlns:p="http://schemas.openxmlformats.org/presentationml/2006/main">
-  <p:cSld>
-    <p:bg>
-      <p:bgPr>
-        <a:blipFill dpi="0" rotWithShape="0">
-          <a:blip r:embed="rId2" cstate="print"/>
-          <a:srcRect/>
-          <a:stretch>
-            <a:fillRect/>
-          </a:stretch>
-        </a:blipFill>
-        <a:effectLst/>
-      </p:bgPr>
-    </p:bg>
-    <p:spTree>
-      <p:nvGrpSpPr>
-        <p:cNvPr id="1" name=""/>
-        <p:cNvGrpSpPr/>
-        <p:nvPr/>
-      </p:nvGrpSpPr>
-      <p:grpSpPr>
-        <a:xfrm>
-          <a:off x="0" y="0"/>
-          <a:ext cx="0" cy="0"/>
-          <a:chOff x="0" y="0"/>
-          <a:chExt cx="0" cy="0"/>
-        </a:xfrm>
-      </p:grpSpPr>
-      <p:sp>
-        <p:nvSpPr>
-          <p:cNvPr id="4098" name="Titre 3"/>
-          <p:cNvSpPr>
-            <a:spLocks noGrp="1"/>
-          </p:cNvSpPr>
-          <p:nvPr>
-            <p:ph type="title"/>
-          </p:nvPr>
-        </p:nvSpPr>
-        <p:spPr/>
-        <p:txBody>
-          <a:bodyPr/>
-          <a:lstStyle/>
-          <a:p>
-            <a:r>
-              <a:rPr lang="fr-CA" dirty="0" err="1">
-                <a:solidFill>
-                  <a:schemeClr val="bg1"/>
-                </a:solidFill>
-              </a:rPr>
-              <a:t>What</a:t>
-            </a:r>
-            <a:r>
-              <a:rPr lang="fr-CA" dirty="0">
-                <a:solidFill>
-                  <a:schemeClr val="bg1"/>
-                </a:solidFill>
-              </a:rPr>
-              <a:t> </a:t>
-            </a:r>
-            <a:r>
-              <a:rPr lang="fr-CA" dirty="0" err="1">
-                <a:solidFill>
-                  <a:schemeClr val="bg1"/>
-                </a:solidFill>
-              </a:rPr>
-              <a:t>is</a:t>
-            </a:r>
-            <a:r>
-              <a:rPr lang="fr-CA" dirty="0">
-                <a:solidFill>
-                  <a:schemeClr val="bg1"/>
-                </a:solidFill>
-              </a:rPr>
-              <a:t> TLS?</a:t>
-            </a:r>
-          </a:p>
-        </p:txBody>
-      </p:sp>
-      <p:sp>
-        <p:nvSpPr>
-          <p:cNvPr id="4099" name="Espace réservé du contenu 4"/>
-          <p:cNvSpPr>
-            <a:spLocks noGrp="1"/>
-          </p:cNvSpPr>
-          <p:nvPr>
-            <p:ph idx="1"/>
-          </p:nvPr>
-        </p:nvSpPr>
-        <p:spPr>
-          <a:xfrm>
-            <a:off x="228600" y="2133600"/>
-            <a:ext cx="8686800" cy="1447800"/>
-          </a:xfrm>
-        </p:spPr>
-        <p:txBody>
-          <a:bodyPr/>
-          <a:lstStyle/>
-          <a:p>
-            <a:r>
-              <a:rPr lang="en-US" sz="1500" dirty="0">
-                <a:solidFill>
-                  <a:srgbClr val="3C5790"/>
-                </a:solidFill>
-              </a:rPr>
-              <a:t>Transport Layer Security (TLS) and its predecessor, Secure Sockets Layer (SSL)  are cryptographic protocols that provide communications security over a computer network.</a:t>
-            </a:r>
-          </a:p>
-          <a:p>
-            <a:r>
-              <a:rPr lang="en-US" sz="1500" dirty="0">
-                <a:solidFill>
-                  <a:srgbClr val="3C5790"/>
-                </a:solidFill>
-              </a:rPr>
-              <a:t>The primary goal of the Transport Layer Security protocol is to provide privacy and data integrity between two communicating computer applications.</a:t>
-            </a:r>
-          </a:p>
-          <a:p>
-            <a:r>
-              <a:rPr lang="en-US" sz="1500" dirty="0">
-                <a:solidFill>
-                  <a:srgbClr val="3C5790"/>
-                </a:solidFill>
-              </a:rPr>
-              <a:t>The connection is private because symmetric cryptography is used to encrypt the data transmitted.</a:t>
-            </a:r>
-            <a:endParaRPr lang="fr-CA" sz="1400" dirty="0">
-              <a:solidFill>
-                <a:srgbClr val="3C5790"/>
-              </a:solidFill>
-            </a:endParaRPr>
-          </a:p>
-        </p:txBody>
-      </p:sp>
-    </p:spTree>
-  </p:cSld>
-  <p:clrMapOvr>
-    <a:masterClrMapping/>
-  </p:clrMapOvr>
-</p:sld>
-</file>
-
-<file path=ppt/slides/slide30.xml><?xml version="1.0" encoding="utf-8"?>
+<file path=ppt/slides/slide37.xml><?xml version="1.0" encoding="utf-8"?>
 <p:sld xmlns:a="http://schemas.openxmlformats.org/drawingml/2006/main" xmlns:r="http://schemas.openxmlformats.org/officeDocument/2006/relationships" xmlns:p="http://schemas.openxmlformats.org/presentationml/2006/main">
   <p:cSld>
     <p:bg>
@@ -8463,7 +9857,7 @@
 </p:sld>
 </file>
 
-<file path=ppt/slides/slide31.xml><?xml version="1.0" encoding="utf-8"?>
+<file path=ppt/slides/slide38.xml><?xml version="1.0" encoding="utf-8"?>
 <p:sld xmlns:a="http://schemas.openxmlformats.org/drawingml/2006/main" xmlns:r="http://schemas.openxmlformats.org/officeDocument/2006/relationships" xmlns:p="http://schemas.openxmlformats.org/presentationml/2006/main">
   <p:cSld>
     <p:bg>
@@ -8602,7 +9996,7 @@
 </p:sld>
 </file>
 
-<file path=ppt/slides/slide32.xml><?xml version="1.0" encoding="utf-8"?>
+<file path=ppt/slides/slide39.xml><?xml version="1.0" encoding="utf-8"?>
 <p:sld xmlns:a="http://schemas.openxmlformats.org/drawingml/2006/main" xmlns:r="http://schemas.openxmlformats.org/officeDocument/2006/relationships" xmlns:p="http://schemas.openxmlformats.org/presentationml/2006/main">
   <p:cSld>
     <p:bg>
@@ -8633,7 +10027,7 @@
       </p:grpSpPr>
       <p:sp>
         <p:nvSpPr>
-          <p:cNvPr id="5122" name="Titre 3"/>
+          <p:cNvPr id="4098" name="Titre 3"/>
           <p:cNvSpPr>
             <a:spLocks noGrp="1"/>
           </p:cNvSpPr>
@@ -8647,64 +10041,14 @@
           <a:lstStyle/>
           <a:p>
             <a:r>
-              <a:rPr lang="fr-CA" sz="4000" dirty="0" err="1">
-                <a:solidFill>
-                  <a:schemeClr val="bg1">
-                    <a:lumMod val="95000"/>
-                  </a:schemeClr>
-                </a:solidFill>
-              </a:rPr>
-              <a:t>Bibliography</a:t>
-            </a:r>
-            <a:endParaRPr lang="fr-CA" sz="4000" dirty="0">
-              <a:solidFill>
-                <a:schemeClr val="bg1">
-                  <a:lumMod val="95000"/>
-                </a:schemeClr>
-              </a:solidFill>
-            </a:endParaRPr>
-          </a:p>
-        </p:txBody>
-      </p:sp>
-      <p:sp>
-        <p:nvSpPr>
-          <p:cNvPr id="5123" name="Espace réservé du contenu 4"/>
-          <p:cNvSpPr>
-            <a:spLocks noGrp="1"/>
-          </p:cNvSpPr>
-          <p:nvPr>
-            <p:ph idx="1"/>
-          </p:nvPr>
-        </p:nvSpPr>
-        <p:spPr>
-          <a:xfrm>
-            <a:off x="457200" y="1676400"/>
-            <a:ext cx="8458200" cy="4876800"/>
-          </a:xfrm>
-        </p:spPr>
-        <p:txBody>
-          <a:bodyPr/>
-          <a:lstStyle/>
-          <a:p>
-            <a:r>
-              <a:rPr lang="en-US" sz="1600" dirty="0">
-                <a:solidFill>
-                  <a:schemeClr val="bg1"/>
-                </a:solidFill>
-              </a:rPr>
-              <a:t>https://en.wikipedia.org/wiki/Transport_Layer_Security</a:t>
-            </a:r>
-          </a:p>
-          <a:p>
-            <a:r>
-              <a:rPr lang="en-US" sz="1600" dirty="0">
-                <a:solidFill>
-                  <a:schemeClr val="bg1"/>
-                </a:solidFill>
-              </a:rPr>
-              <a:t>Wiley - SSL and TLS Essentials</a:t>
-            </a:r>
-            <a:endParaRPr lang="fr-CA" sz="1600" dirty="0">
+              <a:rPr lang="fr-CA" dirty="0" err="1">
+                <a:solidFill>
+                  <a:schemeClr val="bg1"/>
+                </a:solidFill>
+              </a:rPr>
+              <a:t>OpenSSL</a:t>
+            </a:r>
+            <a:endParaRPr lang="fr-CA" dirty="0">
               <a:solidFill>
                 <a:schemeClr val="bg1"/>
               </a:solidFill>
@@ -8712,7 +10056,113 @@
           </a:p>
         </p:txBody>
       </p:sp>
+      <p:sp>
+        <p:nvSpPr>
+          <p:cNvPr id="4099" name="Espace réservé du contenu 4"/>
+          <p:cNvSpPr>
+            <a:spLocks noGrp="1"/>
+          </p:cNvSpPr>
+          <p:nvPr>
+            <p:ph idx="1"/>
+          </p:nvPr>
+        </p:nvSpPr>
+        <p:spPr>
+          <a:xfrm>
+            <a:off x="304800" y="1905000"/>
+            <a:ext cx="8839200" cy="381000"/>
+          </a:xfrm>
+        </p:spPr>
+        <p:txBody>
+          <a:bodyPr/>
+          <a:lstStyle/>
+          <a:p>
+            <a:r>
+              <a:rPr lang="en-US" sz="1400" dirty="0" err="1">
+                <a:solidFill>
+                  <a:srgbClr val="3C5790"/>
+                </a:solidFill>
+              </a:rPr>
+              <a:t>openssl</a:t>
+            </a:r>
+            <a:r>
+              <a:rPr lang="en-US" sz="1400" dirty="0">
+                <a:solidFill>
+                  <a:srgbClr val="3C5790"/>
+                </a:solidFill>
+              </a:rPr>
+              <a:t> </a:t>
+            </a:r>
+            <a:r>
+              <a:rPr lang="en-US" sz="1400" dirty="0" err="1">
+                <a:solidFill>
+                  <a:srgbClr val="3C5790"/>
+                </a:solidFill>
+              </a:rPr>
+              <a:t>s_client</a:t>
+            </a:r>
+            <a:r>
+              <a:rPr lang="en-US" sz="1400" dirty="0">
+                <a:solidFill>
+                  <a:srgbClr val="3C5790"/>
+                </a:solidFill>
+              </a:rPr>
+              <a:t> -connect www.google.com:443 &lt; /dev/null | </a:t>
+            </a:r>
+            <a:r>
+              <a:rPr lang="en-US" sz="1400" dirty="0" err="1">
+                <a:solidFill>
+                  <a:srgbClr val="3C5790"/>
+                </a:solidFill>
+              </a:rPr>
+              <a:t>openssl</a:t>
+            </a:r>
+            <a:r>
+              <a:rPr lang="en-US" sz="1400" dirty="0">
+                <a:solidFill>
+                  <a:srgbClr val="3C5790"/>
+                </a:solidFill>
+              </a:rPr>
+              <a:t> x509  -text</a:t>
+            </a:r>
+          </a:p>
+        </p:txBody>
+      </p:sp>
+      <p:pic>
+        <p:nvPicPr>
+          <p:cNvPr id="4" name="Picture 3">
+            <a:extLst>
+              <a:ext uri="{FF2B5EF4-FFF2-40B4-BE49-F238E27FC236}">
+                <a16:creationId xmlns:a16="http://schemas.microsoft.com/office/drawing/2014/main" id="{1FE17821-73D3-4347-AA34-2A834DE7B1C9}"/>
+              </a:ext>
+            </a:extLst>
+          </p:cNvPr>
+          <p:cNvPicPr>
+            <a:picLocks noChangeAspect="1"/>
+          </p:cNvPicPr>
+          <p:nvPr/>
+        </p:nvPicPr>
+        <p:blipFill>
+          <a:blip r:embed="rId3"/>
+          <a:stretch>
+            <a:fillRect/>
+          </a:stretch>
+        </p:blipFill>
+        <p:spPr>
+          <a:xfrm>
+            <a:off x="2133600" y="2257647"/>
+            <a:ext cx="4395400" cy="4572000"/>
+          </a:xfrm>
+          <a:prstGeom prst="rect">
+            <a:avLst/>
+          </a:prstGeom>
+        </p:spPr>
+      </p:pic>
     </p:spTree>
+    <p:extLst>
+      <p:ext uri="{BB962C8B-B14F-4D97-AF65-F5344CB8AC3E}">
+        <p14:creationId xmlns:p14="http://schemas.microsoft.com/office/powerpoint/2010/main" val="1505515826"/>
+      </p:ext>
+    </p:extLst>
   </p:cSld>
   <p:clrMapOvr>
     <a:masterClrMapping/>
@@ -8887,6 +10337,301 @@
         <p14:creationId xmlns:p14="http://schemas.microsoft.com/office/powerpoint/2010/main" val="1654460605"/>
       </p:ext>
     </p:extLst>
+  </p:cSld>
+  <p:clrMapOvr>
+    <a:masterClrMapping/>
+  </p:clrMapOvr>
+</p:sld>
+</file>
+
+<file path=ppt/slides/slide40.xml><?xml version="1.0" encoding="utf-8"?>
+<p:sld xmlns:a="http://schemas.openxmlformats.org/drawingml/2006/main" xmlns:r="http://schemas.openxmlformats.org/officeDocument/2006/relationships" xmlns:p="http://schemas.openxmlformats.org/presentationml/2006/main">
+  <p:cSld>
+    <p:bg>
+      <p:bgPr>
+        <a:blipFill dpi="0" rotWithShape="0">
+          <a:blip r:embed="rId2" cstate="print"/>
+          <a:srcRect/>
+          <a:stretch>
+            <a:fillRect/>
+          </a:stretch>
+        </a:blipFill>
+        <a:effectLst/>
+      </p:bgPr>
+    </p:bg>
+    <p:spTree>
+      <p:nvGrpSpPr>
+        <p:cNvPr id="1" name=""/>
+        <p:cNvGrpSpPr/>
+        <p:nvPr/>
+      </p:nvGrpSpPr>
+      <p:grpSpPr>
+        <a:xfrm>
+          <a:off x="0" y="0"/>
+          <a:ext cx="0" cy="0"/>
+          <a:chOff x="0" y="0"/>
+          <a:chExt cx="0" cy="0"/>
+        </a:xfrm>
+      </p:grpSpPr>
+      <p:sp>
+        <p:nvSpPr>
+          <p:cNvPr id="4098" name="Titre 3"/>
+          <p:cNvSpPr>
+            <a:spLocks noGrp="1"/>
+          </p:cNvSpPr>
+          <p:nvPr>
+            <p:ph type="title"/>
+          </p:nvPr>
+        </p:nvSpPr>
+        <p:spPr/>
+        <p:txBody>
+          <a:bodyPr/>
+          <a:lstStyle/>
+          <a:p>
+            <a:r>
+              <a:rPr lang="fr-CA" dirty="0" err="1">
+                <a:solidFill>
+                  <a:schemeClr val="bg1"/>
+                </a:solidFill>
+              </a:rPr>
+              <a:t>OpenSSL</a:t>
+            </a:r>
+            <a:r>
+              <a:rPr lang="fr-CA" dirty="0">
+                <a:solidFill>
+                  <a:schemeClr val="bg1"/>
+                </a:solidFill>
+              </a:rPr>
+              <a:t> (</a:t>
+            </a:r>
+            <a:r>
+              <a:rPr lang="fr-CA" dirty="0" err="1">
+                <a:solidFill>
+                  <a:schemeClr val="bg1"/>
+                </a:solidFill>
+              </a:rPr>
+              <a:t>cont</a:t>
+            </a:r>
+            <a:r>
+              <a:rPr lang="fr-CA" dirty="0">
+                <a:solidFill>
+                  <a:schemeClr val="bg1"/>
+                </a:solidFill>
+              </a:rPr>
+              <a:t>.)</a:t>
+            </a:r>
+          </a:p>
+        </p:txBody>
+      </p:sp>
+      <p:sp>
+        <p:nvSpPr>
+          <p:cNvPr id="4099" name="Espace réservé du contenu 4"/>
+          <p:cNvSpPr>
+            <a:spLocks noGrp="1"/>
+          </p:cNvSpPr>
+          <p:nvPr>
+            <p:ph idx="1"/>
+          </p:nvPr>
+        </p:nvSpPr>
+        <p:spPr>
+          <a:xfrm>
+            <a:off x="308344" y="1981200"/>
+            <a:ext cx="8839200" cy="533400"/>
+          </a:xfrm>
+        </p:spPr>
+        <p:txBody>
+          <a:bodyPr/>
+          <a:lstStyle/>
+          <a:p>
+            <a:r>
+              <a:rPr lang="en-US" sz="1400" dirty="0" err="1">
+                <a:solidFill>
+                  <a:srgbClr val="3C5790"/>
+                </a:solidFill>
+              </a:rPr>
+              <a:t>openssl</a:t>
+            </a:r>
+            <a:r>
+              <a:rPr lang="en-US" sz="1400" dirty="0">
+                <a:solidFill>
+                  <a:srgbClr val="3C5790"/>
+                </a:solidFill>
+              </a:rPr>
+              <a:t> </a:t>
+            </a:r>
+            <a:r>
+              <a:rPr lang="en-US" sz="1400" dirty="0" err="1">
+                <a:solidFill>
+                  <a:srgbClr val="3C5790"/>
+                </a:solidFill>
+              </a:rPr>
+              <a:t>s_client</a:t>
+            </a:r>
+            <a:r>
+              <a:rPr lang="en-US" sz="1400" dirty="0">
+                <a:solidFill>
+                  <a:srgbClr val="3C5790"/>
+                </a:solidFill>
+              </a:rPr>
+              <a:t> -connect google.com:443 &lt; /dev/null</a:t>
+            </a:r>
+          </a:p>
+        </p:txBody>
+      </p:sp>
+      <p:pic>
+        <p:nvPicPr>
+          <p:cNvPr id="3" name="Picture 2">
+            <a:extLst>
+              <a:ext uri="{FF2B5EF4-FFF2-40B4-BE49-F238E27FC236}">
+                <a16:creationId xmlns:a16="http://schemas.microsoft.com/office/drawing/2014/main" id="{E1313208-DBEB-471C-B845-EF2640C0EAFA}"/>
+              </a:ext>
+            </a:extLst>
+          </p:cNvPr>
+          <p:cNvPicPr>
+            <a:picLocks noChangeAspect="1"/>
+          </p:cNvPicPr>
+          <p:nvPr/>
+        </p:nvPicPr>
+        <p:blipFill>
+          <a:blip r:embed="rId3"/>
+          <a:stretch>
+            <a:fillRect/>
+          </a:stretch>
+        </p:blipFill>
+        <p:spPr>
+          <a:xfrm>
+            <a:off x="1903529" y="2514600"/>
+            <a:ext cx="5336942" cy="4242515"/>
+          </a:xfrm>
+          <a:prstGeom prst="rect">
+            <a:avLst/>
+          </a:prstGeom>
+        </p:spPr>
+      </p:pic>
+    </p:spTree>
+    <p:extLst>
+      <p:ext uri="{BB962C8B-B14F-4D97-AF65-F5344CB8AC3E}">
+        <p14:creationId xmlns:p14="http://schemas.microsoft.com/office/powerpoint/2010/main" val="7408248"/>
+      </p:ext>
+    </p:extLst>
+  </p:cSld>
+  <p:clrMapOvr>
+    <a:masterClrMapping/>
+  </p:clrMapOvr>
+</p:sld>
+</file>
+
+<file path=ppt/slides/slide41.xml><?xml version="1.0" encoding="utf-8"?>
+<p:sld xmlns:a="http://schemas.openxmlformats.org/drawingml/2006/main" xmlns:r="http://schemas.openxmlformats.org/officeDocument/2006/relationships" xmlns:p="http://schemas.openxmlformats.org/presentationml/2006/main">
+  <p:cSld>
+    <p:bg>
+      <p:bgPr>
+        <a:blipFill dpi="0" rotWithShape="0">
+          <a:blip r:embed="rId2" cstate="print"/>
+          <a:srcRect/>
+          <a:stretch>
+            <a:fillRect/>
+          </a:stretch>
+        </a:blipFill>
+        <a:effectLst/>
+      </p:bgPr>
+    </p:bg>
+    <p:spTree>
+      <p:nvGrpSpPr>
+        <p:cNvPr id="1" name=""/>
+        <p:cNvGrpSpPr/>
+        <p:nvPr/>
+      </p:nvGrpSpPr>
+      <p:grpSpPr>
+        <a:xfrm>
+          <a:off x="0" y="0"/>
+          <a:ext cx="0" cy="0"/>
+          <a:chOff x="0" y="0"/>
+          <a:chExt cx="0" cy="0"/>
+        </a:xfrm>
+      </p:grpSpPr>
+      <p:sp>
+        <p:nvSpPr>
+          <p:cNvPr id="5122" name="Titre 3"/>
+          <p:cNvSpPr>
+            <a:spLocks noGrp="1"/>
+          </p:cNvSpPr>
+          <p:nvPr>
+            <p:ph type="title"/>
+          </p:nvPr>
+        </p:nvSpPr>
+        <p:spPr/>
+        <p:txBody>
+          <a:bodyPr/>
+          <a:lstStyle/>
+          <a:p>
+            <a:r>
+              <a:rPr lang="fr-CA" sz="4000" dirty="0" err="1">
+                <a:solidFill>
+                  <a:schemeClr val="bg1">
+                    <a:lumMod val="95000"/>
+                  </a:schemeClr>
+                </a:solidFill>
+              </a:rPr>
+              <a:t>Bibliography</a:t>
+            </a:r>
+            <a:endParaRPr lang="fr-CA" sz="4000" dirty="0">
+              <a:solidFill>
+                <a:schemeClr val="bg1">
+                  <a:lumMod val="95000"/>
+                </a:schemeClr>
+              </a:solidFill>
+            </a:endParaRPr>
+          </a:p>
+        </p:txBody>
+      </p:sp>
+      <p:sp>
+        <p:nvSpPr>
+          <p:cNvPr id="5123" name="Espace réservé du contenu 4"/>
+          <p:cNvSpPr>
+            <a:spLocks noGrp="1"/>
+          </p:cNvSpPr>
+          <p:nvPr>
+            <p:ph idx="1"/>
+          </p:nvPr>
+        </p:nvSpPr>
+        <p:spPr>
+          <a:xfrm>
+            <a:off x="457200" y="1676400"/>
+            <a:ext cx="8458200" cy="4876800"/>
+          </a:xfrm>
+        </p:spPr>
+        <p:txBody>
+          <a:bodyPr/>
+          <a:lstStyle/>
+          <a:p>
+            <a:r>
+              <a:rPr lang="en-US" sz="1600" dirty="0">
+                <a:solidFill>
+                  <a:schemeClr val="bg1"/>
+                </a:solidFill>
+              </a:rPr>
+              <a:t>https://en.wikipedia.org/wiki/Transport_Layer_Security</a:t>
+            </a:r>
+          </a:p>
+          <a:p>
+            <a:r>
+              <a:rPr lang="en-US" sz="1600" dirty="0">
+                <a:solidFill>
+                  <a:schemeClr val="bg1"/>
+                </a:solidFill>
+              </a:rPr>
+              <a:t>Wiley - SSL and TLS Essentials</a:t>
+            </a:r>
+            <a:endParaRPr lang="fr-CA" sz="1600" dirty="0">
+              <a:solidFill>
+                <a:schemeClr val="bg1"/>
+              </a:solidFill>
+            </a:endParaRPr>
+          </a:p>
+        </p:txBody>
+      </p:sp>
+    </p:spTree>
   </p:cSld>
   <p:clrMapOvr>
     <a:masterClrMapping/>
@@ -9198,7 +10943,7 @@
         <p:spPr>
           <a:xfrm>
             <a:off x="228600" y="2133600"/>
-            <a:ext cx="8458200" cy="1828800"/>
+            <a:ext cx="8458200" cy="1371600"/>
           </a:xfrm>
         </p:spPr>
         <p:txBody>
@@ -9211,23 +10956,7 @@
                   <a:srgbClr val="3C5790"/>
                 </a:solidFill>
               </a:rPr>
-              <a:t>TLS 1.0 was first defined in RFC 2246 in January 1999 as an upgrade of SSL Version 3.0, and written by Christopher Allen and Tim </a:t>
-            </a:r>
-            <a:r>
-              <a:rPr lang="en-US" sz="1500" dirty="0" err="1">
-                <a:solidFill>
-                  <a:srgbClr val="3C5790"/>
-                </a:solidFill>
-              </a:rPr>
-              <a:t>Dierks</a:t>
-            </a:r>
-            <a:r>
-              <a:rPr lang="en-US" sz="1500" dirty="0">
-                <a:solidFill>
-                  <a:srgbClr val="3C5790"/>
-                </a:solidFill>
-              </a:rPr>
-              <a:t> of Consensus Development. </a:t>
+              <a:t>TLS 1.0 was first defined in RFC 2246 in January 1999 as an upgrade of SSL Version 3.0 and written by Christopher Allen and Tim Dierks of Consensus Development. </a:t>
             </a:r>
           </a:p>
           <a:p>
@@ -9269,7 +10998,13 @@
       </p:sp>
       <p:pic>
         <p:nvPicPr>
-          <p:cNvPr id="5" name="Picture 4"/>
+          <p:cNvPr id="3" name="Picture 2">
+            <a:extLst>
+              <a:ext uri="{FF2B5EF4-FFF2-40B4-BE49-F238E27FC236}">
+                <a16:creationId xmlns:a16="http://schemas.microsoft.com/office/drawing/2014/main" id="{306CFF7F-553A-4AFE-A3D8-CE9D0E615029}"/>
+              </a:ext>
+            </a:extLst>
+          </p:cNvPr>
           <p:cNvPicPr>
             <a:picLocks noChangeAspect="1"/>
           </p:cNvPicPr>
@@ -9283,8 +11018,8 @@
         </p:blipFill>
         <p:spPr>
           <a:xfrm>
-            <a:off x="3429000" y="3657600"/>
-            <a:ext cx="1752600" cy="3138101"/>
+            <a:off x="962313" y="3657600"/>
+            <a:ext cx="7219373" cy="2971800"/>
           </a:xfrm>
           <a:prstGeom prst="rect">
             <a:avLst/>
@@ -9536,7 +11271,7 @@
                   <a:srgbClr val="3C5790"/>
                 </a:solidFill>
               </a:rPr>
-              <a:t>2 particular hash functions are essential to SSL implementations: Message Digest 5(MD5) and Secure Hash Algorithm(SHA)</a:t>
+              <a:t>2 hash functions are essential to SSL implementations: Message Digest 5(MD5) and Secure Hash Algorithm(SHA)</a:t>
             </a:r>
           </a:p>
         </p:txBody>
@@ -9670,7 +11405,7 @@
         <p:spPr>
           <a:xfrm>
             <a:off x="304800" y="1905000"/>
-            <a:ext cx="8839200" cy="3657600"/>
+            <a:ext cx="8839200" cy="1371600"/>
           </a:xfrm>
         </p:spPr>
         <p:txBody>
@@ -9683,11 +11418,32 @@
                   <a:srgbClr val="3C5790"/>
                 </a:solidFill>
               </a:rPr>
-              <a:t>There are 2 cryptographic techniques:</a:t>
-            </a:r>
-          </a:p>
-          <a:p>
-            <a:pPr lvl="1"/>
+              <a:t>A </a:t>
+            </a:r>
+            <a:r>
+              <a:rPr lang="en-US" sz="1400" b="1" dirty="0">
+                <a:solidFill>
+                  <a:srgbClr val="3C5790"/>
+                </a:solidFill>
+              </a:rPr>
+              <a:t>certificate</a:t>
+            </a:r>
+            <a:r>
+              <a:rPr lang="en-US" sz="1400" dirty="0">
+                <a:solidFill>
+                  <a:srgbClr val="3C5790"/>
+                </a:solidFill>
+              </a:rPr>
+              <a:t> contains a </a:t>
+            </a:r>
+            <a:r>
+              <a:rPr lang="en-US" sz="1400" b="1" dirty="0">
+                <a:solidFill>
+                  <a:srgbClr val="3C5790"/>
+                </a:solidFill>
+              </a:rPr>
+              <a:t>public</a:t>
+            </a:r>
             <a:r>
               <a:rPr lang="en-US" sz="1400" dirty="0">
                 <a:solidFill>
@@ -9702,64 +11458,7 @@
                   <a:srgbClr val="3C5790"/>
                 </a:solidFill>
               </a:rPr>
-              <a:t>secret key</a:t>
-            </a:r>
-          </a:p>
-          <a:p>
-            <a:pPr lvl="1"/>
-            <a:r>
-              <a:rPr lang="en-US" sz="1400" dirty="0">
-                <a:solidFill>
-                  <a:srgbClr val="3C5790"/>
-                </a:solidFill>
-              </a:rPr>
-              <a:t> </a:t>
-            </a:r>
-            <a:r>
-              <a:rPr lang="en-US" sz="1400" b="1" dirty="0">
-                <a:solidFill>
-                  <a:srgbClr val="3C5790"/>
-                </a:solidFill>
-              </a:rPr>
-              <a:t>public key</a:t>
-            </a:r>
-          </a:p>
-          <a:p>
-            <a:r>
-              <a:rPr lang="en-US" sz="1400" dirty="0">
-                <a:solidFill>
-                  <a:srgbClr val="3C5790"/>
-                </a:solidFill>
-              </a:rPr>
-              <a:t>With secret key cryptography both parties know the same information: the key and the endeavor to keep that key secret.</a:t>
-            </a:r>
-          </a:p>
-          <a:p>
-            <a:r>
-              <a:rPr lang="en-US" sz="1400" dirty="0">
-                <a:solidFill>
-                  <a:srgbClr val="3C5790"/>
-                </a:solidFill>
-              </a:rPr>
-              <a:t>Because the secret is known by both parties the technique is called symmetric encryption.</a:t>
-            </a:r>
-          </a:p>
-          <a:p>
-            <a:r>
-              <a:rPr lang="en-US" sz="1400" dirty="0">
-                <a:solidFill>
-                  <a:srgbClr val="3C5790"/>
-                </a:solidFill>
-              </a:rPr>
-              <a:t>The information after encryption process is called </a:t>
-            </a:r>
-            <a:r>
-              <a:rPr lang="en-US" sz="1400" b="1" dirty="0">
-                <a:solidFill>
-                  <a:srgbClr val="3C5790"/>
-                </a:solidFill>
-              </a:rPr>
-              <a:t>cipher text</a:t>
+              <a:t>key</a:t>
             </a:r>
             <a:r>
               <a:rPr lang="en-US" sz="1400" dirty="0">
@@ -9770,8 +11469,58 @@
               <a:t>.</a:t>
             </a:r>
           </a:p>
-        </p:txBody>
-      </p:sp>
+          <a:p>
+            <a:r>
+              <a:rPr lang="en-US" sz="1400" dirty="0">
+                <a:solidFill>
+                  <a:srgbClr val="3C5790"/>
+                </a:solidFill>
+              </a:rPr>
+              <a:t>The certificate, in addition to containing the public key, contains additional information such as issuer, what the certificate is supposed to be used for, and other types of metadata.</a:t>
+            </a:r>
+          </a:p>
+          <a:p>
+            <a:r>
+              <a:rPr lang="en-US" sz="1400" dirty="0">
+                <a:solidFill>
+                  <a:srgbClr val="3C5790"/>
+                </a:solidFill>
+              </a:rPr>
+              <a:t>Typically, a certificate is itself signed by a certificate authority (CA) using CA's private key. This verifies the authenticity of the certificate.</a:t>
+            </a:r>
+          </a:p>
+        </p:txBody>
+      </p:sp>
+      <p:pic>
+        <p:nvPicPr>
+          <p:cNvPr id="3" name="Picture 2">
+            <a:extLst>
+              <a:ext uri="{FF2B5EF4-FFF2-40B4-BE49-F238E27FC236}">
+                <a16:creationId xmlns:a16="http://schemas.microsoft.com/office/drawing/2014/main" id="{C8D69D9C-5F85-44D4-8BCE-EBBF8301F36F}"/>
+              </a:ext>
+            </a:extLst>
+          </p:cNvPr>
+          <p:cNvPicPr>
+            <a:picLocks noChangeAspect="1"/>
+          </p:cNvPicPr>
+          <p:nvPr/>
+        </p:nvPicPr>
+        <p:blipFill>
+          <a:blip r:embed="rId3"/>
+          <a:stretch>
+            <a:fillRect/>
+          </a:stretch>
+        </p:blipFill>
+        <p:spPr>
+          <a:xfrm>
+            <a:off x="2683969" y="3124200"/>
+            <a:ext cx="3776062" cy="3424282"/>
+          </a:xfrm>
+          <a:prstGeom prst="rect">
+            <a:avLst/>
+          </a:prstGeom>
+        </p:spPr>
+      </p:pic>
     </p:spTree>
     <p:extLst>
       <p:ext uri="{BB962C8B-B14F-4D97-AF65-F5344CB8AC3E}">
